--- a/Individual_Contribution/GabrielGaleote/May 15th/May15th.pptx
+++ b/Individual_Contribution/GabrielGaleote/May 15th/May15th.pptx
@@ -5,20 +5,14 @@
     <p:sldMasterId id="2147483672" r:id="rId1"/>
   </p:sldMasterIdLst>
   <p:notesMasterIdLst>
-    <p:notesMasterId r:id="rId13"/>
+    <p:notesMasterId r:id="rId7"/>
   </p:notesMasterIdLst>
   <p:sldIdLst>
     <p:sldId id="256" r:id="rId2"/>
     <p:sldId id="269" r:id="rId3"/>
     <p:sldId id="284" r:id="rId4"/>
-    <p:sldId id="285" r:id="rId5"/>
-    <p:sldId id="286" r:id="rId6"/>
-    <p:sldId id="287" r:id="rId7"/>
-    <p:sldId id="288" r:id="rId8"/>
-    <p:sldId id="289" r:id="rId9"/>
-    <p:sldId id="290" r:id="rId10"/>
-    <p:sldId id="291" r:id="rId11"/>
-    <p:sldId id="292" r:id="rId12"/>
+    <p:sldId id="291" r:id="rId5"/>
+    <p:sldId id="287" r:id="rId6"/>
   </p:sldIdLst>
   <p:sldSz cx="9144000" cy="6858000" type="screen4x3"/>
   <p:notesSz cx="6858000" cy="9144000"/>
@@ -1531,7 +1525,7 @@
           <a:p>
             <a:fld id="{0766A11E-DD29-4A4D-82EB-4DC5EE4F1C9D}" type="datetimeFigureOut">
               <a:rPr lang="en-GB" smtClean="0"/>
-              <a:t>16/04/2019</a:t>
+              <a:t>14/05/2019</a:t>
             </a:fld>
             <a:endParaRPr lang="en-GB"/>
           </a:p>
@@ -1883,90 +1877,6 @@
 </p:notes>
 </file>
 
-<file path=ppt/notesSlides/notesSlide10.xml><?xml version="1.0" encoding="utf-8"?>
-<p:notes xmlns:a="http://schemas.openxmlformats.org/drawingml/2006/main" xmlns:r="http://schemas.openxmlformats.org/officeDocument/2006/relationships" xmlns:p="http://schemas.openxmlformats.org/presentationml/2006/main">
-  <p:cSld>
-    <p:spTree>
-      <p:nvGrpSpPr>
-        <p:cNvPr id="1" name=""/>
-        <p:cNvGrpSpPr/>
-        <p:nvPr/>
-      </p:nvGrpSpPr>
-      <p:grpSpPr>
-        <a:xfrm>
-          <a:off x="0" y="0"/>
-          <a:ext cx="0" cy="0"/>
-          <a:chOff x="0" y="0"/>
-          <a:chExt cx="0" cy="0"/>
-        </a:xfrm>
-      </p:grpSpPr>
-      <p:sp>
-        <p:nvSpPr>
-          <p:cNvPr id="2" name="幻灯片图像占位符 1"/>
-          <p:cNvSpPr>
-            <a:spLocks noGrp="1" noRot="1" noChangeAspect="1"/>
-          </p:cNvSpPr>
-          <p:nvPr>
-            <p:ph type="sldImg"/>
-          </p:nvPr>
-        </p:nvSpPr>
-        <p:spPr/>
-      </p:sp>
-      <p:sp>
-        <p:nvSpPr>
-          <p:cNvPr id="3" name="备注占位符 2"/>
-          <p:cNvSpPr>
-            <a:spLocks noGrp="1"/>
-          </p:cNvSpPr>
-          <p:nvPr>
-            <p:ph type="body" idx="1"/>
-          </p:nvPr>
-        </p:nvSpPr>
-        <p:spPr/>
-        <p:txBody>
-          <a:bodyPr/>
-          <a:lstStyle/>
-          <a:p>
-            <a:endParaRPr lang="en-GB" dirty="0"/>
-          </a:p>
-        </p:txBody>
-      </p:sp>
-      <p:sp>
-        <p:nvSpPr>
-          <p:cNvPr id="4" name="灯片编号占位符 3"/>
-          <p:cNvSpPr>
-            <a:spLocks noGrp="1"/>
-          </p:cNvSpPr>
-          <p:nvPr>
-            <p:ph type="sldNum" sz="quarter" idx="5"/>
-          </p:nvPr>
-        </p:nvSpPr>
-        <p:spPr/>
-        <p:txBody>
-          <a:bodyPr/>
-          <a:lstStyle/>
-          <a:p>
-            <a:fld id="{2C4C4429-E17A-2F4B-BF45-AD78A71E57FD}" type="slidenum">
-              <a:rPr lang="en-GB" smtClean="0"/>
-              <a:t>11</a:t>
-            </a:fld>
-            <a:endParaRPr lang="en-GB"/>
-          </a:p>
-        </p:txBody>
-      </p:sp>
-    </p:spTree>
-    <p:extLst>
-      <p:ext uri="{BB962C8B-B14F-4D97-AF65-F5344CB8AC3E}">
-        <p14:creationId xmlns:p14="http://schemas.microsoft.com/office/powerpoint/2010/main" val="4180185409"/>
-      </p:ext>
-    </p:extLst>
-  </p:cSld>
-  <p:clrMapOvr>
-    <a:masterClrMapping/>
-  </p:clrMapOvr>
-</p:notes>
-</file>
-
 <file path=ppt/notesSlides/notesSlide2.xml><?xml version="1.0" encoding="utf-8"?>
 <p:notes xmlns:a="http://schemas.openxmlformats.org/drawingml/2006/main" xmlns:r="http://schemas.openxmlformats.org/officeDocument/2006/relationships" xmlns:p="http://schemas.openxmlformats.org/presentationml/2006/main">
   <p:cSld>
@@ -2125,7 +2035,7 @@
     </p:spTree>
     <p:extLst>
       <p:ext uri="{BB962C8B-B14F-4D97-AF65-F5344CB8AC3E}">
-        <p14:creationId xmlns:p14="http://schemas.microsoft.com/office/powerpoint/2010/main" val="154572023"/>
+        <p14:creationId xmlns:p14="http://schemas.microsoft.com/office/powerpoint/2010/main" val="690828218"/>
       </p:ext>
     </p:extLst>
   </p:cSld>
@@ -2209,427 +2119,7 @@
     </p:spTree>
     <p:extLst>
       <p:ext uri="{BB962C8B-B14F-4D97-AF65-F5344CB8AC3E}">
-        <p14:creationId xmlns:p14="http://schemas.microsoft.com/office/powerpoint/2010/main" val="2085601344"/>
-      </p:ext>
-    </p:extLst>
-  </p:cSld>
-  <p:clrMapOvr>
-    <a:masterClrMapping/>
-  </p:clrMapOvr>
-</p:notes>
-</file>
-
-<file path=ppt/notesSlides/notesSlide5.xml><?xml version="1.0" encoding="utf-8"?>
-<p:notes xmlns:a="http://schemas.openxmlformats.org/drawingml/2006/main" xmlns:r="http://schemas.openxmlformats.org/officeDocument/2006/relationships" xmlns:p="http://schemas.openxmlformats.org/presentationml/2006/main">
-  <p:cSld>
-    <p:spTree>
-      <p:nvGrpSpPr>
-        <p:cNvPr id="1" name=""/>
-        <p:cNvGrpSpPr/>
-        <p:nvPr/>
-      </p:nvGrpSpPr>
-      <p:grpSpPr>
-        <a:xfrm>
-          <a:off x="0" y="0"/>
-          <a:ext cx="0" cy="0"/>
-          <a:chOff x="0" y="0"/>
-          <a:chExt cx="0" cy="0"/>
-        </a:xfrm>
-      </p:grpSpPr>
-      <p:sp>
-        <p:nvSpPr>
-          <p:cNvPr id="2" name="幻灯片图像占位符 1"/>
-          <p:cNvSpPr>
-            <a:spLocks noGrp="1" noRot="1" noChangeAspect="1"/>
-          </p:cNvSpPr>
-          <p:nvPr>
-            <p:ph type="sldImg"/>
-          </p:nvPr>
-        </p:nvSpPr>
-        <p:spPr/>
-      </p:sp>
-      <p:sp>
-        <p:nvSpPr>
-          <p:cNvPr id="3" name="备注占位符 2"/>
-          <p:cNvSpPr>
-            <a:spLocks noGrp="1"/>
-          </p:cNvSpPr>
-          <p:nvPr>
-            <p:ph type="body" idx="1"/>
-          </p:nvPr>
-        </p:nvSpPr>
-        <p:spPr/>
-        <p:txBody>
-          <a:bodyPr/>
-          <a:lstStyle/>
-          <a:p>
-            <a:endParaRPr lang="en-GB" dirty="0"/>
-          </a:p>
-        </p:txBody>
-      </p:sp>
-      <p:sp>
-        <p:nvSpPr>
-          <p:cNvPr id="4" name="灯片编号占位符 3"/>
-          <p:cNvSpPr>
-            <a:spLocks noGrp="1"/>
-          </p:cNvSpPr>
-          <p:nvPr>
-            <p:ph type="sldNum" sz="quarter" idx="5"/>
-          </p:nvPr>
-        </p:nvSpPr>
-        <p:spPr/>
-        <p:txBody>
-          <a:bodyPr/>
-          <a:lstStyle/>
-          <a:p>
-            <a:fld id="{2C4C4429-E17A-2F4B-BF45-AD78A71E57FD}" type="slidenum">
-              <a:rPr lang="en-GB" smtClean="0"/>
-              <a:t>6</a:t>
-            </a:fld>
-            <a:endParaRPr lang="en-GB"/>
-          </a:p>
-        </p:txBody>
-      </p:sp>
-    </p:spTree>
-    <p:extLst>
-      <p:ext uri="{BB962C8B-B14F-4D97-AF65-F5344CB8AC3E}">
         <p14:creationId xmlns:p14="http://schemas.microsoft.com/office/powerpoint/2010/main" val="1630679026"/>
-      </p:ext>
-    </p:extLst>
-  </p:cSld>
-  <p:clrMapOvr>
-    <a:masterClrMapping/>
-  </p:clrMapOvr>
-</p:notes>
-</file>
-
-<file path=ppt/notesSlides/notesSlide6.xml><?xml version="1.0" encoding="utf-8"?>
-<p:notes xmlns:a="http://schemas.openxmlformats.org/drawingml/2006/main" xmlns:r="http://schemas.openxmlformats.org/officeDocument/2006/relationships" xmlns:p="http://schemas.openxmlformats.org/presentationml/2006/main">
-  <p:cSld>
-    <p:spTree>
-      <p:nvGrpSpPr>
-        <p:cNvPr id="1" name=""/>
-        <p:cNvGrpSpPr/>
-        <p:nvPr/>
-      </p:nvGrpSpPr>
-      <p:grpSpPr>
-        <a:xfrm>
-          <a:off x="0" y="0"/>
-          <a:ext cx="0" cy="0"/>
-          <a:chOff x="0" y="0"/>
-          <a:chExt cx="0" cy="0"/>
-        </a:xfrm>
-      </p:grpSpPr>
-      <p:sp>
-        <p:nvSpPr>
-          <p:cNvPr id="2" name="幻灯片图像占位符 1"/>
-          <p:cNvSpPr>
-            <a:spLocks noGrp="1" noRot="1" noChangeAspect="1"/>
-          </p:cNvSpPr>
-          <p:nvPr>
-            <p:ph type="sldImg"/>
-          </p:nvPr>
-        </p:nvSpPr>
-        <p:spPr/>
-      </p:sp>
-      <p:sp>
-        <p:nvSpPr>
-          <p:cNvPr id="3" name="备注占位符 2"/>
-          <p:cNvSpPr>
-            <a:spLocks noGrp="1"/>
-          </p:cNvSpPr>
-          <p:nvPr>
-            <p:ph type="body" idx="1"/>
-          </p:nvPr>
-        </p:nvSpPr>
-        <p:spPr/>
-        <p:txBody>
-          <a:bodyPr/>
-          <a:lstStyle/>
-          <a:p>
-            <a:endParaRPr lang="en-GB" dirty="0"/>
-          </a:p>
-        </p:txBody>
-      </p:sp>
-      <p:sp>
-        <p:nvSpPr>
-          <p:cNvPr id="4" name="灯片编号占位符 3"/>
-          <p:cNvSpPr>
-            <a:spLocks noGrp="1"/>
-          </p:cNvSpPr>
-          <p:nvPr>
-            <p:ph type="sldNum" sz="quarter" idx="5"/>
-          </p:nvPr>
-        </p:nvSpPr>
-        <p:spPr/>
-        <p:txBody>
-          <a:bodyPr/>
-          <a:lstStyle/>
-          <a:p>
-            <a:fld id="{2C4C4429-E17A-2F4B-BF45-AD78A71E57FD}" type="slidenum">
-              <a:rPr lang="en-GB" smtClean="0"/>
-              <a:t>7</a:t>
-            </a:fld>
-            <a:endParaRPr lang="en-GB"/>
-          </a:p>
-        </p:txBody>
-      </p:sp>
-    </p:spTree>
-    <p:extLst>
-      <p:ext uri="{BB962C8B-B14F-4D97-AF65-F5344CB8AC3E}">
-        <p14:creationId xmlns:p14="http://schemas.microsoft.com/office/powerpoint/2010/main" val="2774609527"/>
-      </p:ext>
-    </p:extLst>
-  </p:cSld>
-  <p:clrMapOvr>
-    <a:masterClrMapping/>
-  </p:clrMapOvr>
-</p:notes>
-</file>
-
-<file path=ppt/notesSlides/notesSlide7.xml><?xml version="1.0" encoding="utf-8"?>
-<p:notes xmlns:a="http://schemas.openxmlformats.org/drawingml/2006/main" xmlns:r="http://schemas.openxmlformats.org/officeDocument/2006/relationships" xmlns:p="http://schemas.openxmlformats.org/presentationml/2006/main">
-  <p:cSld>
-    <p:spTree>
-      <p:nvGrpSpPr>
-        <p:cNvPr id="1" name=""/>
-        <p:cNvGrpSpPr/>
-        <p:nvPr/>
-      </p:nvGrpSpPr>
-      <p:grpSpPr>
-        <a:xfrm>
-          <a:off x="0" y="0"/>
-          <a:ext cx="0" cy="0"/>
-          <a:chOff x="0" y="0"/>
-          <a:chExt cx="0" cy="0"/>
-        </a:xfrm>
-      </p:grpSpPr>
-      <p:sp>
-        <p:nvSpPr>
-          <p:cNvPr id="2" name="幻灯片图像占位符 1"/>
-          <p:cNvSpPr>
-            <a:spLocks noGrp="1" noRot="1" noChangeAspect="1"/>
-          </p:cNvSpPr>
-          <p:nvPr>
-            <p:ph type="sldImg"/>
-          </p:nvPr>
-        </p:nvSpPr>
-        <p:spPr/>
-      </p:sp>
-      <p:sp>
-        <p:nvSpPr>
-          <p:cNvPr id="3" name="备注占位符 2"/>
-          <p:cNvSpPr>
-            <a:spLocks noGrp="1"/>
-          </p:cNvSpPr>
-          <p:nvPr>
-            <p:ph type="body" idx="1"/>
-          </p:nvPr>
-        </p:nvSpPr>
-        <p:spPr/>
-        <p:txBody>
-          <a:bodyPr/>
-          <a:lstStyle/>
-          <a:p>
-            <a:endParaRPr lang="en-GB" dirty="0"/>
-          </a:p>
-        </p:txBody>
-      </p:sp>
-      <p:sp>
-        <p:nvSpPr>
-          <p:cNvPr id="4" name="灯片编号占位符 3"/>
-          <p:cNvSpPr>
-            <a:spLocks noGrp="1"/>
-          </p:cNvSpPr>
-          <p:nvPr>
-            <p:ph type="sldNum" sz="quarter" idx="5"/>
-          </p:nvPr>
-        </p:nvSpPr>
-        <p:spPr/>
-        <p:txBody>
-          <a:bodyPr/>
-          <a:lstStyle/>
-          <a:p>
-            <a:fld id="{2C4C4429-E17A-2F4B-BF45-AD78A71E57FD}" type="slidenum">
-              <a:rPr lang="en-GB" smtClean="0"/>
-              <a:t>8</a:t>
-            </a:fld>
-            <a:endParaRPr lang="en-GB"/>
-          </a:p>
-        </p:txBody>
-      </p:sp>
-    </p:spTree>
-    <p:extLst>
-      <p:ext uri="{BB962C8B-B14F-4D97-AF65-F5344CB8AC3E}">
-        <p14:creationId xmlns:p14="http://schemas.microsoft.com/office/powerpoint/2010/main" val="98913142"/>
-      </p:ext>
-    </p:extLst>
-  </p:cSld>
-  <p:clrMapOvr>
-    <a:masterClrMapping/>
-  </p:clrMapOvr>
-</p:notes>
-</file>
-
-<file path=ppt/notesSlides/notesSlide8.xml><?xml version="1.0" encoding="utf-8"?>
-<p:notes xmlns:a="http://schemas.openxmlformats.org/drawingml/2006/main" xmlns:r="http://schemas.openxmlformats.org/officeDocument/2006/relationships" xmlns:p="http://schemas.openxmlformats.org/presentationml/2006/main">
-  <p:cSld>
-    <p:spTree>
-      <p:nvGrpSpPr>
-        <p:cNvPr id="1" name=""/>
-        <p:cNvGrpSpPr/>
-        <p:nvPr/>
-      </p:nvGrpSpPr>
-      <p:grpSpPr>
-        <a:xfrm>
-          <a:off x="0" y="0"/>
-          <a:ext cx="0" cy="0"/>
-          <a:chOff x="0" y="0"/>
-          <a:chExt cx="0" cy="0"/>
-        </a:xfrm>
-      </p:grpSpPr>
-      <p:sp>
-        <p:nvSpPr>
-          <p:cNvPr id="2" name="幻灯片图像占位符 1"/>
-          <p:cNvSpPr>
-            <a:spLocks noGrp="1" noRot="1" noChangeAspect="1"/>
-          </p:cNvSpPr>
-          <p:nvPr>
-            <p:ph type="sldImg"/>
-          </p:nvPr>
-        </p:nvSpPr>
-        <p:spPr/>
-      </p:sp>
-      <p:sp>
-        <p:nvSpPr>
-          <p:cNvPr id="3" name="备注占位符 2"/>
-          <p:cNvSpPr>
-            <a:spLocks noGrp="1"/>
-          </p:cNvSpPr>
-          <p:nvPr>
-            <p:ph type="body" idx="1"/>
-          </p:nvPr>
-        </p:nvSpPr>
-        <p:spPr/>
-        <p:txBody>
-          <a:bodyPr/>
-          <a:lstStyle/>
-          <a:p>
-            <a:endParaRPr lang="en-GB" dirty="0"/>
-          </a:p>
-        </p:txBody>
-      </p:sp>
-      <p:sp>
-        <p:nvSpPr>
-          <p:cNvPr id="4" name="灯片编号占位符 3"/>
-          <p:cNvSpPr>
-            <a:spLocks noGrp="1"/>
-          </p:cNvSpPr>
-          <p:nvPr>
-            <p:ph type="sldNum" sz="quarter" idx="5"/>
-          </p:nvPr>
-        </p:nvSpPr>
-        <p:spPr/>
-        <p:txBody>
-          <a:bodyPr/>
-          <a:lstStyle/>
-          <a:p>
-            <a:fld id="{2C4C4429-E17A-2F4B-BF45-AD78A71E57FD}" type="slidenum">
-              <a:rPr lang="en-GB" smtClean="0"/>
-              <a:t>9</a:t>
-            </a:fld>
-            <a:endParaRPr lang="en-GB"/>
-          </a:p>
-        </p:txBody>
-      </p:sp>
-    </p:spTree>
-    <p:extLst>
-      <p:ext uri="{BB962C8B-B14F-4D97-AF65-F5344CB8AC3E}">
-        <p14:creationId xmlns:p14="http://schemas.microsoft.com/office/powerpoint/2010/main" val="624559250"/>
-      </p:ext>
-    </p:extLst>
-  </p:cSld>
-  <p:clrMapOvr>
-    <a:masterClrMapping/>
-  </p:clrMapOvr>
-</p:notes>
-</file>
-
-<file path=ppt/notesSlides/notesSlide9.xml><?xml version="1.0" encoding="utf-8"?>
-<p:notes xmlns:a="http://schemas.openxmlformats.org/drawingml/2006/main" xmlns:r="http://schemas.openxmlformats.org/officeDocument/2006/relationships" xmlns:p="http://schemas.openxmlformats.org/presentationml/2006/main">
-  <p:cSld>
-    <p:spTree>
-      <p:nvGrpSpPr>
-        <p:cNvPr id="1" name=""/>
-        <p:cNvGrpSpPr/>
-        <p:nvPr/>
-      </p:nvGrpSpPr>
-      <p:grpSpPr>
-        <a:xfrm>
-          <a:off x="0" y="0"/>
-          <a:ext cx="0" cy="0"/>
-          <a:chOff x="0" y="0"/>
-          <a:chExt cx="0" cy="0"/>
-        </a:xfrm>
-      </p:grpSpPr>
-      <p:sp>
-        <p:nvSpPr>
-          <p:cNvPr id="2" name="幻灯片图像占位符 1"/>
-          <p:cNvSpPr>
-            <a:spLocks noGrp="1" noRot="1" noChangeAspect="1"/>
-          </p:cNvSpPr>
-          <p:nvPr>
-            <p:ph type="sldImg"/>
-          </p:nvPr>
-        </p:nvSpPr>
-        <p:spPr/>
-      </p:sp>
-      <p:sp>
-        <p:nvSpPr>
-          <p:cNvPr id="3" name="备注占位符 2"/>
-          <p:cNvSpPr>
-            <a:spLocks noGrp="1"/>
-          </p:cNvSpPr>
-          <p:nvPr>
-            <p:ph type="body" idx="1"/>
-          </p:nvPr>
-        </p:nvSpPr>
-        <p:spPr/>
-        <p:txBody>
-          <a:bodyPr/>
-          <a:lstStyle/>
-          <a:p>
-            <a:endParaRPr lang="en-GB" dirty="0"/>
-          </a:p>
-        </p:txBody>
-      </p:sp>
-      <p:sp>
-        <p:nvSpPr>
-          <p:cNvPr id="4" name="灯片编号占位符 3"/>
-          <p:cNvSpPr>
-            <a:spLocks noGrp="1"/>
-          </p:cNvSpPr>
-          <p:nvPr>
-            <p:ph type="sldNum" sz="quarter" idx="5"/>
-          </p:nvPr>
-        </p:nvSpPr>
-        <p:spPr/>
-        <p:txBody>
-          <a:bodyPr/>
-          <a:lstStyle/>
-          <a:p>
-            <a:fld id="{2C4C4429-E17A-2F4B-BF45-AD78A71E57FD}" type="slidenum">
-              <a:rPr lang="en-GB" smtClean="0"/>
-              <a:t>10</a:t>
-            </a:fld>
-            <a:endParaRPr lang="en-GB"/>
-          </a:p>
-        </p:txBody>
-      </p:sp>
-    </p:spTree>
-    <p:extLst>
-      <p:ext uri="{BB962C8B-B14F-4D97-AF65-F5344CB8AC3E}">
-        <p14:creationId xmlns:p14="http://schemas.microsoft.com/office/powerpoint/2010/main" val="690828218"/>
       </p:ext>
     </p:extLst>
   </p:cSld>
@@ -2770,7 +2260,7 @@
           <a:p>
             <a:fld id="{049A64F9-3434-C941-825E-2884B5648780}" type="datetimeFigureOut">
               <a:rPr lang="en-US" smtClean="0"/>
-              <a:t>4/16/2019</a:t>
+              <a:t>5/14/2019</a:t>
             </a:fld>
             <a:endParaRPr lang="en-US"/>
           </a:p>
@@ -2935,7 +2425,7 @@
           <a:p>
             <a:fld id="{049A64F9-3434-C941-825E-2884B5648780}" type="datetimeFigureOut">
               <a:rPr lang="en-US" smtClean="0"/>
-              <a:t>4/16/2019</a:t>
+              <a:t>5/14/2019</a:t>
             </a:fld>
             <a:endParaRPr lang="en-US"/>
           </a:p>
@@ -3110,7 +2600,7 @@
           <a:p>
             <a:fld id="{049A64F9-3434-C941-825E-2884B5648780}" type="datetimeFigureOut">
               <a:rPr lang="en-US" smtClean="0"/>
-              <a:t>4/16/2019</a:t>
+              <a:t>5/14/2019</a:t>
             </a:fld>
             <a:endParaRPr lang="en-US"/>
           </a:p>
@@ -3275,7 +2765,7 @@
           <a:p>
             <a:fld id="{049A64F9-3434-C941-825E-2884B5648780}" type="datetimeFigureOut">
               <a:rPr lang="en-US" smtClean="0"/>
-              <a:t>4/16/2019</a:t>
+              <a:t>5/14/2019</a:t>
             </a:fld>
             <a:endParaRPr lang="en-US"/>
           </a:p>
@@ -3514,7 +3004,7 @@
           <a:p>
             <a:fld id="{049A64F9-3434-C941-825E-2884B5648780}" type="datetimeFigureOut">
               <a:rPr lang="en-US" smtClean="0"/>
-              <a:t>4/16/2019</a:t>
+              <a:t>5/14/2019</a:t>
             </a:fld>
             <a:endParaRPr lang="en-US"/>
           </a:p>
@@ -3741,7 +3231,7 @@
           <a:p>
             <a:fld id="{049A64F9-3434-C941-825E-2884B5648780}" type="datetimeFigureOut">
               <a:rPr lang="en-US" smtClean="0"/>
-              <a:t>4/16/2019</a:t>
+              <a:t>5/14/2019</a:t>
             </a:fld>
             <a:endParaRPr lang="en-US"/>
           </a:p>
@@ -4103,7 +3593,7 @@
           <a:p>
             <a:fld id="{049A64F9-3434-C941-825E-2884B5648780}" type="datetimeFigureOut">
               <a:rPr lang="en-US" smtClean="0"/>
-              <a:t>4/16/2019</a:t>
+              <a:t>5/14/2019</a:t>
             </a:fld>
             <a:endParaRPr lang="en-US"/>
           </a:p>
@@ -4216,7 +3706,7 @@
           <a:p>
             <a:fld id="{049A64F9-3434-C941-825E-2884B5648780}" type="datetimeFigureOut">
               <a:rPr lang="en-US" smtClean="0"/>
-              <a:t>4/16/2019</a:t>
+              <a:t>5/14/2019</a:t>
             </a:fld>
             <a:endParaRPr lang="en-US"/>
           </a:p>
@@ -4306,7 +3796,7 @@
           <a:p>
             <a:fld id="{049A64F9-3434-C941-825E-2884B5648780}" type="datetimeFigureOut">
               <a:rPr lang="en-US" smtClean="0"/>
-              <a:t>4/16/2019</a:t>
+              <a:t>5/14/2019</a:t>
             </a:fld>
             <a:endParaRPr lang="en-US"/>
           </a:p>
@@ -4578,7 +4068,7 @@
           <a:p>
             <a:fld id="{049A64F9-3434-C941-825E-2884B5648780}" type="datetimeFigureOut">
               <a:rPr lang="en-US" smtClean="0"/>
-              <a:t>4/16/2019</a:t>
+              <a:t>5/14/2019</a:t>
             </a:fld>
             <a:endParaRPr lang="en-US"/>
           </a:p>
@@ -4830,7 +4320,7 @@
           <a:p>
             <a:fld id="{049A64F9-3434-C941-825E-2884B5648780}" type="datetimeFigureOut">
               <a:rPr lang="en-US" smtClean="0"/>
-              <a:t>4/16/2019</a:t>
+              <a:t>5/14/2019</a:t>
             </a:fld>
             <a:endParaRPr lang="en-US"/>
           </a:p>
@@ -5038,7 +4528,7 @@
           <a:p>
             <a:fld id="{049A64F9-3434-C941-825E-2884B5648780}" type="datetimeFigureOut">
               <a:rPr lang="en-US" smtClean="0"/>
-              <a:t>4/16/2019</a:t>
+              <a:t>5/14/2019</a:t>
             </a:fld>
             <a:endParaRPr lang="en-US"/>
           </a:p>
@@ -6007,7 +5497,7 @@
           <p:nvPr>
             <p:extLst>
               <p:ext uri="{D42A27DB-BD31-4B8C-83A1-F6EECF244321}">
-                <p14:modId xmlns:p14="http://schemas.microsoft.com/office/powerpoint/2010/main" val="724966617"/>
+                <p14:modId xmlns:p14="http://schemas.microsoft.com/office/powerpoint/2010/main" val="3808190630"/>
               </p:ext>
             </p:extLst>
           </p:nvPr>
@@ -6202,7 +5692,7 @@
                           <a:ea typeface="Avenir Book" charset="0"/>
                           <a:cs typeface="Arial" panose="020B0604020202020204" pitchFamily="34" charset="0"/>
                         </a:rPr>
-                        <a:t>Bibliographic Review</a:t>
+                        <a:t>Test circuit</a:t>
                       </a:r>
                     </a:p>
                     <a:p>
@@ -6232,7 +5722,7 @@
                           <a:ea typeface="Avenir Book" charset="0"/>
                           <a:cs typeface="Arial" panose="020B0604020202020204" pitchFamily="34" charset="0"/>
                         </a:rPr>
-                        <a:t>First Circuit Testing</a:t>
+                        <a:t>Order and test substrates</a:t>
                       </a:r>
                     </a:p>
                     <a:p>
@@ -6262,7 +5752,7 @@
                           <a:ea typeface="Avenir Book" charset="0"/>
                           <a:cs typeface="Arial" panose="020B0604020202020204" pitchFamily="34" charset="0"/>
                         </a:rPr>
-                        <a:t>Contacting Ada Poon’s Group</a:t>
+                        <a:t>Design antenna</a:t>
                       </a:r>
                     </a:p>
                   </a:txBody>
@@ -6350,14 +5840,120 @@
                       <a:r>
                         <a:rPr lang="en-GB" b="0" i="0" baseline="0" dirty="0">
                           <a:solidFill>
-                            <a:srgbClr val="C127BB"/>
+                            <a:schemeClr val="tx1"/>
                           </a:solidFill>
                           <a:latin typeface="Garamond" panose="02020404030301010803" pitchFamily="18" charset="0"/>
                           <a:ea typeface="Avenir Book" charset="0"/>
                           <a:cs typeface="Arial" panose="020B0604020202020204" pitchFamily="34" charset="0"/>
                         </a:rPr>
-                        <a:t>Specifications</a:t>
+                        <a:t>Soldering techniques </a:t>
                       </a:r>
+                    </a:p>
+                    <a:p>
+                      <a:pPr marL="457200" marR="0" lvl="1" indent="0" algn="l" defTabSz="914400" rtl="0" eaLnBrk="1" fontAlgn="auto" latinLnBrk="0" hangingPunct="1">
+                        <a:lnSpc>
+                          <a:spcPct val="100000"/>
+                        </a:lnSpc>
+                        <a:spcBef>
+                          <a:spcPts val="0"/>
+                        </a:spcBef>
+                        <a:spcAft>
+                          <a:spcPts val="0"/>
+                        </a:spcAft>
+                        <a:buClrTx/>
+                        <a:buSzTx/>
+                        <a:buFont typeface="Arial" charset="0"/>
+                        <a:buNone/>
+                        <a:tabLst/>
+                        <a:defRPr/>
+                      </a:pPr>
+                      <a:r>
+                        <a:rPr lang="en-GB" b="0" i="0" baseline="0" dirty="0">
+                          <a:solidFill>
+                            <a:schemeClr val="tx1"/>
+                          </a:solidFill>
+                          <a:latin typeface="Garamond" panose="02020404030301010803" pitchFamily="18" charset="0"/>
+                          <a:ea typeface="Avenir Book" charset="0"/>
+                          <a:cs typeface="Arial" panose="020B0604020202020204" pitchFamily="34" charset="0"/>
+                        </a:rPr>
+                        <a:t>(Flip-chip and wire bonding)</a:t>
+                      </a:r>
+                    </a:p>
+                    <a:p>
+                      <a:pPr marL="285750" marR="0" indent="-285750" algn="l" defTabSz="914400" rtl="0" eaLnBrk="1" fontAlgn="auto" latinLnBrk="0" hangingPunct="1">
+                        <a:lnSpc>
+                          <a:spcPct val="100000"/>
+                        </a:lnSpc>
+                        <a:spcBef>
+                          <a:spcPts val="0"/>
+                        </a:spcBef>
+                        <a:spcAft>
+                          <a:spcPts val="0"/>
+                        </a:spcAft>
+                        <a:buClrTx/>
+                        <a:buSzTx/>
+                        <a:buFont typeface="Arial" charset="0"/>
+                        <a:buChar char="•"/>
+                        <a:tabLst/>
+                        <a:defRPr/>
+                      </a:pPr>
+                      <a:r>
+                        <a:rPr lang="en-GB" b="0" i="0" baseline="0" dirty="0">
+                          <a:solidFill>
+                            <a:schemeClr val="tx1"/>
+                          </a:solidFill>
+                          <a:latin typeface="Garamond" panose="02020404030301010803" pitchFamily="18" charset="0"/>
+                          <a:ea typeface="Avenir Book" charset="0"/>
+                          <a:cs typeface="Arial" panose="020B0604020202020204" pitchFamily="34" charset="0"/>
+                        </a:rPr>
+                        <a:t>Antenna design and </a:t>
+                      </a:r>
+                      <a:r>
+                        <a:rPr lang="en-GB" b="0" i="0" baseline="0" dirty="0" err="1">
+                          <a:solidFill>
+                            <a:schemeClr val="tx1"/>
+                          </a:solidFill>
+                          <a:latin typeface="Garamond" panose="02020404030301010803" pitchFamily="18" charset="0"/>
+                          <a:ea typeface="Avenir Book" charset="0"/>
+                          <a:cs typeface="Arial" panose="020B0604020202020204" pitchFamily="34" charset="0"/>
+                        </a:rPr>
+                        <a:t>tunning</a:t>
+                      </a:r>
+                      <a:endParaRPr lang="en-GB" b="0" i="0" baseline="0" dirty="0">
+                        <a:solidFill>
+                          <a:schemeClr val="tx1"/>
+                        </a:solidFill>
+                        <a:latin typeface="Garamond" panose="02020404030301010803" pitchFamily="18" charset="0"/>
+                        <a:ea typeface="Avenir Book" charset="0"/>
+                        <a:cs typeface="Arial" panose="020B0604020202020204" pitchFamily="34" charset="0"/>
+                      </a:endParaRPr>
+                    </a:p>
+                    <a:p>
+                      <a:pPr marL="285750" marR="0" indent="-285750" algn="l" defTabSz="914400" rtl="0" eaLnBrk="1" fontAlgn="auto" latinLnBrk="0" hangingPunct="1">
+                        <a:lnSpc>
+                          <a:spcPct val="100000"/>
+                        </a:lnSpc>
+                        <a:spcBef>
+                          <a:spcPts val="0"/>
+                        </a:spcBef>
+                        <a:spcAft>
+                          <a:spcPts val="0"/>
+                        </a:spcAft>
+                        <a:buClrTx/>
+                        <a:buSzTx/>
+                        <a:buFont typeface="Arial" charset="0"/>
+                        <a:buChar char="•"/>
+                        <a:tabLst/>
+                        <a:defRPr/>
+                      </a:pPr>
+                      <a:endParaRPr lang="en-GB" b="0" i="0" baseline="0" dirty="0">
+                        <a:solidFill>
+                          <a:schemeClr val="tx1"/>
+                        </a:solidFill>
+                        <a:latin typeface="Garamond" panose="02020404030301010803" pitchFamily="18" charset="0"/>
+                        <a:ea typeface="Avenir Book" charset="0"/>
+                        <a:cs typeface="Arial" panose="020B0604020202020204" pitchFamily="34" charset="0"/>
+                      </a:endParaRPr>
                     </a:p>
                   </a:txBody>
                   <a:tcPr marL="137160" marR="137160" marT="137160" marB="137160" anchor="ctr">
@@ -6417,7 +6013,7 @@
                           <a:ea typeface="Avenir Book" charset="0"/>
                           <a:cs typeface="Arial" panose="020B0604020202020204" pitchFamily="34" charset="0"/>
                         </a:rPr>
-                        <a:t>Focus on implant specifications</a:t>
+                        <a:t>Finish circuit prototype</a:t>
                       </a:r>
                     </a:p>
                     <a:p>
@@ -6434,7 +6030,7 @@
                           <a:ea typeface="Avenir Book" charset="0"/>
                           <a:cs typeface="Arial" panose="020B0604020202020204" pitchFamily="34" charset="0"/>
                         </a:rPr>
-                        <a:t>Run more tests</a:t>
+                        <a:t>Test different substrates </a:t>
                       </a:r>
                     </a:p>
                     <a:p>
@@ -6451,13 +6047,13 @@
                           <a:ea typeface="Avenir Book" charset="0"/>
                           <a:cs typeface="Arial" panose="020B0604020202020204" pitchFamily="34" charset="0"/>
                         </a:rPr>
-                        <a:t>Learn about antennas and run any basic prototype</a:t>
+                        <a:t>Test different antennas</a:t>
                       </a:r>
                     </a:p>
                     <a:p>
-                      <a:pPr marL="285750" indent="-285750">
+                      <a:pPr marL="0" indent="0">
                         <a:buFont typeface="Arial" charset="0"/>
-                        <a:buChar char="•"/>
+                        <a:buNone/>
                       </a:pPr>
                       <a:endParaRPr lang="en-GB" b="0" i="0" baseline="0" dirty="0">
                         <a:solidFill>
@@ -6562,1845 +6158,6 @@
     <p:extLst>
       <p:ext uri="{BB962C8B-B14F-4D97-AF65-F5344CB8AC3E}">
         <p14:creationId xmlns:p14="http://schemas.microsoft.com/office/powerpoint/2010/main" val="284160371"/>
-      </p:ext>
-    </p:extLst>
-  </p:cSld>
-  <p:clrMapOvr>
-    <a:masterClrMapping/>
-  </p:clrMapOvr>
-</p:sld>
-</file>
-
-<file path=ppt/slides/slide10.xml><?xml version="1.0" encoding="utf-8"?>
-<p:sld xmlns:a="http://schemas.openxmlformats.org/drawingml/2006/main" xmlns:r="http://schemas.openxmlformats.org/officeDocument/2006/relationships" xmlns:p="http://schemas.openxmlformats.org/presentationml/2006/main">
-  <p:cSld>
-    <p:spTree>
-      <p:nvGrpSpPr>
-        <p:cNvPr id="1" name=""/>
-        <p:cNvGrpSpPr/>
-        <p:nvPr/>
-      </p:nvGrpSpPr>
-      <p:grpSpPr>
-        <a:xfrm>
-          <a:off x="0" y="0"/>
-          <a:ext cx="0" cy="0"/>
-          <a:chOff x="0" y="0"/>
-          <a:chExt cx="0" cy="0"/>
-        </a:xfrm>
-      </p:grpSpPr>
-      <p:sp>
-        <p:nvSpPr>
-          <p:cNvPr id="9" name="标题 8">
-            <a:extLst>
-              <a:ext uri="{FF2B5EF4-FFF2-40B4-BE49-F238E27FC236}">
-                <a16:creationId xmlns:a16="http://schemas.microsoft.com/office/drawing/2014/main" id="{CBBDCFAD-A00F-4327-A29B-83FD7FEB5998}"/>
-              </a:ext>
-            </a:extLst>
-          </p:cNvPr>
-          <p:cNvSpPr>
-            <a:spLocks noGrp="1"/>
-          </p:cNvSpPr>
-          <p:nvPr>
-            <p:ph type="title"/>
-          </p:nvPr>
-        </p:nvSpPr>
-        <p:spPr>
-          <a:xfrm>
-            <a:off x="0" y="0"/>
-            <a:ext cx="7886700" cy="1325563"/>
-          </a:xfrm>
-        </p:spPr>
-        <p:txBody>
-          <a:bodyPr/>
-          <a:lstStyle/>
-          <a:p>
-            <a:r>
-              <a:rPr lang="en-GB" dirty="0" err="1">
-                <a:latin typeface="Garamond" panose="02020404030301010803" pitchFamily="18" charset="0"/>
-              </a:rPr>
-              <a:t>Bioimplantable</a:t>
-            </a:r>
-            <a:r>
-              <a:rPr lang="en-GB" dirty="0">
-                <a:latin typeface="Garamond" panose="02020404030301010803" pitchFamily="18" charset="0"/>
-              </a:rPr>
-              <a:t> Device</a:t>
-            </a:r>
-          </a:p>
-        </p:txBody>
-      </p:sp>
-      <p:sp>
-        <p:nvSpPr>
-          <p:cNvPr id="14" name="TextBox 13">
-            <a:extLst>
-              <a:ext uri="{FF2B5EF4-FFF2-40B4-BE49-F238E27FC236}">
-                <a16:creationId xmlns:a16="http://schemas.microsoft.com/office/drawing/2014/main" id="{389AB6F1-8497-48BD-98CF-E0FC63F005C6}"/>
-              </a:ext>
-            </a:extLst>
-          </p:cNvPr>
-          <p:cNvSpPr txBox="1"/>
-          <p:nvPr/>
-        </p:nvSpPr>
-        <p:spPr>
-          <a:xfrm>
-            <a:off x="2719754" y="2022476"/>
-            <a:ext cx="5982119" cy="307777"/>
-          </a:xfrm>
-          <a:prstGeom prst="rect">
-            <a:avLst/>
-          </a:prstGeom>
-          <a:gradFill rotWithShape="1">
-            <a:gsLst>
-              <a:gs pos="0">
-                <a:srgbClr val="9BBB59">
-                  <a:tint val="50000"/>
-                  <a:satMod val="300000"/>
-                </a:srgbClr>
-              </a:gs>
-              <a:gs pos="35000">
-                <a:srgbClr val="9BBB59">
-                  <a:tint val="37000"/>
-                  <a:satMod val="300000"/>
-                </a:srgbClr>
-              </a:gs>
-              <a:gs pos="100000">
-                <a:srgbClr val="9BBB59">
-                  <a:tint val="15000"/>
-                  <a:satMod val="350000"/>
-                </a:srgbClr>
-              </a:gs>
-            </a:gsLst>
-            <a:lin ang="16200000" scaled="1"/>
-          </a:gradFill>
-          <a:ln w="9525" cap="flat" cmpd="sng" algn="ctr">
-            <a:solidFill>
-              <a:srgbClr val="9BBB59">
-                <a:shade val="95000"/>
-                <a:satMod val="105000"/>
-              </a:srgbClr>
-            </a:solidFill>
-            <a:prstDash val="solid"/>
-          </a:ln>
-          <a:effectLst>
-            <a:outerShdw blurRad="40000" dist="20000" dir="5400000" rotWithShape="0">
-              <a:srgbClr val="000000">
-                <a:alpha val="38000"/>
-              </a:srgbClr>
-            </a:outerShdw>
-          </a:effectLst>
-        </p:spPr>
-        <p:txBody>
-          <a:bodyPr wrap="square" rtlCol="0" anchor="ctr">
-            <a:spAutoFit/>
-          </a:bodyPr>
-          <a:lstStyle/>
-          <a:p>
-            <a:pPr marL="0" marR="0" lvl="0" indent="0" algn="ctr" defTabSz="914400" eaLnBrk="1" fontAlgn="auto" latinLnBrk="0" hangingPunct="1">
-              <a:lnSpc>
-                <a:spcPct val="100000"/>
-              </a:lnSpc>
-              <a:spcBef>
-                <a:spcPts val="0"/>
-              </a:spcBef>
-              <a:spcAft>
-                <a:spcPts val="0"/>
-              </a:spcAft>
-              <a:buClrTx/>
-              <a:buSzTx/>
-              <a:buFontTx/>
-              <a:buNone/>
-              <a:tabLst/>
-              <a:defRPr/>
-            </a:pPr>
-            <a:r>
-              <a:rPr kumimoji="0" lang="en-GB" sz="1400" b="0" i="0" u="none" strike="noStrike" kern="0" cap="none" spc="0" normalizeH="0" baseline="0" noProof="0" dirty="0">
-                <a:ln>
-                  <a:noFill/>
-                </a:ln>
-                <a:solidFill>
-                  <a:prstClr val="black"/>
-                </a:solidFill>
-                <a:effectLst/>
-                <a:uLnTx/>
-                <a:uFillTx/>
-                <a:latin typeface="Garamond" panose="02020404030301010803" pitchFamily="18" charset="0"/>
-                <a:ea typeface="Gadugi" panose="020B0502040204020203" pitchFamily="34" charset="0"/>
-                <a:cs typeface="+mn-cs"/>
-              </a:rPr>
-              <a:t>Using a </a:t>
-            </a:r>
-            <a:r>
-              <a:rPr kumimoji="0" lang="en-GB" sz="1400" b="1" i="0" u="none" strike="noStrike" kern="0" cap="none" spc="0" normalizeH="0" baseline="0" noProof="0" dirty="0">
-                <a:ln>
-                  <a:noFill/>
-                </a:ln>
-                <a:solidFill>
-                  <a:prstClr val="black"/>
-                </a:solidFill>
-                <a:effectLst/>
-                <a:uLnTx/>
-                <a:uFillTx/>
-                <a:latin typeface="Garamond" panose="02020404030301010803" pitchFamily="18" charset="0"/>
-                <a:ea typeface="Gadugi" panose="020B0502040204020203" pitchFamily="34" charset="0"/>
-                <a:cs typeface="+mn-cs"/>
-              </a:rPr>
-              <a:t>microcontroller inside the brain </a:t>
-            </a:r>
-            <a:r>
-              <a:rPr kumimoji="0" lang="en-GB" sz="1400" b="0" i="0" u="none" strike="noStrike" kern="0" cap="none" spc="0" normalizeH="0" baseline="0" noProof="0" dirty="0">
-                <a:ln>
-                  <a:noFill/>
-                </a:ln>
-                <a:solidFill>
-                  <a:prstClr val="black"/>
-                </a:solidFill>
-                <a:effectLst/>
-                <a:uLnTx/>
-                <a:uFillTx/>
-                <a:latin typeface="Garamond" panose="02020404030301010803" pitchFamily="18" charset="0"/>
-                <a:ea typeface="Gadugi" panose="020B0502040204020203" pitchFamily="34" charset="0"/>
-                <a:cs typeface="+mn-cs"/>
-              </a:rPr>
-              <a:t>increases the size of the implant so far.</a:t>
-            </a:r>
-          </a:p>
-        </p:txBody>
-      </p:sp>
-      <p:sp>
-        <p:nvSpPr>
-          <p:cNvPr id="15" name="TextBox 14">
-            <a:extLst>
-              <a:ext uri="{FF2B5EF4-FFF2-40B4-BE49-F238E27FC236}">
-                <a16:creationId xmlns:a16="http://schemas.microsoft.com/office/drawing/2014/main" id="{BE40DAD6-706E-467B-A061-3E051B256E43}"/>
-              </a:ext>
-            </a:extLst>
-          </p:cNvPr>
-          <p:cNvSpPr txBox="1"/>
-          <p:nvPr/>
-        </p:nvSpPr>
-        <p:spPr>
-          <a:xfrm>
-            <a:off x="2719754" y="2765556"/>
-            <a:ext cx="5982119" cy="523220"/>
-          </a:xfrm>
-          <a:prstGeom prst="rect">
-            <a:avLst/>
-          </a:prstGeom>
-          <a:gradFill rotWithShape="1">
-            <a:gsLst>
-              <a:gs pos="0">
-                <a:srgbClr val="9BBB59">
-                  <a:tint val="50000"/>
-                  <a:satMod val="300000"/>
-                </a:srgbClr>
-              </a:gs>
-              <a:gs pos="35000">
-                <a:srgbClr val="9BBB59">
-                  <a:tint val="37000"/>
-                  <a:satMod val="300000"/>
-                </a:srgbClr>
-              </a:gs>
-              <a:gs pos="100000">
-                <a:srgbClr val="9BBB59">
-                  <a:tint val="15000"/>
-                  <a:satMod val="350000"/>
-                </a:srgbClr>
-              </a:gs>
-            </a:gsLst>
-            <a:lin ang="16200000" scaled="1"/>
-          </a:gradFill>
-          <a:ln w="9525" cap="flat" cmpd="sng" algn="ctr">
-            <a:solidFill>
-              <a:srgbClr val="9BBB59">
-                <a:shade val="95000"/>
-                <a:satMod val="105000"/>
-              </a:srgbClr>
-            </a:solidFill>
-            <a:prstDash val="solid"/>
-          </a:ln>
-          <a:effectLst>
-            <a:outerShdw blurRad="40000" dist="20000" dir="5400000" rotWithShape="0">
-              <a:srgbClr val="000000">
-                <a:alpha val="38000"/>
-              </a:srgbClr>
-            </a:outerShdw>
-          </a:effectLst>
-        </p:spPr>
-        <p:txBody>
-          <a:bodyPr wrap="square" rtlCol="0" anchor="ctr">
-            <a:spAutoFit/>
-          </a:bodyPr>
-          <a:lstStyle/>
-          <a:p>
-            <a:pPr marL="0" marR="0" lvl="0" indent="0" defTabSz="914400" eaLnBrk="1" fontAlgn="auto" latinLnBrk="0" hangingPunct="1">
-              <a:lnSpc>
-                <a:spcPct val="100000"/>
-              </a:lnSpc>
-              <a:spcBef>
-                <a:spcPts val="0"/>
-              </a:spcBef>
-              <a:spcAft>
-                <a:spcPts val="0"/>
-              </a:spcAft>
-              <a:buClrTx/>
-              <a:buSzTx/>
-              <a:buFontTx/>
-              <a:buNone/>
-              <a:tabLst/>
-              <a:defRPr/>
-            </a:pPr>
-            <a:r>
-              <a:rPr kumimoji="0" lang="en-GB" sz="1400" b="0" i="0" u="none" strike="noStrike" kern="0" cap="none" spc="0" normalizeH="0" baseline="0" noProof="0" dirty="0">
-                <a:ln>
-                  <a:noFill/>
-                </a:ln>
-                <a:solidFill>
-                  <a:prstClr val="black"/>
-                </a:solidFill>
-                <a:effectLst/>
-                <a:uLnTx/>
-                <a:uFillTx/>
-                <a:latin typeface="Garamond" panose="02020404030301010803" pitchFamily="18" charset="0"/>
-                <a:ea typeface="Gadugi" panose="020B0502040204020203" pitchFamily="34" charset="0"/>
-                <a:cs typeface="+mn-cs"/>
-              </a:rPr>
-              <a:t>For more that one µILED they used a µC </a:t>
-            </a:r>
-            <a:r>
-              <a:rPr kumimoji="0" lang="en-GB" sz="1400" b="0" i="0" u="none" strike="noStrike" kern="0" cap="none" spc="0" normalizeH="0" baseline="0" noProof="0" dirty="0">
-                <a:ln>
-                  <a:noFill/>
-                </a:ln>
-                <a:solidFill>
-                  <a:prstClr val="black"/>
-                </a:solidFill>
-                <a:effectLst/>
-                <a:uLnTx/>
-                <a:uFillTx/>
-                <a:latin typeface="Garamond" panose="02020404030301010803" pitchFamily="18" charset="0"/>
-                <a:ea typeface="Gadugi" panose="020B0502040204020203" pitchFamily="34" charset="0"/>
-                <a:cs typeface="+mn-cs"/>
-                <a:sym typeface="Wingdings" panose="05000000000000000000" pitchFamily="2" charset="2"/>
-              </a:rPr>
-              <a:t> What about using different frequencies for powering different </a:t>
-            </a:r>
-            <a:r>
-              <a:rPr kumimoji="0" lang="en-GB" sz="1400" b="0" i="0" u="none" strike="noStrike" kern="0" cap="none" spc="0" normalizeH="0" baseline="0" noProof="0" dirty="0">
-                <a:ln>
-                  <a:noFill/>
-                </a:ln>
-                <a:solidFill>
-                  <a:prstClr val="black"/>
-                </a:solidFill>
-                <a:effectLst/>
-                <a:uLnTx/>
-                <a:uFillTx/>
-                <a:latin typeface="Garamond" panose="02020404030301010803" pitchFamily="18" charset="0"/>
-                <a:ea typeface="Gadugi" panose="020B0502040204020203" pitchFamily="34" charset="0"/>
-                <a:cs typeface="+mn-cs"/>
-              </a:rPr>
-              <a:t>µILED</a:t>
-            </a:r>
-            <a:r>
-              <a:rPr kumimoji="0" lang="en-GB" sz="1400" b="0" i="0" u="none" strike="noStrike" kern="0" cap="none" spc="0" normalizeH="0" baseline="0" noProof="0" dirty="0">
-                <a:ln>
-                  <a:noFill/>
-                </a:ln>
-                <a:solidFill>
-                  <a:prstClr val="black"/>
-                </a:solidFill>
-                <a:effectLst/>
-                <a:uLnTx/>
-                <a:uFillTx/>
-                <a:latin typeface="Garamond" panose="02020404030301010803" pitchFamily="18" charset="0"/>
-                <a:ea typeface="Gadugi" panose="020B0502040204020203" pitchFamily="34" charset="0"/>
-                <a:cs typeface="+mn-cs"/>
-                <a:sym typeface="Wingdings" panose="05000000000000000000" pitchFamily="2" charset="2"/>
-              </a:rPr>
-              <a:t>S?</a:t>
-            </a:r>
-          </a:p>
-        </p:txBody>
-      </p:sp>
-      <p:sp>
-        <p:nvSpPr>
-          <p:cNvPr id="16" name="TextBox 15">
-            <a:extLst>
-              <a:ext uri="{FF2B5EF4-FFF2-40B4-BE49-F238E27FC236}">
-                <a16:creationId xmlns:a16="http://schemas.microsoft.com/office/drawing/2014/main" id="{CF2BB7EF-5C55-4662-8024-F2E9209293A2}"/>
-              </a:ext>
-            </a:extLst>
-          </p:cNvPr>
-          <p:cNvSpPr txBox="1"/>
-          <p:nvPr/>
-        </p:nvSpPr>
-        <p:spPr>
-          <a:xfrm>
-            <a:off x="2719754" y="3724079"/>
-            <a:ext cx="5982119" cy="307777"/>
-          </a:xfrm>
-          <a:prstGeom prst="rect">
-            <a:avLst/>
-          </a:prstGeom>
-          <a:gradFill rotWithShape="1">
-            <a:gsLst>
-              <a:gs pos="0">
-                <a:srgbClr val="9BBB59">
-                  <a:tint val="50000"/>
-                  <a:satMod val="300000"/>
-                </a:srgbClr>
-              </a:gs>
-              <a:gs pos="35000">
-                <a:srgbClr val="9BBB59">
-                  <a:tint val="37000"/>
-                  <a:satMod val="300000"/>
-                </a:srgbClr>
-              </a:gs>
-              <a:gs pos="100000">
-                <a:srgbClr val="9BBB59">
-                  <a:tint val="15000"/>
-                  <a:satMod val="350000"/>
-                </a:srgbClr>
-              </a:gs>
-            </a:gsLst>
-            <a:lin ang="16200000" scaled="1"/>
-          </a:gradFill>
-          <a:ln w="9525" cap="flat" cmpd="sng" algn="ctr">
-            <a:solidFill>
-              <a:srgbClr val="9BBB59">
-                <a:shade val="95000"/>
-                <a:satMod val="105000"/>
-              </a:srgbClr>
-            </a:solidFill>
-            <a:prstDash val="solid"/>
-          </a:ln>
-          <a:effectLst>
-            <a:outerShdw blurRad="40000" dist="20000" dir="5400000" rotWithShape="0">
-              <a:srgbClr val="000000">
-                <a:alpha val="38000"/>
-              </a:srgbClr>
-            </a:outerShdw>
-          </a:effectLst>
-        </p:spPr>
-        <p:txBody>
-          <a:bodyPr wrap="square" rtlCol="0" anchor="ctr">
-            <a:spAutoFit/>
-          </a:bodyPr>
-          <a:lstStyle/>
-          <a:p>
-            <a:pPr marL="0" marR="0" lvl="0" indent="0" defTabSz="914400" eaLnBrk="1" fontAlgn="auto" latinLnBrk="0" hangingPunct="1">
-              <a:lnSpc>
-                <a:spcPct val="100000"/>
-              </a:lnSpc>
-              <a:spcBef>
-                <a:spcPts val="0"/>
-              </a:spcBef>
-              <a:spcAft>
-                <a:spcPts val="0"/>
-              </a:spcAft>
-              <a:buClrTx/>
-              <a:buSzTx/>
-              <a:buFontTx/>
-              <a:buNone/>
-              <a:tabLst/>
-              <a:defRPr/>
-            </a:pPr>
-            <a:r>
-              <a:rPr kumimoji="0" lang="en-GB" sz="1400" b="0" i="0" u="none" strike="noStrike" kern="0" cap="none" spc="0" normalizeH="0" baseline="0" noProof="0" dirty="0">
-                <a:ln>
-                  <a:noFill/>
-                </a:ln>
-                <a:solidFill>
-                  <a:prstClr val="black"/>
-                </a:solidFill>
-                <a:effectLst/>
-                <a:uLnTx/>
-                <a:uFillTx/>
-                <a:latin typeface="Garamond" panose="02020404030301010803" pitchFamily="18" charset="0"/>
-                <a:ea typeface="Gadugi" panose="020B0502040204020203" pitchFamily="34" charset="0"/>
-                <a:cs typeface="+mn-cs"/>
-                <a:sym typeface="Wingdings" panose="05000000000000000000" pitchFamily="2" charset="2"/>
-              </a:rPr>
-              <a:t>Fixed antenna with helmet or subdermal implant on the patient.</a:t>
-            </a:r>
-          </a:p>
-        </p:txBody>
-      </p:sp>
-      <p:sp>
-        <p:nvSpPr>
-          <p:cNvPr id="17" name="TextBox 16">
-            <a:extLst>
-              <a:ext uri="{FF2B5EF4-FFF2-40B4-BE49-F238E27FC236}">
-                <a16:creationId xmlns:a16="http://schemas.microsoft.com/office/drawing/2014/main" id="{9B886234-E584-44B6-8C2A-DF6282A3179D}"/>
-              </a:ext>
-            </a:extLst>
-          </p:cNvPr>
-          <p:cNvSpPr txBox="1"/>
-          <p:nvPr/>
-        </p:nvSpPr>
-        <p:spPr>
-          <a:xfrm>
-            <a:off x="2719754" y="4467159"/>
-            <a:ext cx="5982119" cy="738664"/>
-          </a:xfrm>
-          <a:prstGeom prst="rect">
-            <a:avLst/>
-          </a:prstGeom>
-          <a:gradFill rotWithShape="1">
-            <a:gsLst>
-              <a:gs pos="0">
-                <a:srgbClr val="9BBB59">
-                  <a:tint val="50000"/>
-                  <a:satMod val="300000"/>
-                </a:srgbClr>
-              </a:gs>
-              <a:gs pos="35000">
-                <a:srgbClr val="9BBB59">
-                  <a:tint val="37000"/>
-                  <a:satMod val="300000"/>
-                </a:srgbClr>
-              </a:gs>
-              <a:gs pos="100000">
-                <a:srgbClr val="9BBB59">
-                  <a:tint val="15000"/>
-                  <a:satMod val="350000"/>
-                </a:srgbClr>
-              </a:gs>
-            </a:gsLst>
-            <a:lin ang="16200000" scaled="1"/>
-          </a:gradFill>
-          <a:ln w="9525" cap="flat" cmpd="sng" algn="ctr">
-            <a:solidFill>
-              <a:srgbClr val="9BBB59">
-                <a:shade val="95000"/>
-                <a:satMod val="105000"/>
-              </a:srgbClr>
-            </a:solidFill>
-            <a:prstDash val="solid"/>
-          </a:ln>
-          <a:effectLst>
-            <a:outerShdw blurRad="40000" dist="20000" dir="5400000" rotWithShape="0">
-              <a:srgbClr val="000000">
-                <a:alpha val="38000"/>
-              </a:srgbClr>
-            </a:outerShdw>
-          </a:effectLst>
-        </p:spPr>
-        <p:txBody>
-          <a:bodyPr wrap="square" rtlCol="0" anchor="ctr">
-            <a:spAutoFit/>
-          </a:bodyPr>
-          <a:lstStyle/>
-          <a:p>
-            <a:pPr marL="0" marR="0" lvl="0" indent="0" defTabSz="914400" eaLnBrk="1" fontAlgn="auto" latinLnBrk="0" hangingPunct="1">
-              <a:lnSpc>
-                <a:spcPct val="100000"/>
-              </a:lnSpc>
-              <a:spcBef>
-                <a:spcPts val="0"/>
-              </a:spcBef>
-              <a:spcAft>
-                <a:spcPts val="0"/>
-              </a:spcAft>
-              <a:buClrTx/>
-              <a:buSzTx/>
-              <a:buFontTx/>
-              <a:buNone/>
-              <a:tabLst/>
-              <a:defRPr/>
-            </a:pPr>
-            <a:r>
-              <a:rPr kumimoji="0" lang="en-GB" sz="1400" b="0" i="0" u="none" strike="noStrike" kern="0" cap="none" spc="0" normalizeH="0" baseline="0" noProof="0" dirty="0">
-                <a:ln>
-                  <a:noFill/>
-                </a:ln>
-                <a:solidFill>
-                  <a:prstClr val="black"/>
-                </a:solidFill>
-                <a:effectLst/>
-                <a:uLnTx/>
-                <a:uFillTx/>
-                <a:latin typeface="Garamond" panose="02020404030301010803" pitchFamily="18" charset="0"/>
-                <a:ea typeface="Gadugi" panose="020B0502040204020203" pitchFamily="34" charset="0"/>
-                <a:cs typeface="+mn-cs"/>
-                <a:sym typeface="Wingdings" panose="05000000000000000000" pitchFamily="2" charset="2"/>
-              </a:rPr>
-              <a:t>Poon’s device  improve substrate, technical characteristics (Using CREE LED) and improving the power management on the circuit (Light intensity of the LE, temperature, power consumption, etc). </a:t>
-            </a:r>
-          </a:p>
-        </p:txBody>
-      </p:sp>
-      <p:sp>
-        <p:nvSpPr>
-          <p:cNvPr id="21" name="Rectangle 20">
-            <a:extLst>
-              <a:ext uri="{FF2B5EF4-FFF2-40B4-BE49-F238E27FC236}">
-                <a16:creationId xmlns:a16="http://schemas.microsoft.com/office/drawing/2014/main" id="{28574846-376A-4DD6-A0A9-62AE35BF9437}"/>
-              </a:ext>
-            </a:extLst>
-          </p:cNvPr>
-          <p:cNvSpPr/>
-          <p:nvPr/>
-        </p:nvSpPr>
-        <p:spPr>
-          <a:xfrm>
-            <a:off x="252046" y="2924907"/>
-            <a:ext cx="1938495" cy="1008185"/>
-          </a:xfrm>
-          <a:prstGeom prst="rect">
-            <a:avLst/>
-          </a:prstGeom>
-          <a:gradFill rotWithShape="1">
-            <a:gsLst>
-              <a:gs pos="0">
-                <a:sysClr val="windowText" lastClr="000000">
-                  <a:tint val="50000"/>
-                  <a:satMod val="300000"/>
-                </a:sysClr>
-              </a:gs>
-              <a:gs pos="35000">
-                <a:sysClr val="windowText" lastClr="000000">
-                  <a:tint val="37000"/>
-                  <a:satMod val="300000"/>
-                </a:sysClr>
-              </a:gs>
-              <a:gs pos="100000">
-                <a:sysClr val="windowText" lastClr="000000">
-                  <a:tint val="15000"/>
-                  <a:satMod val="350000"/>
-                </a:sysClr>
-              </a:gs>
-            </a:gsLst>
-            <a:lin ang="16200000" scaled="1"/>
-          </a:gradFill>
-          <a:ln w="9525" cap="flat" cmpd="sng" algn="ctr">
-            <a:solidFill>
-              <a:sysClr val="windowText" lastClr="000000">
-                <a:shade val="95000"/>
-                <a:satMod val="105000"/>
-              </a:sysClr>
-            </a:solidFill>
-            <a:prstDash val="solid"/>
-          </a:ln>
-          <a:effectLst>
-            <a:outerShdw blurRad="40000" dist="20000" dir="5400000" rotWithShape="0">
-              <a:srgbClr val="000000">
-                <a:alpha val="38000"/>
-              </a:srgbClr>
-            </a:outerShdw>
-          </a:effectLst>
-        </p:spPr>
-        <p:txBody>
-          <a:bodyPr rtlCol="0" anchor="ctr"/>
-          <a:lstStyle/>
-          <a:p>
-            <a:pPr marL="0" marR="0" lvl="0" indent="0" algn="ctr" defTabSz="914400" eaLnBrk="1" fontAlgn="auto" latinLnBrk="0" hangingPunct="1">
-              <a:lnSpc>
-                <a:spcPct val="100000"/>
-              </a:lnSpc>
-              <a:spcBef>
-                <a:spcPts val="0"/>
-              </a:spcBef>
-              <a:spcAft>
-                <a:spcPts val="0"/>
-              </a:spcAft>
-              <a:buClrTx/>
-              <a:buSzTx/>
-              <a:buFontTx/>
-              <a:buNone/>
-              <a:tabLst/>
-              <a:defRPr/>
-            </a:pPr>
-            <a:r>
-              <a:rPr kumimoji="0" lang="es-ES" sz="2000" b="0" i="0" u="none" strike="noStrike" kern="0" cap="none" spc="0" normalizeH="0" baseline="0" noProof="0" dirty="0" err="1">
-                <a:ln>
-                  <a:noFill/>
-                </a:ln>
-                <a:solidFill>
-                  <a:prstClr val="black"/>
-                </a:solidFill>
-                <a:effectLst/>
-                <a:uLnTx/>
-                <a:uFillTx/>
-                <a:latin typeface="Garamond" panose="02020404030301010803" pitchFamily="18" charset="0"/>
-                <a:ea typeface="+mn-ea"/>
-                <a:cs typeface="+mn-cs"/>
-              </a:rPr>
-              <a:t>Problems</a:t>
-            </a:r>
-            <a:r>
-              <a:rPr kumimoji="0" lang="es-ES" sz="2000" b="0" i="0" u="none" strike="noStrike" kern="0" cap="none" spc="0" normalizeH="0" baseline="0" noProof="0" dirty="0">
-                <a:ln>
-                  <a:noFill/>
-                </a:ln>
-                <a:solidFill>
-                  <a:prstClr val="black"/>
-                </a:solidFill>
-                <a:effectLst/>
-                <a:uLnTx/>
-                <a:uFillTx/>
-                <a:latin typeface="Garamond" panose="02020404030301010803" pitchFamily="18" charset="0"/>
-                <a:ea typeface="+mn-ea"/>
-                <a:cs typeface="+mn-cs"/>
-              </a:rPr>
-              <a:t> </a:t>
-            </a:r>
-            <a:r>
-              <a:rPr kumimoji="0" lang="es-ES" sz="2000" b="0" i="0" u="none" strike="noStrike" kern="0" cap="none" spc="0" normalizeH="0" baseline="0" noProof="0" dirty="0" err="1">
-                <a:ln>
-                  <a:noFill/>
-                </a:ln>
-                <a:solidFill>
-                  <a:prstClr val="black"/>
-                </a:solidFill>
-                <a:effectLst/>
-                <a:uLnTx/>
-                <a:uFillTx/>
-                <a:latin typeface="Garamond" panose="02020404030301010803" pitchFamily="18" charset="0"/>
-                <a:ea typeface="+mn-ea"/>
-                <a:cs typeface="+mn-cs"/>
-              </a:rPr>
-              <a:t>found</a:t>
-            </a:r>
-            <a:endParaRPr kumimoji="0" lang="es-ES" sz="2000" b="0" i="0" u="none" strike="noStrike" kern="0" cap="none" spc="0" normalizeH="0" baseline="0" noProof="0" dirty="0">
-              <a:ln>
-                <a:noFill/>
-              </a:ln>
-              <a:solidFill>
-                <a:prstClr val="black"/>
-              </a:solidFill>
-              <a:effectLst/>
-              <a:uLnTx/>
-              <a:uFillTx/>
-              <a:latin typeface="Garamond" panose="02020404030301010803" pitchFamily="18" charset="0"/>
-              <a:ea typeface="+mn-ea"/>
-              <a:cs typeface="+mn-cs"/>
-            </a:endParaRPr>
-          </a:p>
-        </p:txBody>
-      </p:sp>
-      <p:cxnSp>
-        <p:nvCxnSpPr>
-          <p:cNvPr id="6" name="Connector: Elbow 5">
-            <a:extLst>
-              <a:ext uri="{FF2B5EF4-FFF2-40B4-BE49-F238E27FC236}">
-                <a16:creationId xmlns:a16="http://schemas.microsoft.com/office/drawing/2014/main" id="{1CCE2C9F-DC0A-4D21-973E-AE7AB1D60817}"/>
-              </a:ext>
-            </a:extLst>
-          </p:cNvPr>
-          <p:cNvCxnSpPr>
-            <a:stCxn id="21" idx="3"/>
-            <a:endCxn id="14" idx="1"/>
-          </p:cNvCxnSpPr>
-          <p:nvPr/>
-        </p:nvCxnSpPr>
-        <p:spPr>
-          <a:xfrm flipV="1">
-            <a:off x="2190541" y="2176365"/>
-            <a:ext cx="529213" cy="1252635"/>
-          </a:xfrm>
-          <a:prstGeom prst="bentConnector3">
-            <a:avLst/>
-          </a:prstGeom>
-          <a:ln w="28575">
-            <a:solidFill>
-              <a:schemeClr val="tx1">
-                <a:lumMod val="50000"/>
-                <a:lumOff val="50000"/>
-              </a:schemeClr>
-            </a:solidFill>
-            <a:tailEnd type="triangle"/>
-          </a:ln>
-        </p:spPr>
-        <p:style>
-          <a:lnRef idx="1">
-            <a:schemeClr val="accent1"/>
-          </a:lnRef>
-          <a:fillRef idx="0">
-            <a:schemeClr val="accent1"/>
-          </a:fillRef>
-          <a:effectRef idx="0">
-            <a:schemeClr val="accent1"/>
-          </a:effectRef>
-          <a:fontRef idx="minor">
-            <a:schemeClr val="tx1"/>
-          </a:fontRef>
-        </p:style>
-      </p:cxnSp>
-      <p:cxnSp>
-        <p:nvCxnSpPr>
-          <p:cNvPr id="22" name="Connector: Elbow 21">
-            <a:extLst>
-              <a:ext uri="{FF2B5EF4-FFF2-40B4-BE49-F238E27FC236}">
-                <a16:creationId xmlns:a16="http://schemas.microsoft.com/office/drawing/2014/main" id="{E70556DF-C75E-41B1-A639-F035FC0A62B9}"/>
-              </a:ext>
-            </a:extLst>
-          </p:cNvPr>
-          <p:cNvCxnSpPr>
-            <a:stCxn id="21" idx="3"/>
-            <a:endCxn id="17" idx="1"/>
-          </p:cNvCxnSpPr>
-          <p:nvPr/>
-        </p:nvCxnSpPr>
-        <p:spPr>
-          <a:xfrm>
-            <a:off x="2190541" y="3429000"/>
-            <a:ext cx="529213" cy="1407491"/>
-          </a:xfrm>
-          <a:prstGeom prst="bentConnector3">
-            <a:avLst/>
-          </a:prstGeom>
-          <a:ln w="28575">
-            <a:solidFill>
-              <a:schemeClr val="tx1">
-                <a:lumMod val="50000"/>
-                <a:lumOff val="50000"/>
-              </a:schemeClr>
-            </a:solidFill>
-            <a:tailEnd type="triangle"/>
-          </a:ln>
-        </p:spPr>
-        <p:style>
-          <a:lnRef idx="1">
-            <a:schemeClr val="accent1"/>
-          </a:lnRef>
-          <a:fillRef idx="0">
-            <a:schemeClr val="accent1"/>
-          </a:fillRef>
-          <a:effectRef idx="0">
-            <a:schemeClr val="accent1"/>
-          </a:effectRef>
-          <a:fontRef idx="minor">
-            <a:schemeClr val="tx1"/>
-          </a:fontRef>
-        </p:style>
-      </p:cxnSp>
-      <p:cxnSp>
-        <p:nvCxnSpPr>
-          <p:cNvPr id="24" name="Connector: Elbow 23">
-            <a:extLst>
-              <a:ext uri="{FF2B5EF4-FFF2-40B4-BE49-F238E27FC236}">
-                <a16:creationId xmlns:a16="http://schemas.microsoft.com/office/drawing/2014/main" id="{1F2D5956-8384-4EBC-8409-9DC476F94302}"/>
-              </a:ext>
-            </a:extLst>
-          </p:cNvPr>
-          <p:cNvCxnSpPr>
-            <a:stCxn id="21" idx="3"/>
-            <a:endCxn id="15" idx="1"/>
-          </p:cNvCxnSpPr>
-          <p:nvPr/>
-        </p:nvCxnSpPr>
-        <p:spPr>
-          <a:xfrm flipV="1">
-            <a:off x="2190541" y="3027166"/>
-            <a:ext cx="529213" cy="401834"/>
-          </a:xfrm>
-          <a:prstGeom prst="bentConnector3">
-            <a:avLst/>
-          </a:prstGeom>
-          <a:ln w="28575">
-            <a:solidFill>
-              <a:schemeClr val="tx1">
-                <a:lumMod val="50000"/>
-                <a:lumOff val="50000"/>
-              </a:schemeClr>
-            </a:solidFill>
-            <a:tailEnd type="triangle"/>
-          </a:ln>
-        </p:spPr>
-        <p:style>
-          <a:lnRef idx="1">
-            <a:schemeClr val="accent1"/>
-          </a:lnRef>
-          <a:fillRef idx="0">
-            <a:schemeClr val="accent1"/>
-          </a:fillRef>
-          <a:effectRef idx="0">
-            <a:schemeClr val="accent1"/>
-          </a:effectRef>
-          <a:fontRef idx="minor">
-            <a:schemeClr val="tx1"/>
-          </a:fontRef>
-        </p:style>
-      </p:cxnSp>
-      <p:cxnSp>
-        <p:nvCxnSpPr>
-          <p:cNvPr id="26" name="Connector: Elbow 25">
-            <a:extLst>
-              <a:ext uri="{FF2B5EF4-FFF2-40B4-BE49-F238E27FC236}">
-                <a16:creationId xmlns:a16="http://schemas.microsoft.com/office/drawing/2014/main" id="{23854B7D-C4CD-4ABF-9612-D30CC2EE1C71}"/>
-              </a:ext>
-            </a:extLst>
-          </p:cNvPr>
-          <p:cNvCxnSpPr>
-            <a:stCxn id="21" idx="3"/>
-            <a:endCxn id="16" idx="1"/>
-          </p:cNvCxnSpPr>
-          <p:nvPr/>
-        </p:nvCxnSpPr>
-        <p:spPr>
-          <a:xfrm>
-            <a:off x="2190541" y="3429000"/>
-            <a:ext cx="529213" cy="448968"/>
-          </a:xfrm>
-          <a:prstGeom prst="bentConnector3">
-            <a:avLst/>
-          </a:prstGeom>
-          <a:ln w="28575">
-            <a:solidFill>
-              <a:schemeClr val="tx1">
-                <a:lumMod val="50000"/>
-                <a:lumOff val="50000"/>
-              </a:schemeClr>
-            </a:solidFill>
-            <a:tailEnd type="triangle"/>
-          </a:ln>
-        </p:spPr>
-        <p:style>
-          <a:lnRef idx="1">
-            <a:schemeClr val="accent1"/>
-          </a:lnRef>
-          <a:fillRef idx="0">
-            <a:schemeClr val="accent1"/>
-          </a:fillRef>
-          <a:effectRef idx="0">
-            <a:schemeClr val="accent1"/>
-          </a:effectRef>
-          <a:fontRef idx="minor">
-            <a:schemeClr val="tx1"/>
-          </a:fontRef>
-        </p:style>
-      </p:cxnSp>
-      <p:sp>
-        <p:nvSpPr>
-          <p:cNvPr id="27" name="TextBox 26">
-            <a:extLst>
-              <a:ext uri="{FF2B5EF4-FFF2-40B4-BE49-F238E27FC236}">
-                <a16:creationId xmlns:a16="http://schemas.microsoft.com/office/drawing/2014/main" id="{23B0897F-DE30-4F34-82C1-3C3A487F970B}"/>
-              </a:ext>
-            </a:extLst>
-          </p:cNvPr>
-          <p:cNvSpPr txBox="1"/>
-          <p:nvPr/>
-        </p:nvSpPr>
-        <p:spPr>
-          <a:xfrm>
-            <a:off x="381837" y="1205802"/>
-            <a:ext cx="5325627" cy="461665"/>
-          </a:xfrm>
-          <a:prstGeom prst="rect">
-            <a:avLst/>
-          </a:prstGeom>
-          <a:noFill/>
-        </p:spPr>
-        <p:txBody>
-          <a:bodyPr wrap="square" rtlCol="0">
-            <a:spAutoFit/>
-          </a:bodyPr>
-          <a:lstStyle/>
-          <a:p>
-            <a:r>
-              <a:rPr lang="es-ES" sz="2400" dirty="0">
-                <a:latin typeface="Garamond" panose="02020404030301010803" pitchFamily="18" charset="0"/>
-              </a:rPr>
-              <a:t>2. </a:t>
-            </a:r>
-            <a:r>
-              <a:rPr lang="es-ES" sz="2400" dirty="0" err="1">
-                <a:latin typeface="Garamond" panose="02020404030301010803" pitchFamily="18" charset="0"/>
-              </a:rPr>
-              <a:t>Further</a:t>
-            </a:r>
-            <a:r>
-              <a:rPr lang="es-ES" sz="2400" dirty="0">
-                <a:latin typeface="Garamond" panose="02020404030301010803" pitchFamily="18" charset="0"/>
-              </a:rPr>
-              <a:t> </a:t>
-            </a:r>
-            <a:r>
-              <a:rPr lang="es-ES" sz="2400" dirty="0" err="1">
-                <a:latin typeface="Garamond" panose="02020404030301010803" pitchFamily="18" charset="0"/>
-              </a:rPr>
-              <a:t>Work</a:t>
-            </a:r>
-            <a:endParaRPr lang="es-ES" sz="2400" dirty="0">
-              <a:latin typeface="Garamond" panose="02020404030301010803" pitchFamily="18" charset="0"/>
-            </a:endParaRPr>
-          </a:p>
-        </p:txBody>
-      </p:sp>
-    </p:spTree>
-    <p:extLst>
-      <p:ext uri="{BB962C8B-B14F-4D97-AF65-F5344CB8AC3E}">
-        <p14:creationId xmlns:p14="http://schemas.microsoft.com/office/powerpoint/2010/main" val="3079966668"/>
-      </p:ext>
-    </p:extLst>
-  </p:cSld>
-  <p:clrMapOvr>
-    <a:masterClrMapping/>
-  </p:clrMapOvr>
-</p:sld>
-</file>
-
-<file path=ppt/slides/slide11.xml><?xml version="1.0" encoding="utf-8"?>
-<p:sld xmlns:a="http://schemas.openxmlformats.org/drawingml/2006/main" xmlns:r="http://schemas.openxmlformats.org/officeDocument/2006/relationships" xmlns:p="http://schemas.openxmlformats.org/presentationml/2006/main">
-  <p:cSld>
-    <p:spTree>
-      <p:nvGrpSpPr>
-        <p:cNvPr id="1" name=""/>
-        <p:cNvGrpSpPr/>
-        <p:nvPr/>
-      </p:nvGrpSpPr>
-      <p:grpSpPr>
-        <a:xfrm>
-          <a:off x="0" y="0"/>
-          <a:ext cx="0" cy="0"/>
-          <a:chOff x="0" y="0"/>
-          <a:chExt cx="0" cy="0"/>
-        </a:xfrm>
-      </p:grpSpPr>
-      <p:sp>
-        <p:nvSpPr>
-          <p:cNvPr id="9" name="标题 8">
-            <a:extLst>
-              <a:ext uri="{FF2B5EF4-FFF2-40B4-BE49-F238E27FC236}">
-                <a16:creationId xmlns:a16="http://schemas.microsoft.com/office/drawing/2014/main" id="{CBBDCFAD-A00F-4327-A29B-83FD7FEB5998}"/>
-              </a:ext>
-            </a:extLst>
-          </p:cNvPr>
-          <p:cNvSpPr>
-            <a:spLocks noGrp="1"/>
-          </p:cNvSpPr>
-          <p:nvPr>
-            <p:ph type="title"/>
-          </p:nvPr>
-        </p:nvSpPr>
-        <p:spPr>
-          <a:xfrm>
-            <a:off x="0" y="0"/>
-            <a:ext cx="7886700" cy="1325563"/>
-          </a:xfrm>
-        </p:spPr>
-        <p:txBody>
-          <a:bodyPr/>
-          <a:lstStyle/>
-          <a:p>
-            <a:r>
-              <a:rPr lang="en-GB" dirty="0" err="1">
-                <a:latin typeface="Garamond" panose="02020404030301010803" pitchFamily="18" charset="0"/>
-              </a:rPr>
-              <a:t>Bioimplantable</a:t>
-            </a:r>
-            <a:r>
-              <a:rPr lang="en-GB" dirty="0">
-                <a:latin typeface="Garamond" panose="02020404030301010803" pitchFamily="18" charset="0"/>
-              </a:rPr>
-              <a:t> Device</a:t>
-            </a:r>
-          </a:p>
-        </p:txBody>
-      </p:sp>
-      <p:sp>
-        <p:nvSpPr>
-          <p:cNvPr id="3" name="TextBox 2">
-            <a:extLst>
-              <a:ext uri="{FF2B5EF4-FFF2-40B4-BE49-F238E27FC236}">
-                <a16:creationId xmlns:a16="http://schemas.microsoft.com/office/drawing/2014/main" id="{E7B064A8-03CC-44A6-B4DF-88A2CB329D64}"/>
-              </a:ext>
-            </a:extLst>
-          </p:cNvPr>
-          <p:cNvSpPr txBox="1"/>
-          <p:nvPr/>
-        </p:nvSpPr>
-        <p:spPr>
-          <a:xfrm>
-            <a:off x="3323795" y="1623439"/>
-            <a:ext cx="2496410" cy="523220"/>
-          </a:xfrm>
-          <a:prstGeom prst="rect">
-            <a:avLst/>
-          </a:prstGeom>
-        </p:spPr>
-        <p:style>
-          <a:lnRef idx="1">
-            <a:schemeClr val="accent5"/>
-          </a:lnRef>
-          <a:fillRef idx="2">
-            <a:schemeClr val="accent5"/>
-          </a:fillRef>
-          <a:effectRef idx="1">
-            <a:schemeClr val="accent5"/>
-          </a:effectRef>
-          <a:fontRef idx="minor">
-            <a:schemeClr val="dk1"/>
-          </a:fontRef>
-        </p:style>
-        <p:txBody>
-          <a:bodyPr wrap="square" rtlCol="0">
-            <a:spAutoFit/>
-          </a:bodyPr>
-          <a:lstStyle/>
-          <a:p>
-            <a:pPr algn="ctr"/>
-            <a:r>
-              <a:rPr lang="es-ES" sz="2800" dirty="0">
-                <a:latin typeface="Garamond" panose="02020404030301010803" pitchFamily="18" charset="0"/>
-              </a:rPr>
-              <a:t>Next </a:t>
-            </a:r>
-            <a:r>
-              <a:rPr lang="es-ES" sz="2800" dirty="0" err="1">
-                <a:latin typeface="Garamond" panose="02020404030301010803" pitchFamily="18" charset="0"/>
-              </a:rPr>
-              <a:t>Steps</a:t>
-            </a:r>
-            <a:endParaRPr lang="es-ES" sz="2800" dirty="0">
-              <a:latin typeface="Garamond" panose="02020404030301010803" pitchFamily="18" charset="0"/>
-            </a:endParaRPr>
-          </a:p>
-        </p:txBody>
-      </p:sp>
-      <p:sp>
-        <p:nvSpPr>
-          <p:cNvPr id="18" name="TextBox 17">
-            <a:extLst>
-              <a:ext uri="{FF2B5EF4-FFF2-40B4-BE49-F238E27FC236}">
-                <a16:creationId xmlns:a16="http://schemas.microsoft.com/office/drawing/2014/main" id="{E7B399EA-8A47-4AF6-8F0E-C7D7D9C86AFE}"/>
-              </a:ext>
-            </a:extLst>
-          </p:cNvPr>
-          <p:cNvSpPr txBox="1"/>
-          <p:nvPr/>
-        </p:nvSpPr>
-        <p:spPr>
-          <a:xfrm>
-            <a:off x="3762098" y="2530729"/>
-            <a:ext cx="3275064" cy="369332"/>
-          </a:xfrm>
-          <a:prstGeom prst="rect">
-            <a:avLst/>
-          </a:prstGeom>
-        </p:spPr>
-        <p:style>
-          <a:lnRef idx="1">
-            <a:schemeClr val="accent4"/>
-          </a:lnRef>
-          <a:fillRef idx="2">
-            <a:schemeClr val="accent4"/>
-          </a:fillRef>
-          <a:effectRef idx="1">
-            <a:schemeClr val="accent4"/>
-          </a:effectRef>
-          <a:fontRef idx="minor">
-            <a:schemeClr val="dk1"/>
-          </a:fontRef>
-        </p:style>
-        <p:txBody>
-          <a:bodyPr wrap="none" rtlCol="0">
-            <a:spAutoFit/>
-          </a:bodyPr>
-          <a:lstStyle/>
-          <a:p>
-            <a:pPr algn="ctr"/>
-            <a:r>
-              <a:rPr lang="es-ES" sz="1800" dirty="0">
-                <a:latin typeface="Garamond" panose="02020404030301010803" pitchFamily="18" charset="0"/>
-              </a:rPr>
-              <a:t>1. </a:t>
-            </a:r>
-            <a:r>
-              <a:rPr lang="es-ES" sz="1800" dirty="0" err="1">
-                <a:latin typeface="Garamond" panose="02020404030301010803" pitchFamily="18" charset="0"/>
-              </a:rPr>
-              <a:t>Learn</a:t>
-            </a:r>
-            <a:r>
-              <a:rPr lang="es-ES" sz="1800" dirty="0">
-                <a:latin typeface="Garamond" panose="02020404030301010803" pitchFamily="18" charset="0"/>
-              </a:rPr>
-              <a:t> </a:t>
-            </a:r>
-            <a:r>
-              <a:rPr lang="es-ES" sz="1800" dirty="0" err="1">
-                <a:latin typeface="Garamond" panose="02020404030301010803" pitchFamily="18" charset="0"/>
-              </a:rPr>
-              <a:t>about</a:t>
-            </a:r>
-            <a:r>
-              <a:rPr lang="es-ES" sz="1800" dirty="0">
-                <a:latin typeface="Garamond" panose="02020404030301010803" pitchFamily="18" charset="0"/>
-              </a:rPr>
-              <a:t> </a:t>
-            </a:r>
-            <a:r>
-              <a:rPr lang="es-ES" sz="1800" dirty="0" err="1">
-                <a:latin typeface="Garamond" panose="02020404030301010803" pitchFamily="18" charset="0"/>
-              </a:rPr>
-              <a:t>magnetic</a:t>
-            </a:r>
-            <a:r>
-              <a:rPr lang="es-ES" sz="1800" dirty="0">
-                <a:latin typeface="Garamond" panose="02020404030301010803" pitchFamily="18" charset="0"/>
-              </a:rPr>
-              <a:t> </a:t>
-            </a:r>
-            <a:r>
-              <a:rPr lang="es-ES" sz="1800" dirty="0" err="1">
-                <a:latin typeface="Garamond" panose="02020404030301010803" pitchFamily="18" charset="0"/>
-              </a:rPr>
-              <a:t>coupling</a:t>
-            </a:r>
-            <a:endParaRPr lang="es-ES" sz="1800" dirty="0">
-              <a:latin typeface="Garamond" panose="02020404030301010803" pitchFamily="18" charset="0"/>
-            </a:endParaRPr>
-          </a:p>
-        </p:txBody>
-      </p:sp>
-      <p:sp>
-        <p:nvSpPr>
-          <p:cNvPr id="19" name="TextBox 18">
-            <a:extLst>
-              <a:ext uri="{FF2B5EF4-FFF2-40B4-BE49-F238E27FC236}">
-                <a16:creationId xmlns:a16="http://schemas.microsoft.com/office/drawing/2014/main" id="{C5BC6139-23C9-42A3-B0A0-4C39189F847D}"/>
-              </a:ext>
-            </a:extLst>
-          </p:cNvPr>
-          <p:cNvSpPr txBox="1"/>
-          <p:nvPr/>
-        </p:nvSpPr>
-        <p:spPr>
-          <a:xfrm>
-            <a:off x="3762098" y="3343973"/>
-            <a:ext cx="3275064" cy="654283"/>
-          </a:xfrm>
-          <a:prstGeom prst="rect">
-            <a:avLst/>
-          </a:prstGeom>
-        </p:spPr>
-        <p:style>
-          <a:lnRef idx="1">
-            <a:schemeClr val="accent4"/>
-          </a:lnRef>
-          <a:fillRef idx="2">
-            <a:schemeClr val="accent4"/>
-          </a:fillRef>
-          <a:effectRef idx="1">
-            <a:schemeClr val="accent4"/>
-          </a:effectRef>
-          <a:fontRef idx="minor">
-            <a:schemeClr val="dk1"/>
-          </a:fontRef>
-        </p:style>
-        <p:txBody>
-          <a:bodyPr wrap="square" rtlCol="0">
-            <a:spAutoFit/>
-          </a:bodyPr>
-          <a:lstStyle/>
-          <a:p>
-            <a:pPr algn="ctr"/>
-            <a:r>
-              <a:rPr lang="es-ES" sz="1800" dirty="0">
-                <a:latin typeface="Garamond" panose="02020404030301010803" pitchFamily="18" charset="0"/>
-              </a:rPr>
-              <a:t>2. Run a test </a:t>
-            </a:r>
-            <a:r>
-              <a:rPr lang="es-ES" sz="1800" dirty="0" err="1">
-                <a:latin typeface="Garamond" panose="02020404030301010803" pitchFamily="18" charset="0"/>
-              </a:rPr>
-              <a:t>with</a:t>
-            </a:r>
-            <a:r>
-              <a:rPr lang="es-ES" sz="1800" dirty="0">
-                <a:latin typeface="Garamond" panose="02020404030301010803" pitchFamily="18" charset="0"/>
-              </a:rPr>
-              <a:t> </a:t>
-            </a:r>
-            <a:r>
-              <a:rPr lang="es-ES" sz="1800" dirty="0" err="1">
-                <a:latin typeface="Garamond" panose="02020404030301010803" pitchFamily="18" charset="0"/>
-              </a:rPr>
-              <a:t>the</a:t>
-            </a:r>
-            <a:r>
-              <a:rPr lang="es-ES" sz="1800" dirty="0">
-                <a:latin typeface="Garamond" panose="02020404030301010803" pitchFamily="18" charset="0"/>
-              </a:rPr>
-              <a:t> Ada </a:t>
-            </a:r>
-            <a:r>
-              <a:rPr lang="es-ES" sz="1800" dirty="0" err="1">
-                <a:latin typeface="Garamond" panose="02020404030301010803" pitchFamily="18" charset="0"/>
-              </a:rPr>
-              <a:t>Poon’s</a:t>
-            </a:r>
-            <a:r>
-              <a:rPr lang="es-ES" sz="1800" dirty="0">
-                <a:latin typeface="Garamond" panose="02020404030301010803" pitchFamily="18" charset="0"/>
-              </a:rPr>
-              <a:t> </a:t>
-            </a:r>
-            <a:r>
-              <a:rPr lang="es-ES" sz="1800" dirty="0" err="1">
-                <a:latin typeface="Garamond" panose="02020404030301010803" pitchFamily="18" charset="0"/>
-              </a:rPr>
-              <a:t>Proposed</a:t>
-            </a:r>
-            <a:r>
-              <a:rPr lang="es-ES" sz="1800" dirty="0">
-                <a:latin typeface="Garamond" panose="02020404030301010803" pitchFamily="18" charset="0"/>
-              </a:rPr>
-              <a:t> </a:t>
-            </a:r>
-            <a:r>
-              <a:rPr lang="es-ES" sz="1800" dirty="0" err="1">
-                <a:latin typeface="Garamond" panose="02020404030301010803" pitchFamily="18" charset="0"/>
-              </a:rPr>
-              <a:t>Circuit</a:t>
-            </a:r>
-            <a:endParaRPr lang="es-ES" sz="1800" dirty="0">
-              <a:latin typeface="Garamond" panose="02020404030301010803" pitchFamily="18" charset="0"/>
-            </a:endParaRPr>
-          </a:p>
-        </p:txBody>
-      </p:sp>
-      <p:sp>
-        <p:nvSpPr>
-          <p:cNvPr id="23" name="TextBox 22">
-            <a:extLst>
-              <a:ext uri="{FF2B5EF4-FFF2-40B4-BE49-F238E27FC236}">
-                <a16:creationId xmlns:a16="http://schemas.microsoft.com/office/drawing/2014/main" id="{4287F6CD-1B9D-4F4A-8ADF-57499402C82A}"/>
-              </a:ext>
-            </a:extLst>
-          </p:cNvPr>
-          <p:cNvSpPr txBox="1"/>
-          <p:nvPr/>
-        </p:nvSpPr>
-        <p:spPr>
-          <a:xfrm>
-            <a:off x="1423801" y="2556061"/>
-            <a:ext cx="888578" cy="369332"/>
-          </a:xfrm>
-          <a:prstGeom prst="rect">
-            <a:avLst/>
-          </a:prstGeom>
-        </p:spPr>
-        <p:style>
-          <a:lnRef idx="1">
-            <a:schemeClr val="accent4"/>
-          </a:lnRef>
-          <a:fillRef idx="2">
-            <a:schemeClr val="accent4"/>
-          </a:fillRef>
-          <a:effectRef idx="1">
-            <a:schemeClr val="accent4"/>
-          </a:effectRef>
-          <a:fontRef idx="minor">
-            <a:schemeClr val="dk1"/>
-          </a:fontRef>
-        </p:style>
-        <p:txBody>
-          <a:bodyPr wrap="square" rtlCol="0">
-            <a:spAutoFit/>
-          </a:bodyPr>
-          <a:lstStyle/>
-          <a:p>
-            <a:pPr algn="ctr"/>
-            <a:r>
-              <a:rPr lang="es-ES" sz="1800" dirty="0">
-                <a:latin typeface="Garamond" panose="02020404030301010803" pitchFamily="18" charset="0"/>
-              </a:rPr>
-              <a:t>1 </a:t>
-            </a:r>
-            <a:r>
-              <a:rPr lang="es-ES" sz="1800" dirty="0" err="1">
-                <a:latin typeface="Garamond" panose="02020404030301010803" pitchFamily="18" charset="0"/>
-              </a:rPr>
-              <a:t>week</a:t>
-            </a:r>
-            <a:endParaRPr lang="es-ES" sz="1800" dirty="0">
-              <a:latin typeface="Garamond" panose="02020404030301010803" pitchFamily="18" charset="0"/>
-            </a:endParaRPr>
-          </a:p>
-        </p:txBody>
-      </p:sp>
-      <p:sp>
-        <p:nvSpPr>
-          <p:cNvPr id="25" name="TextBox 24">
-            <a:extLst>
-              <a:ext uri="{FF2B5EF4-FFF2-40B4-BE49-F238E27FC236}">
-                <a16:creationId xmlns:a16="http://schemas.microsoft.com/office/drawing/2014/main" id="{CC2E99D5-46B0-4579-859B-9A602163D128}"/>
-              </a:ext>
-            </a:extLst>
-          </p:cNvPr>
-          <p:cNvSpPr txBox="1"/>
-          <p:nvPr/>
-        </p:nvSpPr>
-        <p:spPr>
-          <a:xfrm>
-            <a:off x="1423801" y="3486450"/>
-            <a:ext cx="888578" cy="369332"/>
-          </a:xfrm>
-          <a:prstGeom prst="rect">
-            <a:avLst/>
-          </a:prstGeom>
-        </p:spPr>
-        <p:style>
-          <a:lnRef idx="1">
-            <a:schemeClr val="accent4"/>
-          </a:lnRef>
-          <a:fillRef idx="2">
-            <a:schemeClr val="accent4"/>
-          </a:fillRef>
-          <a:effectRef idx="1">
-            <a:schemeClr val="accent4"/>
-          </a:effectRef>
-          <a:fontRef idx="minor">
-            <a:schemeClr val="dk1"/>
-          </a:fontRef>
-        </p:style>
-        <p:txBody>
-          <a:bodyPr wrap="none" rtlCol="0">
-            <a:spAutoFit/>
-          </a:bodyPr>
-          <a:lstStyle/>
-          <a:p>
-            <a:pPr algn="ctr"/>
-            <a:r>
-              <a:rPr lang="es-ES" sz="1800" dirty="0">
-                <a:latin typeface="Garamond" panose="02020404030301010803" pitchFamily="18" charset="0"/>
-              </a:rPr>
-              <a:t>2 </a:t>
-            </a:r>
-            <a:r>
-              <a:rPr lang="es-ES" sz="1800" dirty="0" err="1">
-                <a:latin typeface="Garamond" panose="02020404030301010803" pitchFamily="18" charset="0"/>
-              </a:rPr>
-              <a:t>weeks</a:t>
-            </a:r>
-            <a:endParaRPr lang="es-ES" sz="1800" dirty="0">
-              <a:latin typeface="Garamond" panose="02020404030301010803" pitchFamily="18" charset="0"/>
-            </a:endParaRPr>
-          </a:p>
-        </p:txBody>
-      </p:sp>
-      <p:sp>
-        <p:nvSpPr>
-          <p:cNvPr id="28" name="TextBox 27">
-            <a:extLst>
-              <a:ext uri="{FF2B5EF4-FFF2-40B4-BE49-F238E27FC236}">
-                <a16:creationId xmlns:a16="http://schemas.microsoft.com/office/drawing/2014/main" id="{6C79FEB0-270D-4280-884E-35A20A2F130E}"/>
-              </a:ext>
-            </a:extLst>
-          </p:cNvPr>
-          <p:cNvSpPr txBox="1"/>
-          <p:nvPr/>
-        </p:nvSpPr>
-        <p:spPr>
-          <a:xfrm>
-            <a:off x="1423801" y="4418624"/>
-            <a:ext cx="888578" cy="369332"/>
-          </a:xfrm>
-          <a:prstGeom prst="rect">
-            <a:avLst/>
-          </a:prstGeom>
-        </p:spPr>
-        <p:style>
-          <a:lnRef idx="1">
-            <a:schemeClr val="accent4"/>
-          </a:lnRef>
-          <a:fillRef idx="2">
-            <a:schemeClr val="accent4"/>
-          </a:fillRef>
-          <a:effectRef idx="1">
-            <a:schemeClr val="accent4"/>
-          </a:effectRef>
-          <a:fontRef idx="minor">
-            <a:schemeClr val="dk1"/>
-          </a:fontRef>
-        </p:style>
-        <p:txBody>
-          <a:bodyPr wrap="none" rtlCol="0">
-            <a:spAutoFit/>
-          </a:bodyPr>
-          <a:lstStyle/>
-          <a:p>
-            <a:pPr algn="ctr"/>
-            <a:r>
-              <a:rPr lang="es-ES" sz="1800" dirty="0">
-                <a:latin typeface="Garamond" panose="02020404030301010803" pitchFamily="18" charset="0"/>
-              </a:rPr>
-              <a:t>1 </a:t>
-            </a:r>
-            <a:r>
-              <a:rPr lang="es-ES" sz="1800" dirty="0" err="1">
-                <a:latin typeface="Garamond" panose="02020404030301010803" pitchFamily="18" charset="0"/>
-              </a:rPr>
-              <a:t>weeks</a:t>
-            </a:r>
-            <a:endParaRPr lang="es-ES" sz="1800" dirty="0">
-              <a:latin typeface="Garamond" panose="02020404030301010803" pitchFamily="18" charset="0"/>
-            </a:endParaRPr>
-          </a:p>
-        </p:txBody>
-      </p:sp>
-      <p:cxnSp>
-        <p:nvCxnSpPr>
-          <p:cNvPr id="5" name="Straight Arrow Connector 4">
-            <a:extLst>
-              <a:ext uri="{FF2B5EF4-FFF2-40B4-BE49-F238E27FC236}">
-                <a16:creationId xmlns:a16="http://schemas.microsoft.com/office/drawing/2014/main" id="{131D9CD9-696A-482A-B66B-06DF194EF2C3}"/>
-              </a:ext>
-            </a:extLst>
-          </p:cNvPr>
-          <p:cNvCxnSpPr>
-            <a:cxnSpLocks/>
-          </p:cNvCxnSpPr>
-          <p:nvPr/>
-        </p:nvCxnSpPr>
-        <p:spPr>
-          <a:xfrm flipV="1">
-            <a:off x="2312379" y="4601503"/>
-            <a:ext cx="1449719" cy="1"/>
-          </a:xfrm>
-          <a:prstGeom prst="straightConnector1">
-            <a:avLst/>
-          </a:prstGeom>
-          <a:ln w="57150">
-            <a:solidFill>
-              <a:schemeClr val="tx1">
-                <a:lumMod val="50000"/>
-                <a:lumOff val="50000"/>
-              </a:schemeClr>
-            </a:solidFill>
-            <a:tailEnd type="triangle"/>
-          </a:ln>
-        </p:spPr>
-        <p:style>
-          <a:lnRef idx="1">
-            <a:schemeClr val="accent1"/>
-          </a:lnRef>
-          <a:fillRef idx="0">
-            <a:schemeClr val="accent1"/>
-          </a:fillRef>
-          <a:effectRef idx="0">
-            <a:schemeClr val="accent1"/>
-          </a:effectRef>
-          <a:fontRef idx="minor">
-            <a:schemeClr val="tx1"/>
-          </a:fontRef>
-        </p:style>
-      </p:cxnSp>
-      <p:cxnSp>
-        <p:nvCxnSpPr>
-          <p:cNvPr id="29" name="Straight Arrow Connector 28">
-            <a:extLst>
-              <a:ext uri="{FF2B5EF4-FFF2-40B4-BE49-F238E27FC236}">
-                <a16:creationId xmlns:a16="http://schemas.microsoft.com/office/drawing/2014/main" id="{7D741C68-CD5E-49B2-B4CE-A026CCD48019}"/>
-              </a:ext>
-            </a:extLst>
-          </p:cNvPr>
-          <p:cNvCxnSpPr/>
-          <p:nvPr/>
-        </p:nvCxnSpPr>
-        <p:spPr>
-          <a:xfrm flipV="1">
-            <a:off x="2312379" y="3671115"/>
-            <a:ext cx="1449719" cy="1"/>
-          </a:xfrm>
-          <a:prstGeom prst="straightConnector1">
-            <a:avLst/>
-          </a:prstGeom>
-          <a:ln w="57150">
-            <a:solidFill>
-              <a:schemeClr val="tx1">
-                <a:lumMod val="50000"/>
-                <a:lumOff val="50000"/>
-              </a:schemeClr>
-            </a:solidFill>
-            <a:tailEnd type="triangle"/>
-          </a:ln>
-        </p:spPr>
-        <p:style>
-          <a:lnRef idx="1">
-            <a:schemeClr val="accent1"/>
-          </a:lnRef>
-          <a:fillRef idx="0">
-            <a:schemeClr val="accent1"/>
-          </a:fillRef>
-          <a:effectRef idx="0">
-            <a:schemeClr val="accent1"/>
-          </a:effectRef>
-          <a:fontRef idx="minor">
-            <a:schemeClr val="tx1"/>
-          </a:fontRef>
-        </p:style>
-      </p:cxnSp>
-      <p:cxnSp>
-        <p:nvCxnSpPr>
-          <p:cNvPr id="30" name="Straight Arrow Connector 29">
-            <a:extLst>
-              <a:ext uri="{FF2B5EF4-FFF2-40B4-BE49-F238E27FC236}">
-                <a16:creationId xmlns:a16="http://schemas.microsoft.com/office/drawing/2014/main" id="{2FDF1D35-7698-442A-AD9C-5F9D142C8F61}"/>
-              </a:ext>
-            </a:extLst>
-          </p:cNvPr>
-          <p:cNvCxnSpPr/>
-          <p:nvPr/>
-        </p:nvCxnSpPr>
-        <p:spPr>
-          <a:xfrm flipV="1">
-            <a:off x="2312379" y="2713301"/>
-            <a:ext cx="1449719" cy="1"/>
-          </a:xfrm>
-          <a:prstGeom prst="straightConnector1">
-            <a:avLst/>
-          </a:prstGeom>
-          <a:ln w="57150">
-            <a:solidFill>
-              <a:schemeClr val="tx1">
-                <a:lumMod val="50000"/>
-                <a:lumOff val="50000"/>
-              </a:schemeClr>
-            </a:solidFill>
-            <a:tailEnd type="triangle"/>
-          </a:ln>
-        </p:spPr>
-        <p:style>
-          <a:lnRef idx="1">
-            <a:schemeClr val="accent1"/>
-          </a:lnRef>
-          <a:fillRef idx="0">
-            <a:schemeClr val="accent1"/>
-          </a:fillRef>
-          <a:effectRef idx="0">
-            <a:schemeClr val="accent1"/>
-          </a:effectRef>
-          <a:fontRef idx="minor">
-            <a:schemeClr val="tx1"/>
-          </a:fontRef>
-        </p:style>
-      </p:cxnSp>
-      <p:sp>
-        <p:nvSpPr>
-          <p:cNvPr id="31" name="TextBox 30">
-            <a:extLst>
-              <a:ext uri="{FF2B5EF4-FFF2-40B4-BE49-F238E27FC236}">
-                <a16:creationId xmlns:a16="http://schemas.microsoft.com/office/drawing/2014/main" id="{6461F7A3-13D2-46A3-9D1D-0EC6E850BC19}"/>
-              </a:ext>
-            </a:extLst>
-          </p:cNvPr>
-          <p:cNvSpPr txBox="1"/>
-          <p:nvPr/>
-        </p:nvSpPr>
-        <p:spPr>
-          <a:xfrm>
-            <a:off x="3762097" y="4325398"/>
-            <a:ext cx="3275065" cy="646331"/>
-          </a:xfrm>
-          <a:prstGeom prst="rect">
-            <a:avLst/>
-          </a:prstGeom>
-        </p:spPr>
-        <p:style>
-          <a:lnRef idx="1">
-            <a:schemeClr val="accent4"/>
-          </a:lnRef>
-          <a:fillRef idx="2">
-            <a:schemeClr val="accent4"/>
-          </a:fillRef>
-          <a:effectRef idx="1">
-            <a:schemeClr val="accent4"/>
-          </a:effectRef>
-          <a:fontRef idx="minor">
-            <a:schemeClr val="dk1"/>
-          </a:fontRef>
-        </p:style>
-        <p:txBody>
-          <a:bodyPr wrap="square" rtlCol="0">
-            <a:spAutoFit/>
-          </a:bodyPr>
-          <a:lstStyle/>
-          <a:p>
-            <a:pPr algn="ctr"/>
-            <a:r>
-              <a:rPr lang="es-ES" sz="1800" dirty="0">
-                <a:latin typeface="Garamond" panose="02020404030301010803" pitchFamily="18" charset="0"/>
-              </a:rPr>
-              <a:t>3. Run a test </a:t>
-            </a:r>
-            <a:r>
-              <a:rPr lang="es-ES" sz="1800" dirty="0" err="1">
-                <a:latin typeface="Garamond" panose="02020404030301010803" pitchFamily="18" charset="0"/>
-              </a:rPr>
-              <a:t>with</a:t>
-            </a:r>
-            <a:r>
-              <a:rPr lang="es-ES" sz="1800" dirty="0">
-                <a:latin typeface="Garamond" panose="02020404030301010803" pitchFamily="18" charset="0"/>
-              </a:rPr>
-              <a:t> </a:t>
-            </a:r>
-            <a:r>
-              <a:rPr lang="es-ES" sz="1800" dirty="0" err="1">
-                <a:latin typeface="Garamond" panose="02020404030301010803" pitchFamily="18" charset="0"/>
-              </a:rPr>
-              <a:t>the</a:t>
-            </a:r>
-            <a:r>
-              <a:rPr lang="es-ES" sz="1800" dirty="0">
-                <a:latin typeface="Garamond" panose="02020404030301010803" pitchFamily="18" charset="0"/>
-              </a:rPr>
-              <a:t> John Rogers </a:t>
-            </a:r>
-            <a:r>
-              <a:rPr lang="es-ES" sz="1800" dirty="0" err="1">
-                <a:latin typeface="Garamond" panose="02020404030301010803" pitchFamily="18" charset="0"/>
-              </a:rPr>
-              <a:t>Proposed</a:t>
-            </a:r>
-            <a:r>
-              <a:rPr lang="es-ES" sz="1800" dirty="0">
-                <a:latin typeface="Garamond" panose="02020404030301010803" pitchFamily="18" charset="0"/>
-              </a:rPr>
-              <a:t> </a:t>
-            </a:r>
-            <a:r>
-              <a:rPr lang="es-ES" sz="1800" dirty="0" err="1">
-                <a:latin typeface="Garamond" panose="02020404030301010803" pitchFamily="18" charset="0"/>
-              </a:rPr>
-              <a:t>Circuit</a:t>
-            </a:r>
-            <a:endParaRPr lang="es-ES" sz="1800" dirty="0">
-              <a:latin typeface="Garamond" panose="02020404030301010803" pitchFamily="18" charset="0"/>
-            </a:endParaRPr>
-          </a:p>
-        </p:txBody>
-      </p:sp>
-      <p:sp>
-        <p:nvSpPr>
-          <p:cNvPr id="2" name="TextBox 1">
-            <a:extLst>
-              <a:ext uri="{FF2B5EF4-FFF2-40B4-BE49-F238E27FC236}">
-                <a16:creationId xmlns:a16="http://schemas.microsoft.com/office/drawing/2014/main" id="{1A6AF8C9-823B-41ED-9D4A-CA6213B28964}"/>
-              </a:ext>
-            </a:extLst>
-          </p:cNvPr>
-          <p:cNvSpPr txBox="1"/>
-          <p:nvPr/>
-        </p:nvSpPr>
-        <p:spPr>
-          <a:xfrm>
-            <a:off x="1868090" y="6009957"/>
-            <a:ext cx="6328390" cy="715581"/>
-          </a:xfrm>
-          <a:prstGeom prst="rect">
-            <a:avLst/>
-          </a:prstGeom>
-          <a:noFill/>
-        </p:spPr>
-        <p:txBody>
-          <a:bodyPr wrap="square" rtlCol="0">
-            <a:spAutoFit/>
-          </a:bodyPr>
-          <a:lstStyle/>
-          <a:p>
-            <a:r>
-              <a:rPr lang="es-ES" dirty="0" err="1"/>
-              <a:t>Check</a:t>
-            </a:r>
-            <a:r>
-              <a:rPr lang="es-ES" dirty="0"/>
-              <a:t> </a:t>
-            </a:r>
-            <a:r>
-              <a:rPr lang="es-ES" dirty="0" err="1"/>
-              <a:t>my</a:t>
-            </a:r>
-            <a:r>
-              <a:rPr lang="es-ES" dirty="0"/>
-              <a:t> </a:t>
-            </a:r>
-            <a:r>
-              <a:rPr lang="es-ES" dirty="0" err="1"/>
-              <a:t>repository</a:t>
-            </a:r>
-            <a:r>
-              <a:rPr lang="es-ES" dirty="0"/>
-              <a:t> </a:t>
-            </a:r>
-            <a:r>
-              <a:rPr lang="es-ES" dirty="0" err="1"/>
-              <a:t>on</a:t>
-            </a:r>
-            <a:r>
-              <a:rPr lang="es-ES" dirty="0"/>
-              <a:t> </a:t>
-            </a:r>
-            <a:r>
-              <a:rPr lang="es-ES" dirty="0" err="1"/>
-              <a:t>github</a:t>
-            </a:r>
-            <a:r>
-              <a:rPr lang="es-ES" dirty="0"/>
-              <a:t> and share </a:t>
-            </a:r>
-            <a:r>
-              <a:rPr lang="es-ES" dirty="0" err="1"/>
-              <a:t>your</a:t>
-            </a:r>
-            <a:r>
-              <a:rPr lang="es-ES" dirty="0"/>
-              <a:t> </a:t>
-            </a:r>
-            <a:r>
-              <a:rPr lang="es-ES" dirty="0" err="1"/>
-              <a:t>info</a:t>
-            </a:r>
-            <a:r>
-              <a:rPr lang="es-ES" dirty="0"/>
-              <a:t>: https://github.com/GGChe/BioImplantableDevice</a:t>
-            </a:r>
-          </a:p>
-          <a:p>
-            <a:endParaRPr lang="es-ES" dirty="0"/>
-          </a:p>
-        </p:txBody>
-      </p:sp>
-      <p:pic>
-        <p:nvPicPr>
-          <p:cNvPr id="6" name="Picture 5">
-            <a:extLst>
-              <a:ext uri="{FF2B5EF4-FFF2-40B4-BE49-F238E27FC236}">
-                <a16:creationId xmlns:a16="http://schemas.microsoft.com/office/drawing/2014/main" id="{6EDCC237-6595-41F9-8961-4E893FF71689}"/>
-              </a:ext>
-            </a:extLst>
-          </p:cNvPr>
-          <p:cNvPicPr>
-            <a:picLocks noChangeAspect="1"/>
-          </p:cNvPicPr>
-          <p:nvPr/>
-        </p:nvPicPr>
-        <p:blipFill>
-          <a:blip r:embed="rId3"/>
-          <a:stretch>
-            <a:fillRect/>
-          </a:stretch>
-        </p:blipFill>
-        <p:spPr>
-          <a:xfrm>
-            <a:off x="0" y="5867483"/>
-            <a:ext cx="2103302" cy="780356"/>
-          </a:xfrm>
-          <a:prstGeom prst="rect">
-            <a:avLst/>
-          </a:prstGeom>
-        </p:spPr>
-      </p:pic>
-    </p:spTree>
-    <p:extLst>
-      <p:ext uri="{BB962C8B-B14F-4D97-AF65-F5344CB8AC3E}">
-        <p14:creationId xmlns:p14="http://schemas.microsoft.com/office/powerpoint/2010/main" val="3217914655"/>
       </p:ext>
     </p:extLst>
   </p:cSld>
@@ -9340,11 +7097,15 @@
           <a:lstStyle/>
           <a:p>
             <a:r>
-              <a:rPr lang="en-GB" dirty="0" err="1"/>
+              <a:rPr lang="en-GB" dirty="0" err="1">
+                <a:latin typeface="Garamond" panose="02020404030301010803" pitchFamily="18" charset="0"/>
+              </a:rPr>
               <a:t>Bioimplantable</a:t>
             </a:r>
             <a:r>
-              <a:rPr lang="en-GB" dirty="0"/>
+              <a:rPr lang="en-GB" dirty="0">
+                <a:latin typeface="Garamond" panose="02020404030301010803" pitchFamily="18" charset="0"/>
+              </a:rPr>
               <a:t> Device</a:t>
             </a:r>
           </a:p>
@@ -9364,8 +7125,8 @@
         </p:nvSpPr>
         <p:spPr>
           <a:xfrm>
-            <a:off x="1195297" y="2144199"/>
-            <a:ext cx="7030100" cy="3416320"/>
+            <a:off x="399494" y="1328530"/>
+            <a:ext cx="8345009" cy="4801314"/>
           </a:xfrm>
           <a:prstGeom prst="rect">
             <a:avLst/>
@@ -9467,19 +7228,11 @@
               <a:tabLst/>
               <a:defRPr/>
             </a:pPr>
-            <a:endParaRPr kumimoji="0" lang="es-ES" sz="1800" b="0" i="0" u="none" strike="noStrike" kern="0" cap="none" spc="0" normalizeH="0" baseline="0" noProof="0" dirty="0">
-              <a:ln>
-                <a:noFill/>
-              </a:ln>
+            <a:endParaRPr lang="es-ES" sz="1800" kern="0" dirty="0">
               <a:solidFill>
                 <a:prstClr val="white"/>
               </a:solidFill>
-              <a:effectLst/>
-              <a:uLnTx/>
-              <a:uFillTx/>
               <a:latin typeface="Calibri"/>
-              <a:ea typeface="+mn-ea"/>
-              <a:cs typeface="+mn-cs"/>
             </a:endParaRPr>
           </a:p>
           <a:p>
@@ -9525,19 +7278,11 @@
               <a:tabLst/>
               <a:defRPr/>
             </a:pPr>
-            <a:endParaRPr kumimoji="0" lang="es-ES" sz="1800" b="0" i="0" u="none" strike="noStrike" kern="0" cap="none" spc="0" normalizeH="0" baseline="0" noProof="0" dirty="0">
-              <a:ln>
-                <a:noFill/>
-              </a:ln>
+            <a:endParaRPr lang="es-ES" sz="1800" kern="0" dirty="0">
               <a:solidFill>
                 <a:prstClr val="white"/>
               </a:solidFill>
-              <a:effectLst/>
-              <a:uLnTx/>
-              <a:uFillTx/>
               <a:latin typeface="Calibri"/>
-              <a:ea typeface="+mn-ea"/>
-              <a:cs typeface="+mn-cs"/>
             </a:endParaRPr>
           </a:p>
           <a:p>
@@ -9583,19 +7328,11 @@
               <a:tabLst/>
               <a:defRPr/>
             </a:pPr>
-            <a:endParaRPr kumimoji="0" lang="es-ES" sz="1800" b="0" i="0" u="none" strike="noStrike" kern="0" cap="none" spc="0" normalizeH="0" baseline="0" noProof="0" dirty="0">
-              <a:ln>
-                <a:noFill/>
-              </a:ln>
+            <a:endParaRPr lang="es-ES" sz="1800" kern="0" dirty="0">
               <a:solidFill>
                 <a:prstClr val="white"/>
               </a:solidFill>
-              <a:effectLst/>
-              <a:uLnTx/>
-              <a:uFillTx/>
               <a:latin typeface="Calibri"/>
-              <a:ea typeface="+mn-ea"/>
-              <a:cs typeface="+mn-cs"/>
             </a:endParaRPr>
           </a:p>
           <a:p>
@@ -9641,19 +7378,11 @@
               <a:tabLst/>
               <a:defRPr/>
             </a:pPr>
-            <a:endParaRPr kumimoji="0" lang="es-ES" sz="1800" b="0" i="0" u="none" strike="noStrike" kern="0" cap="none" spc="0" normalizeH="0" baseline="0" noProof="0" dirty="0">
-              <a:ln>
-                <a:noFill/>
-              </a:ln>
+            <a:endParaRPr lang="es-ES" sz="1800" kern="0" dirty="0">
               <a:solidFill>
                 <a:prstClr val="white"/>
               </a:solidFill>
-              <a:effectLst/>
-              <a:uLnTx/>
-              <a:uFillTx/>
               <a:latin typeface="Calibri"/>
-              <a:ea typeface="+mn-ea"/>
-              <a:cs typeface="+mn-cs"/>
             </a:endParaRPr>
           </a:p>
           <a:p>
@@ -9699,19 +7428,11 @@
               <a:tabLst/>
               <a:defRPr/>
             </a:pPr>
-            <a:endParaRPr kumimoji="0" lang="es-ES" sz="1800" b="0" i="0" u="none" strike="noStrike" kern="0" cap="none" spc="0" normalizeH="0" baseline="0" noProof="0" dirty="0">
-              <a:ln>
-                <a:noFill/>
-              </a:ln>
+            <a:endParaRPr lang="es-ES" sz="1800" kern="0" dirty="0">
               <a:solidFill>
                 <a:prstClr val="white"/>
               </a:solidFill>
-              <a:effectLst/>
-              <a:uLnTx/>
-              <a:uFillTx/>
               <a:latin typeface="Calibri"/>
-              <a:ea typeface="+mn-ea"/>
-              <a:cs typeface="+mn-cs"/>
             </a:endParaRPr>
           </a:p>
           <a:p>
@@ -9739,6 +7460,131 @@
               <a:latin typeface="Calibri"/>
             </a:endParaRPr>
           </a:p>
+          <a:p>
+            <a:pPr marL="0" marR="0" lvl="0" indent="0" defTabSz="914400" eaLnBrk="1" fontAlgn="auto" latinLnBrk="0" hangingPunct="1">
+              <a:lnSpc>
+                <a:spcPct val="100000"/>
+              </a:lnSpc>
+              <a:spcBef>
+                <a:spcPts val="0"/>
+              </a:spcBef>
+              <a:spcAft>
+                <a:spcPts val="0"/>
+              </a:spcAft>
+              <a:buClrTx/>
+              <a:buSzTx/>
+              <a:buFontTx/>
+              <a:buNone/>
+              <a:tabLst/>
+              <a:defRPr/>
+            </a:pPr>
+            <a:endParaRPr lang="es-ES" sz="1800" kern="0" dirty="0">
+              <a:solidFill>
+                <a:prstClr val="white"/>
+              </a:solidFill>
+              <a:latin typeface="Calibri"/>
+            </a:endParaRPr>
+          </a:p>
+          <a:p>
+            <a:pPr marL="0" marR="0" lvl="0" indent="0" defTabSz="914400" eaLnBrk="1" fontAlgn="auto" latinLnBrk="0" hangingPunct="1">
+              <a:lnSpc>
+                <a:spcPct val="100000"/>
+              </a:lnSpc>
+              <a:spcBef>
+                <a:spcPts val="0"/>
+              </a:spcBef>
+              <a:spcAft>
+                <a:spcPts val="0"/>
+              </a:spcAft>
+              <a:buClrTx/>
+              <a:buSzTx/>
+              <a:buFontTx/>
+              <a:buNone/>
+              <a:tabLst/>
+              <a:defRPr/>
+            </a:pPr>
+            <a:endParaRPr lang="es-ES" sz="1800" kern="0" dirty="0">
+              <a:solidFill>
+                <a:prstClr val="white"/>
+              </a:solidFill>
+              <a:latin typeface="Calibri"/>
+            </a:endParaRPr>
+          </a:p>
+          <a:p>
+            <a:pPr marL="0" marR="0" lvl="0" indent="0" defTabSz="914400" eaLnBrk="1" fontAlgn="auto" latinLnBrk="0" hangingPunct="1">
+              <a:lnSpc>
+                <a:spcPct val="100000"/>
+              </a:lnSpc>
+              <a:spcBef>
+                <a:spcPts val="0"/>
+              </a:spcBef>
+              <a:spcAft>
+                <a:spcPts val="0"/>
+              </a:spcAft>
+              <a:buClrTx/>
+              <a:buSzTx/>
+              <a:buFontTx/>
+              <a:buNone/>
+              <a:tabLst/>
+              <a:defRPr/>
+            </a:pPr>
+            <a:endParaRPr lang="es-ES" sz="1800" kern="0" dirty="0">
+              <a:solidFill>
+                <a:prstClr val="white"/>
+              </a:solidFill>
+              <a:latin typeface="Calibri"/>
+            </a:endParaRPr>
+          </a:p>
+          <a:p>
+            <a:pPr marL="0" marR="0" lvl="0" indent="0" defTabSz="914400" eaLnBrk="1" fontAlgn="auto" latinLnBrk="0" hangingPunct="1">
+              <a:lnSpc>
+                <a:spcPct val="100000"/>
+              </a:lnSpc>
+              <a:spcBef>
+                <a:spcPts val="0"/>
+              </a:spcBef>
+              <a:spcAft>
+                <a:spcPts val="0"/>
+              </a:spcAft>
+              <a:buClrTx/>
+              <a:buSzTx/>
+              <a:buFontTx/>
+              <a:buNone/>
+              <a:tabLst/>
+              <a:defRPr/>
+            </a:pPr>
+            <a:endParaRPr lang="es-ES" sz="1800" kern="0" dirty="0">
+              <a:solidFill>
+                <a:prstClr val="white"/>
+              </a:solidFill>
+              <a:latin typeface="Calibri"/>
+            </a:endParaRPr>
+          </a:p>
+          <a:p>
+            <a:pPr marL="0" marR="0" lvl="0" indent="0" defTabSz="914400" eaLnBrk="1" fontAlgn="auto" latinLnBrk="0" hangingPunct="1">
+              <a:lnSpc>
+                <a:spcPct val="100000"/>
+              </a:lnSpc>
+              <a:spcBef>
+                <a:spcPts val="0"/>
+              </a:spcBef>
+              <a:spcAft>
+                <a:spcPts val="0"/>
+              </a:spcAft>
+              <a:buClrTx/>
+              <a:buSzTx/>
+              <a:buFontTx/>
+              <a:buNone/>
+              <a:tabLst/>
+              <a:defRPr/>
+            </a:pPr>
+            <a:endParaRPr lang="es-ES" sz="1800" kern="0" dirty="0">
+              <a:solidFill>
+                <a:prstClr val="white"/>
+              </a:solidFill>
+              <a:latin typeface="Calibri"/>
+            </a:endParaRPr>
+          </a:p>
         </p:txBody>
       </p:sp>
       <p:sp>
@@ -9755,7 +7601,7 @@
         </p:nvSpPr>
         <p:spPr>
           <a:xfrm>
-            <a:off x="3467099" y="2341485"/>
+            <a:off x="3467099" y="1487449"/>
             <a:ext cx="2209800" cy="369332"/>
           </a:xfrm>
           <a:prstGeom prst="rect">
@@ -9839,7 +7685,41 @@
                 <a:ea typeface="+mn-ea"/>
                 <a:cs typeface="+mn-cs"/>
               </a:rPr>
-              <a:t>Restrictions</a:t>
+              <a:t>Problems</a:t>
+            </a:r>
+            <a:r>
+              <a:rPr kumimoji="0" lang="es-ES" sz="1800" b="0" i="0" u="none" strike="noStrike" kern="0" cap="none" spc="0" normalizeH="0" baseline="0" noProof="0" dirty="0">
+                <a:ln>
+                  <a:noFill/>
+                </a:ln>
+                <a:solidFill>
+                  <a:prstClr val="black"/>
+                </a:solidFill>
+                <a:effectLst/>
+                <a:uLnTx/>
+                <a:uFillTx/>
+                <a:latin typeface="Garamond" panose="02020404030301010803" pitchFamily="18" charset="0"/>
+                <a:ea typeface="+mn-ea"/>
+                <a:cs typeface="+mn-cs"/>
+              </a:rPr>
+              <a:t> </a:t>
+            </a:r>
+            <a:r>
+              <a:rPr kumimoji="0" lang="es-ES" sz="1800" b="0" i="0" u="none" strike="noStrike" kern="0" cap="none" spc="0" normalizeH="0" baseline="0" noProof="0" dirty="0" err="1">
+                <a:ln>
+                  <a:noFill/>
+                </a:ln>
+                <a:solidFill>
+                  <a:prstClr val="black"/>
+                </a:solidFill>
+                <a:effectLst/>
+                <a:uLnTx/>
+                <a:uFillTx/>
+                <a:latin typeface="Garamond" panose="02020404030301010803" pitchFamily="18" charset="0"/>
+                <a:ea typeface="+mn-ea"/>
+                <a:cs typeface="+mn-cs"/>
+              </a:rPr>
+              <a:t>found</a:t>
             </a:r>
             <a:endParaRPr kumimoji="0" lang="es-ES" sz="1800" b="0" i="0" u="none" strike="noStrike" kern="0" cap="none" spc="0" normalizeH="0" baseline="0" noProof="0" dirty="0">
               <a:ln>
@@ -9872,8 +7752,8 @@
         </p:nvSpPr>
         <p:spPr>
           <a:xfrm>
-            <a:off x="2076027" y="2939622"/>
-            <a:ext cx="2357628" cy="923330"/>
+            <a:off x="639759" y="2206113"/>
+            <a:ext cx="2724878" cy="1200329"/>
           </a:xfrm>
           <a:prstGeom prst="rect">
             <a:avLst/>
@@ -9942,7 +7822,7 @@
               <a:defRPr/>
             </a:pPr>
             <a:r>
-              <a:rPr kumimoji="0" lang="es-ES" sz="1800" b="1" i="0" u="none" strike="noStrike" kern="0" cap="none" spc="0" normalizeH="0" baseline="0" noProof="0" dirty="0">
+              <a:rPr kumimoji="0" lang="en-GB" sz="1800" b="1" i="0" u="none" strike="noStrike" kern="0" cap="none" spc="0" normalizeH="0" baseline="0" noProof="0" dirty="0" err="1">
                 <a:ln>
                   <a:noFill/>
                 </a:ln>
@@ -9957,25 +7837,17 @@
                 <a:cs typeface="+mn-cs"/>
                 <a:sym typeface="Wingdings" panose="05000000000000000000" pitchFamily="2" charset="2"/>
               </a:rPr>
-              <a:t>Low </a:t>
-            </a:r>
-            <a:r>
-              <a:rPr kumimoji="0" lang="en-GB" sz="1800" b="1" i="0" u="none" strike="noStrike" kern="0" cap="none" spc="0" normalizeH="0" baseline="0" noProof="0" dirty="0">
-                <a:ln>
-                  <a:noFill/>
-                </a:ln>
+              <a:t>Solderin</a:t>
+            </a:r>
+            <a:r>
+              <a:rPr lang="en-GB" sz="1800" b="1" kern="0" dirty="0">
                 <a:solidFill>
                   <a:prstClr val="black"/>
                 </a:solidFill>
-                <a:effectLst/>
-                <a:uLnTx/>
-                <a:uFillTx/>
-                <a:latin typeface="Garamond" panose="02020404030301010803" pitchFamily="18" charset="0"/>
-                <a:ea typeface="+mn-ea"/>
-                <a:cs typeface="+mn-cs"/>
+                <a:latin typeface="Garamond" panose="02020404030301010803" pitchFamily="18" charset="0"/>
                 <a:sym typeface="Wingdings" panose="05000000000000000000" pitchFamily="2" charset="2"/>
               </a:rPr>
-              <a:t>power device</a:t>
+              <a:t>g Techniques</a:t>
             </a:r>
           </a:p>
           <a:p>
@@ -9996,42 +7868,13 @@
               <a:tabLst/>
               <a:defRPr/>
             </a:pPr>
-            <a:r>
-              <a:rPr kumimoji="0" lang="en-GB" sz="1800" b="0" i="0" u="none" strike="noStrike" kern="0" cap="none" spc="0" normalizeH="0" baseline="0" noProof="0" dirty="0">
-                <a:ln>
-                  <a:noFill/>
-                </a:ln>
-                <a:solidFill>
-                  <a:prstClr val="black"/>
-                </a:solidFill>
-                <a:effectLst/>
-                <a:uLnTx/>
-                <a:uFillTx/>
-                <a:latin typeface="Garamond" panose="02020404030301010803" pitchFamily="18" charset="0"/>
-                <a:ea typeface="+mn-ea"/>
-                <a:cs typeface="+mn-cs"/>
-                <a:sym typeface="Wingdings" panose="05000000000000000000" pitchFamily="2" charset="2"/>
-              </a:rPr>
-              <a:t> </a:t>
-            </a:r>
-            <a:r>
-              <a:rPr kumimoji="0" lang="en-GB" sz="1400" b="0" i="0" u="none" strike="noStrike" kern="0" cap="none" spc="0" normalizeH="0" baseline="0" noProof="0" dirty="0">
-                <a:ln>
-                  <a:noFill/>
-                </a:ln>
-                <a:solidFill>
-                  <a:prstClr val="black"/>
-                </a:solidFill>
-                <a:effectLst/>
-                <a:uLnTx/>
-                <a:uFillTx/>
-                <a:latin typeface="Garamond" panose="02020404030301010803" pitchFamily="18" charset="0"/>
-                <a:ea typeface="+mn-ea"/>
-                <a:cs typeface="+mn-cs"/>
-                <a:sym typeface="Wingdings" panose="05000000000000000000" pitchFamily="2" charset="2"/>
-              </a:rPr>
-              <a:t>(Just to supply a LED)</a:t>
-            </a:r>
+            <a:endParaRPr lang="en-GB" sz="1800" b="1" kern="0" dirty="0">
+              <a:solidFill>
+                <a:prstClr val="black"/>
+              </a:solidFill>
+              <a:latin typeface="Garamond" panose="02020404030301010803" pitchFamily="18" charset="0"/>
+              <a:sym typeface="Wingdings" panose="05000000000000000000" pitchFamily="2" charset="2"/>
+            </a:endParaRPr>
           </a:p>
           <a:p>
             <a:pPr marL="0" marR="0" lvl="0" indent="0" defTabSz="914400" eaLnBrk="1" fontAlgn="auto" latinLnBrk="0" hangingPunct="1">
@@ -10051,29 +7894,129 @@
               <a:tabLst/>
               <a:defRPr/>
             </a:pPr>
-            <a:endParaRPr kumimoji="0" lang="es-ES" sz="1800" b="0" i="0" u="none" strike="noStrike" kern="0" cap="none" spc="0" normalizeH="0" baseline="0" noProof="0" dirty="0">
-              <a:ln>
-                <a:noFill/>
-              </a:ln>
-              <a:solidFill>
-                <a:prstClr val="black"/>
-              </a:solidFill>
-              <a:effectLst/>
-              <a:uLnTx/>
-              <a:uFillTx/>
-              <a:latin typeface="Calibri"/>
-              <a:ea typeface="+mn-ea"/>
-              <a:cs typeface="+mn-cs"/>
-            </a:endParaRPr>
+            <a:r>
+              <a:rPr kumimoji="0" lang="en-GB" sz="1800" b="0" i="0" u="none" strike="noStrike" kern="0" cap="none" spc="0" normalizeH="0" baseline="0" noProof="0" dirty="0">
+                <a:ln>
+                  <a:noFill/>
+                </a:ln>
+                <a:solidFill>
+                  <a:prstClr val="black"/>
+                </a:solidFill>
+                <a:effectLst/>
+                <a:uLnTx/>
+                <a:uFillTx/>
+                <a:latin typeface="Garamond" panose="02020404030301010803" pitchFamily="18" charset="0"/>
+                <a:ea typeface="+mn-ea"/>
+                <a:cs typeface="+mn-cs"/>
+                <a:sym typeface="Wingdings" panose="05000000000000000000" pitchFamily="2" charset="2"/>
+              </a:rPr>
+              <a:t>LED requires </a:t>
+            </a:r>
+            <a:r>
+              <a:rPr lang="en-GB" sz="1800" kern="0" dirty="0">
+                <a:solidFill>
+                  <a:prstClr val="black"/>
+                </a:solidFill>
+                <a:latin typeface="Garamond" panose="02020404030301010803" pitchFamily="18" charset="0"/>
+                <a:sym typeface="Wingdings" panose="05000000000000000000" pitchFamily="2" charset="2"/>
+              </a:rPr>
+              <a:t>wire bonding</a:t>
+            </a:r>
+          </a:p>
+          <a:p>
+            <a:pPr marL="0" marR="0" lvl="0" indent="0" defTabSz="914400" eaLnBrk="1" fontAlgn="auto" latinLnBrk="0" hangingPunct="1">
+              <a:lnSpc>
+                <a:spcPct val="100000"/>
+              </a:lnSpc>
+              <a:spcBef>
+                <a:spcPts val="0"/>
+              </a:spcBef>
+              <a:spcAft>
+                <a:spcPts val="0"/>
+              </a:spcAft>
+              <a:buClrTx/>
+              <a:buSzTx/>
+              <a:buFontTx/>
+              <a:buNone/>
+              <a:tabLst/>
+              <a:defRPr/>
+            </a:pPr>
+            <a:r>
+              <a:rPr kumimoji="0" lang="en-GB" sz="1800" b="0" i="0" u="none" strike="noStrike" kern="0" cap="none" spc="0" normalizeH="0" baseline="0" noProof="0" dirty="0">
+                <a:ln>
+                  <a:noFill/>
+                </a:ln>
+                <a:solidFill>
+                  <a:prstClr val="black"/>
+                </a:solidFill>
+                <a:effectLst/>
+                <a:uLnTx/>
+                <a:uFillTx/>
+                <a:latin typeface="Garamond" panose="02020404030301010803" pitchFamily="18" charset="0"/>
+                <a:ea typeface="+mn-ea"/>
+                <a:cs typeface="+mn-cs"/>
+                <a:sym typeface="Wingdings" panose="05000000000000000000" pitchFamily="2" charset="2"/>
+              </a:rPr>
+              <a:t>LDO </a:t>
+            </a:r>
+            <a:r>
+              <a:rPr lang="en-GB" sz="1800" kern="0" dirty="0">
+                <a:solidFill>
+                  <a:prstClr val="black"/>
+                </a:solidFill>
+                <a:latin typeface="Garamond" panose="02020404030301010803" pitchFamily="18" charset="0"/>
+                <a:sym typeface="Wingdings" panose="05000000000000000000" pitchFamily="2" charset="2"/>
+              </a:rPr>
+              <a:t>is a Flip Chip</a:t>
+            </a:r>
           </a:p>
         </p:txBody>
       </p:sp>
+      <p:cxnSp>
+        <p:nvCxnSpPr>
+          <p:cNvPr id="3" name="Straight Arrow Connector 2">
+            <a:extLst>
+              <a:ext uri="{FF2B5EF4-FFF2-40B4-BE49-F238E27FC236}">
+                <a16:creationId xmlns:a16="http://schemas.microsoft.com/office/drawing/2014/main" id="{40ABBE62-66F8-4DC6-92E0-83F0CD629ED5}"/>
+              </a:ext>
+            </a:extLst>
+          </p:cNvPr>
+          <p:cNvCxnSpPr/>
+          <p:nvPr/>
+        </p:nvCxnSpPr>
+        <p:spPr>
+          <a:xfrm>
+            <a:off x="3364637" y="2814221"/>
+            <a:ext cx="1535837" cy="0"/>
+          </a:xfrm>
+          <a:prstGeom prst="straightConnector1">
+            <a:avLst/>
+          </a:prstGeom>
+          <a:ln w="57150">
+            <a:tailEnd type="triangle"/>
+          </a:ln>
+        </p:spPr>
+        <p:style>
+          <a:lnRef idx="3">
+            <a:schemeClr val="dk1"/>
+          </a:lnRef>
+          <a:fillRef idx="0">
+            <a:schemeClr val="dk1"/>
+          </a:fillRef>
+          <a:effectRef idx="2">
+            <a:schemeClr val="dk1"/>
+          </a:effectRef>
+          <a:fontRef idx="minor">
+            <a:schemeClr val="tx1"/>
+          </a:fontRef>
+        </p:style>
+      </p:cxnSp>
       <p:sp>
         <p:nvSpPr>
-          <p:cNvPr id="30" name="TextBox 29">
+          <p:cNvPr id="11" name="TextBox 10">
             <a:extLst>
               <a:ext uri="{FF2B5EF4-FFF2-40B4-BE49-F238E27FC236}">
-                <a16:creationId xmlns:a16="http://schemas.microsoft.com/office/drawing/2014/main" id="{4B9C5E4D-DDEE-4D1E-81D5-0FD0789281F2}"/>
+                <a16:creationId xmlns:a16="http://schemas.microsoft.com/office/drawing/2014/main" id="{BD795369-8B7D-434D-B07D-445CA7FAE6BB}"/>
               </a:ext>
             </a:extLst>
           </p:cNvPr>
@@ -10082,8 +8025,8 @@
         </p:nvSpPr>
         <p:spPr>
           <a:xfrm>
-            <a:off x="2076025" y="4131299"/>
-            <a:ext cx="2357628" cy="923330"/>
+            <a:off x="4900474" y="2660332"/>
+            <a:ext cx="3604334" cy="307777"/>
           </a:xfrm>
           <a:prstGeom prst="rect">
             <a:avLst/>
@@ -10152,7 +8095,7 @@
               <a:defRPr/>
             </a:pPr>
             <a:r>
-              <a:rPr kumimoji="0" lang="es-ES" sz="1800" b="1" i="0" u="none" strike="noStrike" kern="0" cap="none" spc="0" normalizeH="0" baseline="0" noProof="0" dirty="0">
+              <a:rPr kumimoji="0" lang="en-GB" sz="1400" b="1" i="0" u="none" strike="noStrike" kern="0" cap="none" spc="0" normalizeH="0" baseline="0" noProof="0" dirty="0">
                 <a:ln>
                   <a:noFill/>
                 </a:ln>
@@ -10167,254 +8110,13 @@
                 <a:cs typeface="+mn-cs"/>
                 <a:sym typeface="Wingdings" panose="05000000000000000000" pitchFamily="2" charset="2"/>
               </a:rPr>
-              <a:t>Wireless </a:t>
-            </a:r>
-            <a:r>
-              <a:rPr kumimoji="0" lang="es-ES" sz="1800" b="1" i="0" u="none" strike="noStrike" kern="0" cap="none" spc="0" normalizeH="0" baseline="0" noProof="0" dirty="0" err="1">
-                <a:ln>
-                  <a:noFill/>
-                </a:ln>
-                <a:solidFill>
-                  <a:prstClr val="black"/>
-                </a:solidFill>
-                <a:effectLst/>
-                <a:uLnTx/>
-                <a:uFillTx/>
-                <a:latin typeface="Garamond" panose="02020404030301010803" pitchFamily="18" charset="0"/>
-                <a:ea typeface="+mn-ea"/>
-                <a:cs typeface="+mn-cs"/>
-                <a:sym typeface="Wingdings" panose="05000000000000000000" pitchFamily="2" charset="2"/>
-              </a:rPr>
-              <a:t>Power</a:t>
-            </a:r>
-            <a:endParaRPr kumimoji="0" lang="es-ES" sz="1800" b="1" i="0" u="none" strike="noStrike" kern="0" cap="none" spc="0" normalizeH="0" baseline="0" noProof="0" dirty="0">
-              <a:ln>
-                <a:noFill/>
-              </a:ln>
+              <a:t>INCREASES MANUFCTURING TIME!!</a:t>
+            </a:r>
+            <a:endParaRPr lang="en-GB" sz="1400" kern="0" dirty="0">
               <a:solidFill>
                 <a:prstClr val="black"/>
               </a:solidFill>
-              <a:effectLst/>
-              <a:uLnTx/>
-              <a:uFillTx/>
               <a:latin typeface="Garamond" panose="02020404030301010803" pitchFamily="18" charset="0"/>
-              <a:ea typeface="+mn-ea"/>
-              <a:cs typeface="+mn-cs"/>
-              <a:sym typeface="Wingdings" panose="05000000000000000000" pitchFamily="2" charset="2"/>
-            </a:endParaRPr>
-          </a:p>
-          <a:p>
-            <a:pPr marL="0" marR="0" lvl="0" indent="0" algn="ctr" defTabSz="914400" eaLnBrk="1" fontAlgn="auto" latinLnBrk="0" hangingPunct="1">
-              <a:lnSpc>
-                <a:spcPct val="100000"/>
-              </a:lnSpc>
-              <a:spcBef>
-                <a:spcPts val="0"/>
-              </a:spcBef>
-              <a:spcAft>
-                <a:spcPts val="0"/>
-              </a:spcAft>
-              <a:buClrTx/>
-              <a:buSzTx/>
-              <a:buFontTx/>
-              <a:buNone/>
-              <a:tabLst/>
-              <a:defRPr/>
-            </a:pPr>
-            <a:r>
-              <a:rPr kumimoji="0" lang="es-ES" sz="1400" b="0" i="0" u="none" strike="noStrike" kern="0" cap="none" spc="0" normalizeH="0" baseline="0" noProof="0" dirty="0">
-                <a:ln>
-                  <a:noFill/>
-                </a:ln>
-                <a:solidFill>
-                  <a:prstClr val="black"/>
-                </a:solidFill>
-                <a:effectLst/>
-                <a:uLnTx/>
-                <a:uFillTx/>
-                <a:latin typeface="Garamond" panose="02020404030301010803" pitchFamily="18" charset="0"/>
-                <a:ea typeface="+mn-ea"/>
-                <a:cs typeface="+mn-cs"/>
-                <a:sym typeface="Wingdings" panose="05000000000000000000" pitchFamily="2" charset="2"/>
-              </a:rPr>
-              <a:t>(</a:t>
-            </a:r>
-            <a:r>
-              <a:rPr kumimoji="0" lang="es-ES" sz="1400" b="0" i="0" u="none" strike="noStrike" kern="0" cap="none" spc="0" normalizeH="0" baseline="0" noProof="0" dirty="0" err="1">
-                <a:ln>
-                  <a:noFill/>
-                </a:ln>
-                <a:solidFill>
-                  <a:prstClr val="black"/>
-                </a:solidFill>
-                <a:effectLst/>
-                <a:uLnTx/>
-                <a:uFillTx/>
-                <a:latin typeface="Garamond" panose="02020404030301010803" pitchFamily="18" charset="0"/>
-                <a:ea typeface="+mn-ea"/>
-                <a:cs typeface="+mn-cs"/>
-                <a:sym typeface="Wingdings" panose="05000000000000000000" pitchFamily="2" charset="2"/>
-              </a:rPr>
-              <a:t>Magnetic</a:t>
-            </a:r>
-            <a:r>
-              <a:rPr kumimoji="0" lang="es-ES" sz="1400" b="0" i="0" u="none" strike="noStrike" kern="0" cap="none" spc="0" normalizeH="0" baseline="0" noProof="0" dirty="0">
-                <a:ln>
-                  <a:noFill/>
-                </a:ln>
-                <a:solidFill>
-                  <a:prstClr val="black"/>
-                </a:solidFill>
-                <a:effectLst/>
-                <a:uLnTx/>
-                <a:uFillTx/>
-                <a:latin typeface="Garamond" panose="02020404030301010803" pitchFamily="18" charset="0"/>
-                <a:ea typeface="+mn-ea"/>
-                <a:cs typeface="+mn-cs"/>
-                <a:sym typeface="Wingdings" panose="05000000000000000000" pitchFamily="2" charset="2"/>
-              </a:rPr>
-              <a:t> </a:t>
-            </a:r>
-            <a:r>
-              <a:rPr kumimoji="0" lang="es-ES" sz="1400" b="0" i="0" u="none" strike="noStrike" kern="0" cap="none" spc="0" normalizeH="0" baseline="0" noProof="0" dirty="0" err="1">
-                <a:ln>
-                  <a:noFill/>
-                </a:ln>
-                <a:solidFill>
-                  <a:prstClr val="black"/>
-                </a:solidFill>
-                <a:effectLst/>
-                <a:uLnTx/>
-                <a:uFillTx/>
-                <a:latin typeface="Garamond" panose="02020404030301010803" pitchFamily="18" charset="0"/>
-                <a:ea typeface="+mn-ea"/>
-                <a:cs typeface="+mn-cs"/>
-                <a:sym typeface="Wingdings" panose="05000000000000000000" pitchFamily="2" charset="2"/>
-              </a:rPr>
-              <a:t>coupling</a:t>
-            </a:r>
-            <a:r>
-              <a:rPr kumimoji="0" lang="es-ES" sz="1400" b="0" i="0" u="none" strike="noStrike" kern="0" cap="none" spc="0" normalizeH="0" baseline="0" noProof="0" dirty="0">
-                <a:ln>
-                  <a:noFill/>
-                </a:ln>
-                <a:solidFill>
-                  <a:prstClr val="black"/>
-                </a:solidFill>
-                <a:effectLst/>
-                <a:uLnTx/>
-                <a:uFillTx/>
-                <a:latin typeface="Garamond" panose="02020404030301010803" pitchFamily="18" charset="0"/>
-                <a:ea typeface="+mn-ea"/>
-                <a:cs typeface="+mn-cs"/>
-                <a:sym typeface="Wingdings" panose="05000000000000000000" pitchFamily="2" charset="2"/>
-              </a:rPr>
-              <a:t> </a:t>
-            </a:r>
-            <a:r>
-              <a:rPr kumimoji="0" lang="es-ES" sz="1400" b="0" i="0" u="none" strike="noStrike" kern="0" cap="none" spc="0" normalizeH="0" baseline="0" noProof="0" dirty="0" err="1">
-                <a:ln>
-                  <a:noFill/>
-                </a:ln>
-                <a:solidFill>
-                  <a:prstClr val="black"/>
-                </a:solidFill>
-                <a:effectLst/>
-                <a:uLnTx/>
-                <a:uFillTx/>
-                <a:latin typeface="Garamond" panose="02020404030301010803" pitchFamily="18" charset="0"/>
-                <a:ea typeface="+mn-ea"/>
-                <a:cs typeface="+mn-cs"/>
-                <a:sym typeface="Wingdings" panose="05000000000000000000" pitchFamily="2" charset="2"/>
-              </a:rPr>
-              <a:t>power</a:t>
-            </a:r>
-            <a:r>
-              <a:rPr kumimoji="0" lang="es-ES" sz="1400" b="0" i="0" u="none" strike="noStrike" kern="0" cap="none" spc="0" normalizeH="0" baseline="0" noProof="0" dirty="0">
-                <a:ln>
-                  <a:noFill/>
-                </a:ln>
-                <a:solidFill>
-                  <a:prstClr val="black"/>
-                </a:solidFill>
-                <a:effectLst/>
-                <a:uLnTx/>
-                <a:uFillTx/>
-                <a:latin typeface="Garamond" panose="02020404030301010803" pitchFamily="18" charset="0"/>
-                <a:ea typeface="+mn-ea"/>
-                <a:cs typeface="+mn-cs"/>
-                <a:sym typeface="Wingdings" panose="05000000000000000000" pitchFamily="2" charset="2"/>
-              </a:rPr>
-              <a:t> </a:t>
-            </a:r>
-            <a:r>
-              <a:rPr kumimoji="0" lang="es-ES" sz="1400" b="0" i="0" u="none" strike="noStrike" kern="0" cap="none" spc="0" normalizeH="0" baseline="0" noProof="0" dirty="0" err="1">
-                <a:ln>
-                  <a:noFill/>
-                </a:ln>
-                <a:solidFill>
-                  <a:prstClr val="black"/>
-                </a:solidFill>
-                <a:effectLst/>
-                <a:uLnTx/>
-                <a:uFillTx/>
-                <a:latin typeface="Garamond" panose="02020404030301010803" pitchFamily="18" charset="0"/>
-                <a:ea typeface="+mn-ea"/>
-                <a:cs typeface="+mn-cs"/>
-                <a:sym typeface="Wingdings" panose="05000000000000000000" pitchFamily="2" charset="2"/>
-              </a:rPr>
-              <a:t>harvesting</a:t>
-            </a:r>
-            <a:r>
-              <a:rPr kumimoji="0" lang="es-ES" sz="1400" b="0" i="0" u="none" strike="noStrike" kern="0" cap="none" spc="0" normalizeH="0" baseline="0" noProof="0" dirty="0">
-                <a:ln>
-                  <a:noFill/>
-                </a:ln>
-                <a:solidFill>
-                  <a:prstClr val="black"/>
-                </a:solidFill>
-                <a:effectLst/>
-                <a:uLnTx/>
-                <a:uFillTx/>
-                <a:latin typeface="Garamond" panose="02020404030301010803" pitchFamily="18" charset="0"/>
-                <a:ea typeface="+mn-ea"/>
-                <a:cs typeface="+mn-cs"/>
-                <a:sym typeface="Wingdings" panose="05000000000000000000" pitchFamily="2" charset="2"/>
-              </a:rPr>
-              <a:t>)</a:t>
-            </a:r>
-          </a:p>
-          <a:p>
-            <a:pPr marL="0" marR="0" lvl="0" indent="0" algn="ctr" defTabSz="914400" eaLnBrk="1" fontAlgn="auto" latinLnBrk="0" hangingPunct="1">
-              <a:lnSpc>
-                <a:spcPct val="100000"/>
-              </a:lnSpc>
-              <a:spcBef>
-                <a:spcPts val="0"/>
-              </a:spcBef>
-              <a:spcAft>
-                <a:spcPts val="0"/>
-              </a:spcAft>
-              <a:buClrTx/>
-              <a:buSzTx/>
-              <a:buFontTx/>
-              <a:buNone/>
-              <a:tabLst/>
-              <a:defRPr/>
-            </a:pPr>
-            <a:endParaRPr kumimoji="0" lang="en-GB" sz="600" b="0" i="0" u="none" strike="noStrike" kern="0" cap="none" spc="0" normalizeH="0" baseline="0" noProof="0" dirty="0">
-              <a:ln>
-                <a:noFill/>
-              </a:ln>
-              <a:solidFill>
-                <a:prstClr val="black"/>
-              </a:solidFill>
-              <a:effectLst/>
-              <a:uLnTx/>
-              <a:uFillTx/>
-              <a:latin typeface="Garamond" panose="02020404030301010803" pitchFamily="18" charset="0"/>
-              <a:ea typeface="+mn-ea"/>
-              <a:cs typeface="+mn-cs"/>
               <a:sym typeface="Wingdings" panose="05000000000000000000" pitchFamily="2" charset="2"/>
             </a:endParaRPr>
           </a:p>
@@ -10422,10 +8124,10 @@
       </p:sp>
       <p:sp>
         <p:nvSpPr>
-          <p:cNvPr id="31" name="TextBox 30">
+          <p:cNvPr id="12" name="TextBox 11">
             <a:extLst>
               <a:ext uri="{FF2B5EF4-FFF2-40B4-BE49-F238E27FC236}">
-                <a16:creationId xmlns:a16="http://schemas.microsoft.com/office/drawing/2014/main" id="{7D902ED6-7D28-4CD5-AF6B-7F45AFEB5299}"/>
+                <a16:creationId xmlns:a16="http://schemas.microsoft.com/office/drawing/2014/main" id="{5AA07C7F-5F91-4BE6-89FF-C53657423196}"/>
               </a:ext>
             </a:extLst>
           </p:cNvPr>
@@ -10434,8 +8136,8 @@
         </p:nvSpPr>
         <p:spPr>
           <a:xfrm>
-            <a:off x="4710347" y="2929029"/>
-            <a:ext cx="2357628" cy="923330"/>
+            <a:off x="639759" y="3584371"/>
+            <a:ext cx="2724878" cy="923330"/>
           </a:xfrm>
           <a:prstGeom prst="rect">
             <a:avLst/>
@@ -10504,7 +8206,7 @@
               <a:defRPr/>
             </a:pPr>
             <a:r>
-              <a:rPr kumimoji="0" lang="es-ES" sz="1800" b="1" i="0" u="none" strike="noStrike" kern="0" cap="none" spc="0" normalizeH="0" baseline="0" noProof="0" dirty="0">
+              <a:rPr kumimoji="0" lang="en-GB" sz="1800" b="1" i="0" u="none" strike="noStrike" kern="0" cap="none" spc="0" normalizeH="0" baseline="0" noProof="0" dirty="0">
                 <a:ln>
                   <a:noFill/>
                 </a:ln>
@@ -10519,41 +8221,8 @@
                 <a:cs typeface="+mn-cs"/>
                 <a:sym typeface="Wingdings" panose="05000000000000000000" pitchFamily="2" charset="2"/>
               </a:rPr>
-              <a:t>Flexible </a:t>
-            </a:r>
-            <a:r>
-              <a:rPr kumimoji="0" lang="es-ES" sz="1800" b="1" i="0" u="none" strike="noStrike" kern="0" cap="none" spc="0" normalizeH="0" baseline="0" noProof="0" dirty="0" err="1">
-                <a:ln>
-                  <a:noFill/>
-                </a:ln>
-                <a:solidFill>
-                  <a:prstClr val="black"/>
-                </a:solidFill>
-                <a:effectLst/>
-                <a:uLnTx/>
-                <a:uFillTx/>
-                <a:latin typeface="Garamond" panose="02020404030301010803" pitchFamily="18" charset="0"/>
-                <a:ea typeface="+mn-ea"/>
-                <a:cs typeface="+mn-cs"/>
-                <a:sym typeface="Wingdings" panose="05000000000000000000" pitchFamily="2" charset="2"/>
-              </a:rPr>
-              <a:t>substrate</a:t>
-            </a:r>
-            <a:endParaRPr kumimoji="0" lang="es-ES" sz="1800" b="1" i="0" u="none" strike="noStrike" kern="0" cap="none" spc="0" normalizeH="0" baseline="0" noProof="0" dirty="0">
-              <a:ln>
-                <a:noFill/>
-              </a:ln>
-              <a:solidFill>
-                <a:prstClr val="black"/>
-              </a:solidFill>
-              <a:effectLst/>
-              <a:uLnTx/>
-              <a:uFillTx/>
-              <a:latin typeface="Garamond" panose="02020404030301010803" pitchFamily="18" charset="0"/>
-              <a:ea typeface="+mn-ea"/>
-              <a:cs typeface="+mn-cs"/>
-              <a:sym typeface="Wingdings" panose="05000000000000000000" pitchFamily="2" charset="2"/>
-            </a:endParaRPr>
+              <a:t>Configuration of antenna</a:t>
+            </a:r>
           </a:p>
           <a:p>
             <a:pPr marL="0" marR="0" lvl="0" indent="0" algn="ctr" defTabSz="914400" eaLnBrk="1" fontAlgn="auto" latinLnBrk="0" hangingPunct="1">
@@ -10573,132 +8242,13 @@
               <a:tabLst/>
               <a:defRPr/>
             </a:pPr>
-            <a:r>
-              <a:rPr kumimoji="0" lang="es-ES" sz="1400" b="0" i="0" u="none" strike="noStrike" kern="0" cap="none" spc="0" normalizeH="0" baseline="0" noProof="0" dirty="0">
-                <a:ln>
-                  <a:noFill/>
-                </a:ln>
-                <a:solidFill>
-                  <a:prstClr val="black"/>
-                </a:solidFill>
-                <a:effectLst/>
-                <a:uLnTx/>
-                <a:uFillTx/>
-                <a:latin typeface="Garamond" panose="02020404030301010803" pitchFamily="18" charset="0"/>
-                <a:ea typeface="+mn-ea"/>
-                <a:cs typeface="+mn-cs"/>
-                <a:sym typeface="Wingdings" panose="05000000000000000000" pitchFamily="2" charset="2"/>
-              </a:rPr>
-              <a:t>(</a:t>
-            </a:r>
-            <a:r>
-              <a:rPr kumimoji="0" lang="es-ES" sz="1400" b="0" i="0" u="none" strike="noStrike" kern="0" cap="none" spc="0" normalizeH="0" baseline="0" noProof="0" dirty="0" err="1">
-                <a:ln>
-                  <a:noFill/>
-                </a:ln>
-                <a:solidFill>
-                  <a:prstClr val="black"/>
-                </a:solidFill>
-                <a:effectLst/>
-                <a:uLnTx/>
-                <a:uFillTx/>
-                <a:latin typeface="Garamond" panose="02020404030301010803" pitchFamily="18" charset="0"/>
-                <a:ea typeface="+mn-ea"/>
-                <a:cs typeface="+mn-cs"/>
-                <a:sym typeface="Wingdings" panose="05000000000000000000" pitchFamily="2" charset="2"/>
-              </a:rPr>
-              <a:t>must</a:t>
-            </a:r>
-            <a:r>
-              <a:rPr kumimoji="0" lang="es-ES" sz="1400" b="0" i="0" u="none" strike="noStrike" kern="0" cap="none" spc="0" normalizeH="0" baseline="0" noProof="0" dirty="0">
-                <a:ln>
-                  <a:noFill/>
-                </a:ln>
-                <a:solidFill>
-                  <a:prstClr val="black"/>
-                </a:solidFill>
-                <a:effectLst/>
-                <a:uLnTx/>
-                <a:uFillTx/>
-                <a:latin typeface="Garamond" panose="02020404030301010803" pitchFamily="18" charset="0"/>
-                <a:ea typeface="+mn-ea"/>
-                <a:cs typeface="+mn-cs"/>
-                <a:sym typeface="Wingdings" panose="05000000000000000000" pitchFamily="2" charset="2"/>
-              </a:rPr>
-              <a:t> be adaptable </a:t>
-            </a:r>
-            <a:r>
-              <a:rPr kumimoji="0" lang="es-ES" sz="1400" b="0" i="0" u="none" strike="noStrike" kern="0" cap="none" spc="0" normalizeH="0" baseline="0" noProof="0" dirty="0" err="1">
-                <a:ln>
-                  <a:noFill/>
-                </a:ln>
-                <a:solidFill>
-                  <a:prstClr val="black"/>
-                </a:solidFill>
-                <a:effectLst/>
-                <a:uLnTx/>
-                <a:uFillTx/>
-                <a:latin typeface="Garamond" panose="02020404030301010803" pitchFamily="18" charset="0"/>
-                <a:ea typeface="+mn-ea"/>
-                <a:cs typeface="+mn-cs"/>
-                <a:sym typeface="Wingdings" panose="05000000000000000000" pitchFamily="2" charset="2"/>
-              </a:rPr>
-              <a:t>to</a:t>
-            </a:r>
-            <a:r>
-              <a:rPr kumimoji="0" lang="es-ES" sz="1400" b="0" i="0" u="none" strike="noStrike" kern="0" cap="none" spc="0" normalizeH="0" baseline="0" noProof="0" dirty="0">
-                <a:ln>
-                  <a:noFill/>
-                </a:ln>
-                <a:solidFill>
-                  <a:prstClr val="black"/>
-                </a:solidFill>
-                <a:effectLst/>
-                <a:uLnTx/>
-                <a:uFillTx/>
-                <a:latin typeface="Garamond" panose="02020404030301010803" pitchFamily="18" charset="0"/>
-                <a:ea typeface="+mn-ea"/>
-                <a:cs typeface="+mn-cs"/>
-                <a:sym typeface="Wingdings" panose="05000000000000000000" pitchFamily="2" charset="2"/>
-              </a:rPr>
-              <a:t> </a:t>
-            </a:r>
-            <a:r>
-              <a:rPr kumimoji="0" lang="es-ES" sz="1400" b="0" i="0" u="none" strike="noStrike" kern="0" cap="none" spc="0" normalizeH="0" baseline="0" noProof="0" dirty="0" err="1">
-                <a:ln>
-                  <a:noFill/>
-                </a:ln>
-                <a:solidFill>
-                  <a:prstClr val="black"/>
-                </a:solidFill>
-                <a:effectLst/>
-                <a:uLnTx/>
-                <a:uFillTx/>
-                <a:latin typeface="Garamond" panose="02020404030301010803" pitchFamily="18" charset="0"/>
-                <a:ea typeface="+mn-ea"/>
-                <a:cs typeface="+mn-cs"/>
-                <a:sym typeface="Wingdings" panose="05000000000000000000" pitchFamily="2" charset="2"/>
-              </a:rPr>
-              <a:t>the</a:t>
-            </a:r>
-            <a:r>
-              <a:rPr kumimoji="0" lang="es-ES" sz="1400" b="0" i="0" u="none" strike="noStrike" kern="0" cap="none" spc="0" normalizeH="0" baseline="0" noProof="0" dirty="0">
-                <a:ln>
-                  <a:noFill/>
-                </a:ln>
-                <a:solidFill>
-                  <a:prstClr val="black"/>
-                </a:solidFill>
-                <a:effectLst/>
-                <a:uLnTx/>
-                <a:uFillTx/>
-                <a:latin typeface="Garamond" panose="02020404030301010803" pitchFamily="18" charset="0"/>
-                <a:ea typeface="+mn-ea"/>
-                <a:cs typeface="+mn-cs"/>
-                <a:sym typeface="Wingdings" panose="05000000000000000000" pitchFamily="2" charset="2"/>
-              </a:rPr>
-              <a:t> Surface)</a:t>
-            </a:r>
+            <a:endParaRPr lang="en-GB" sz="1800" b="1" kern="0" dirty="0">
+              <a:solidFill>
+                <a:prstClr val="black"/>
+              </a:solidFill>
+              <a:latin typeface="Garamond" panose="02020404030301010803" pitchFamily="18" charset="0"/>
+              <a:sym typeface="Wingdings" panose="05000000000000000000" pitchFamily="2" charset="2"/>
+            </a:endParaRPr>
           </a:p>
           <a:p>
             <a:pPr marL="0" marR="0" lvl="0" indent="0" algn="ctr" defTabSz="914400" eaLnBrk="1" fontAlgn="auto" latinLnBrk="0" hangingPunct="1">
@@ -10718,30 +8268,64 @@
               <a:tabLst/>
               <a:defRPr/>
             </a:pPr>
-            <a:endParaRPr kumimoji="0" lang="en-GB" sz="800" b="0" i="0" u="none" strike="noStrike" kern="0" cap="none" spc="0" normalizeH="0" baseline="0" noProof="0" dirty="0">
-              <a:ln>
-                <a:noFill/>
-              </a:ln>
-              <a:solidFill>
-                <a:prstClr val="black"/>
-              </a:solidFill>
-              <a:effectLst/>
-              <a:uLnTx/>
-              <a:uFillTx/>
-              <a:latin typeface="Garamond" panose="02020404030301010803" pitchFamily="18" charset="0"/>
-              <a:ea typeface="+mn-ea"/>
-              <a:cs typeface="+mn-cs"/>
-              <a:sym typeface="Wingdings" panose="05000000000000000000" pitchFamily="2" charset="2"/>
-            </a:endParaRPr>
+            <a:r>
+              <a:rPr lang="en-GB" sz="1800" kern="0" dirty="0">
+                <a:solidFill>
+                  <a:prstClr val="black"/>
+                </a:solidFill>
+                <a:latin typeface="Garamond" panose="02020404030301010803" pitchFamily="18" charset="0"/>
+                <a:sym typeface="Wingdings" panose="05000000000000000000" pitchFamily="2" charset="2"/>
+              </a:rPr>
+              <a:t>Depends on many factors</a:t>
+            </a:r>
           </a:p>
         </p:txBody>
       </p:sp>
+      <p:cxnSp>
+        <p:nvCxnSpPr>
+          <p:cNvPr id="13" name="Straight Arrow Connector 12">
+            <a:extLst>
+              <a:ext uri="{FF2B5EF4-FFF2-40B4-BE49-F238E27FC236}">
+                <a16:creationId xmlns:a16="http://schemas.microsoft.com/office/drawing/2014/main" id="{0E4AC661-AF3A-4D3D-8C2F-4F92D2E60C45}"/>
+              </a:ext>
+            </a:extLst>
+          </p:cNvPr>
+          <p:cNvCxnSpPr/>
+          <p:nvPr/>
+        </p:nvCxnSpPr>
+        <p:spPr>
+          <a:xfrm>
+            <a:off x="3364636" y="4029760"/>
+            <a:ext cx="1535837" cy="0"/>
+          </a:xfrm>
+          <a:prstGeom prst="straightConnector1">
+            <a:avLst/>
+          </a:prstGeom>
+          <a:ln w="57150">
+            <a:tailEnd type="triangle"/>
+          </a:ln>
+        </p:spPr>
+        <p:style>
+          <a:lnRef idx="3">
+            <a:schemeClr val="dk1"/>
+          </a:lnRef>
+          <a:fillRef idx="0">
+            <a:schemeClr val="dk1"/>
+          </a:fillRef>
+          <a:effectRef idx="2">
+            <a:schemeClr val="dk1"/>
+          </a:effectRef>
+          <a:fontRef idx="minor">
+            <a:schemeClr val="tx1"/>
+          </a:fontRef>
+        </p:style>
+      </p:cxnSp>
       <p:sp>
         <p:nvSpPr>
-          <p:cNvPr id="32" name="TextBox 31">
+          <p:cNvPr id="14" name="TextBox 13">
             <a:extLst>
               <a:ext uri="{FF2B5EF4-FFF2-40B4-BE49-F238E27FC236}">
-                <a16:creationId xmlns:a16="http://schemas.microsoft.com/office/drawing/2014/main" id="{FDB9DBAB-2F70-4E3F-89C3-BF8341C639AA}"/>
+                <a16:creationId xmlns:a16="http://schemas.microsoft.com/office/drawing/2014/main" id="{B2B6EB00-53C2-47B9-A404-748C71F073AA}"/>
               </a:ext>
             </a:extLst>
           </p:cNvPr>
@@ -10750,8 +8334,8 @@
         </p:nvSpPr>
         <p:spPr>
           <a:xfrm>
-            <a:off x="4710347" y="4131299"/>
-            <a:ext cx="2357628" cy="923330"/>
+            <a:off x="4899907" y="3707730"/>
+            <a:ext cx="3604334" cy="738664"/>
           </a:xfrm>
           <a:prstGeom prst="rect">
             <a:avLst/>
@@ -10820,7 +8404,7 @@
               <a:defRPr/>
             </a:pPr>
             <a:r>
-              <a:rPr kumimoji="0" lang="es-ES" sz="1800" b="1" i="0" u="none" strike="noStrike" kern="0" cap="none" spc="0" normalizeH="0" baseline="0" noProof="0" dirty="0" err="1">
+              <a:rPr kumimoji="0" lang="en-GB" sz="1400" b="1" i="0" u="none" strike="noStrike" kern="0" cap="none" spc="0" normalizeH="0" baseline="0" noProof="0" dirty="0">
                 <a:ln>
                   <a:noFill/>
                 </a:ln>
@@ -10835,23 +8419,8 @@
                 <a:cs typeface="+mn-cs"/>
                 <a:sym typeface="Wingdings" panose="05000000000000000000" pitchFamily="2" charset="2"/>
               </a:rPr>
-              <a:t>Biocompatibility</a:t>
-            </a:r>
-            <a:endParaRPr kumimoji="0" lang="es-ES" sz="1800" b="1" i="0" u="none" strike="noStrike" kern="0" cap="none" spc="0" normalizeH="0" baseline="0" noProof="0" dirty="0">
-              <a:ln>
-                <a:noFill/>
-              </a:ln>
-              <a:solidFill>
-                <a:prstClr val="black"/>
-              </a:solidFill>
-              <a:effectLst/>
-              <a:uLnTx/>
-              <a:uFillTx/>
-              <a:latin typeface="Garamond" panose="02020404030301010803" pitchFamily="18" charset="0"/>
-              <a:ea typeface="+mn-ea"/>
-              <a:cs typeface="+mn-cs"/>
-              <a:sym typeface="Wingdings" panose="05000000000000000000" pitchFamily="2" charset="2"/>
-            </a:endParaRPr>
+              <a:t>Effective propagation area?</a:t>
+            </a:r>
           </a:p>
           <a:p>
             <a:pPr marL="0" marR="0" lvl="0" indent="0" algn="ctr" defTabSz="914400" eaLnBrk="1" fontAlgn="auto" latinLnBrk="0" hangingPunct="1">
@@ -10872,130 +8441,14 @@
               <a:defRPr/>
             </a:pPr>
             <a:r>
-              <a:rPr kumimoji="0" lang="es-ES" sz="1800" b="0" i="0" u="none" strike="noStrike" kern="0" cap="none" spc="0" normalizeH="0" baseline="0" noProof="0" dirty="0">
-                <a:ln>
-                  <a:noFill/>
-                </a:ln>
+              <a:rPr lang="en-GB" sz="1400" b="1" kern="0" dirty="0">
                 <a:solidFill>
                   <a:prstClr val="black"/>
                 </a:solidFill>
-                <a:effectLst/>
-                <a:uLnTx/>
-                <a:uFillTx/>
-                <a:latin typeface="Garamond" panose="02020404030301010803" pitchFamily="18" charset="0"/>
-                <a:ea typeface="+mn-ea"/>
-                <a:cs typeface="+mn-cs"/>
+                <a:latin typeface="Garamond" panose="02020404030301010803" pitchFamily="18" charset="0"/>
                 <a:sym typeface="Wingdings" panose="05000000000000000000" pitchFamily="2" charset="2"/>
               </a:rPr>
-              <a:t>(</a:t>
-            </a:r>
-            <a:r>
-              <a:rPr kumimoji="0" lang="es-ES" sz="1800" b="0" i="0" u="none" strike="noStrike" kern="0" cap="none" spc="0" normalizeH="0" baseline="0" noProof="0" dirty="0" err="1">
-                <a:ln>
-                  <a:noFill/>
-                </a:ln>
-                <a:solidFill>
-                  <a:prstClr val="black"/>
-                </a:solidFill>
-                <a:effectLst/>
-                <a:uLnTx/>
-                <a:uFillTx/>
-                <a:latin typeface="Garamond" panose="02020404030301010803" pitchFamily="18" charset="0"/>
-                <a:ea typeface="+mn-ea"/>
-                <a:cs typeface="+mn-cs"/>
-                <a:sym typeface="Wingdings" panose="05000000000000000000" pitchFamily="2" charset="2"/>
-              </a:rPr>
-              <a:t>encapsulation</a:t>
-            </a:r>
-            <a:r>
-              <a:rPr kumimoji="0" lang="es-ES" sz="1800" b="0" i="0" u="none" strike="noStrike" kern="0" cap="none" spc="0" normalizeH="0" baseline="0" noProof="0" dirty="0">
-                <a:ln>
-                  <a:noFill/>
-                </a:ln>
-                <a:solidFill>
-                  <a:prstClr val="black"/>
-                </a:solidFill>
-                <a:effectLst/>
-                <a:uLnTx/>
-                <a:uFillTx/>
-                <a:latin typeface="Garamond" panose="02020404030301010803" pitchFamily="18" charset="0"/>
-                <a:ea typeface="+mn-ea"/>
-                <a:cs typeface="+mn-cs"/>
-                <a:sym typeface="Wingdings" panose="05000000000000000000" pitchFamily="2" charset="2"/>
-              </a:rPr>
-              <a:t> </a:t>
-            </a:r>
-            <a:r>
-              <a:rPr kumimoji="0" lang="es-ES" sz="1800" b="0" i="0" u="none" strike="noStrike" kern="0" cap="none" spc="0" normalizeH="0" baseline="0" noProof="0" dirty="0" err="1">
-                <a:ln>
-                  <a:noFill/>
-                </a:ln>
-                <a:solidFill>
-                  <a:prstClr val="black"/>
-                </a:solidFill>
-                <a:effectLst/>
-                <a:uLnTx/>
-                <a:uFillTx/>
-                <a:latin typeface="Garamond" panose="02020404030301010803" pitchFamily="18" charset="0"/>
-                <a:ea typeface="+mn-ea"/>
-                <a:cs typeface="+mn-cs"/>
-                <a:sym typeface="Wingdings" panose="05000000000000000000" pitchFamily="2" charset="2"/>
-              </a:rPr>
-              <a:t>is</a:t>
-            </a:r>
-            <a:r>
-              <a:rPr kumimoji="0" lang="es-ES" sz="1800" b="0" i="0" u="none" strike="noStrike" kern="0" cap="none" spc="0" normalizeH="0" baseline="0" noProof="0" dirty="0">
-                <a:ln>
-                  <a:noFill/>
-                </a:ln>
-                <a:solidFill>
-                  <a:prstClr val="black"/>
-                </a:solidFill>
-                <a:effectLst/>
-                <a:uLnTx/>
-                <a:uFillTx/>
-                <a:latin typeface="Garamond" panose="02020404030301010803" pitchFamily="18" charset="0"/>
-                <a:ea typeface="+mn-ea"/>
-                <a:cs typeface="+mn-cs"/>
-                <a:sym typeface="Wingdings" panose="05000000000000000000" pitchFamily="2" charset="2"/>
-              </a:rPr>
-              <a:t> </a:t>
-            </a:r>
-            <a:r>
-              <a:rPr kumimoji="0" lang="es-ES" sz="1800" b="0" i="0" u="none" strike="noStrike" kern="0" cap="none" spc="0" normalizeH="0" baseline="0" noProof="0" dirty="0" err="1">
-                <a:ln>
-                  <a:noFill/>
-                </a:ln>
-                <a:solidFill>
-                  <a:prstClr val="black"/>
-                </a:solidFill>
-                <a:effectLst/>
-                <a:uLnTx/>
-                <a:uFillTx/>
-                <a:latin typeface="Garamond" panose="02020404030301010803" pitchFamily="18" charset="0"/>
-                <a:ea typeface="+mn-ea"/>
-                <a:cs typeface="+mn-cs"/>
-                <a:sym typeface="Wingdings" panose="05000000000000000000" pitchFamily="2" charset="2"/>
-              </a:rPr>
-              <a:t>crutial</a:t>
-            </a:r>
-            <a:r>
-              <a:rPr kumimoji="0" lang="es-ES" sz="1800" b="0" i="0" u="none" strike="noStrike" kern="0" cap="none" spc="0" normalizeH="0" baseline="0" noProof="0" dirty="0">
-                <a:ln>
-                  <a:noFill/>
-                </a:ln>
-                <a:solidFill>
-                  <a:prstClr val="black"/>
-                </a:solidFill>
-                <a:effectLst/>
-                <a:uLnTx/>
-                <a:uFillTx/>
-                <a:latin typeface="Garamond" panose="02020404030301010803" pitchFamily="18" charset="0"/>
-                <a:ea typeface="+mn-ea"/>
-                <a:cs typeface="+mn-cs"/>
-                <a:sym typeface="Wingdings" panose="05000000000000000000" pitchFamily="2" charset="2"/>
-              </a:rPr>
-              <a:t>)</a:t>
+              <a:t>Antenna gain?</a:t>
             </a:r>
           </a:p>
           <a:p>
@@ -11016,7 +8469,147 @@
               <a:tabLst/>
               <a:defRPr/>
             </a:pPr>
-            <a:endParaRPr kumimoji="0" lang="es-ES" sz="1800" b="0" i="0" u="none" strike="noStrike" kern="0" cap="none" spc="0" normalizeH="0" baseline="0" noProof="0" dirty="0">
+            <a:r>
+              <a:rPr kumimoji="0" lang="en-GB" sz="1400" b="1" i="0" u="none" strike="noStrike" kern="0" cap="none" spc="0" normalizeH="0" baseline="0" noProof="0" dirty="0">
+                <a:ln>
+                  <a:noFill/>
+                </a:ln>
+                <a:solidFill>
+                  <a:prstClr val="black"/>
+                </a:solidFill>
+                <a:effectLst/>
+                <a:uLnTx/>
+                <a:uFillTx/>
+                <a:latin typeface="Garamond" panose="02020404030301010803" pitchFamily="18" charset="0"/>
+                <a:ea typeface="+mn-ea"/>
+                <a:cs typeface="+mn-cs"/>
+                <a:sym typeface="Wingdings" panose="05000000000000000000" pitchFamily="2" charset="2"/>
+              </a:rPr>
+              <a:t>How to reduce the size?</a:t>
+            </a:r>
+          </a:p>
+        </p:txBody>
+      </p:sp>
+      <p:sp>
+        <p:nvSpPr>
+          <p:cNvPr id="15" name="TextBox 14">
+            <a:extLst>
+              <a:ext uri="{FF2B5EF4-FFF2-40B4-BE49-F238E27FC236}">
+                <a16:creationId xmlns:a16="http://schemas.microsoft.com/office/drawing/2014/main" id="{BDD4E1E7-59AE-44EE-A912-ED93CC93F480}"/>
+              </a:ext>
+            </a:extLst>
+          </p:cNvPr>
+          <p:cNvSpPr txBox="1"/>
+          <p:nvPr/>
+        </p:nvSpPr>
+        <p:spPr>
+          <a:xfrm>
+            <a:off x="639758" y="4685630"/>
+            <a:ext cx="2724878" cy="646331"/>
+          </a:xfrm>
+          <a:prstGeom prst="rect">
+            <a:avLst/>
+          </a:prstGeom>
+          <a:gradFill rotWithShape="1">
+            <a:gsLst>
+              <a:gs pos="0">
+                <a:srgbClr val="9BBB59">
+                  <a:tint val="50000"/>
+                  <a:satMod val="300000"/>
+                </a:srgbClr>
+              </a:gs>
+              <a:gs pos="35000">
+                <a:srgbClr val="9BBB59">
+                  <a:tint val="37000"/>
+                  <a:satMod val="300000"/>
+                </a:srgbClr>
+              </a:gs>
+              <a:gs pos="100000">
+                <a:srgbClr val="9BBB59">
+                  <a:tint val="15000"/>
+                  <a:satMod val="350000"/>
+                </a:srgbClr>
+              </a:gs>
+            </a:gsLst>
+            <a:lin ang="16200000" scaled="1"/>
+          </a:gradFill>
+          <a:ln w="9525" cap="flat" cmpd="sng" algn="ctr">
+            <a:solidFill>
+              <a:srgbClr val="9BBB59">
+                <a:shade val="95000"/>
+                <a:satMod val="105000"/>
+              </a:srgbClr>
+            </a:solidFill>
+            <a:prstDash val="solid"/>
+          </a:ln>
+          <a:effectLst>
+            <a:outerShdw blurRad="40000" dist="20000" dir="5400000" rotWithShape="0">
+              <a:srgbClr val="000000">
+                <a:alpha val="38000"/>
+              </a:srgbClr>
+            </a:outerShdw>
+          </a:effectLst>
+        </p:spPr>
+        <p:txBody>
+          <a:bodyPr wrap="square" rtlCol="0">
+            <a:spAutoFit/>
+          </a:bodyPr>
+          <a:lstStyle/>
+          <a:p>
+            <a:pPr marL="0" marR="0" lvl="0" indent="0" algn="ctr" defTabSz="914400" eaLnBrk="1" fontAlgn="auto" latinLnBrk="0" hangingPunct="1">
+              <a:lnSpc>
+                <a:spcPct val="100000"/>
+              </a:lnSpc>
+              <a:spcBef>
+                <a:spcPts val="0"/>
+              </a:spcBef>
+              <a:spcAft>
+                <a:spcPts val="0"/>
+              </a:spcAft>
+              <a:buClrTx/>
+              <a:buSzTx/>
+              <a:buFontTx/>
+              <a:buNone/>
+              <a:tabLst/>
+              <a:defRPr/>
+            </a:pPr>
+            <a:r>
+              <a:rPr kumimoji="0" lang="en-GB" sz="1800" b="1" i="0" u="none" strike="noStrike" kern="0" cap="none" spc="0" normalizeH="0" baseline="0" noProof="0" dirty="0">
+                <a:ln>
+                  <a:noFill/>
+                </a:ln>
+                <a:solidFill>
+                  <a:prstClr val="black"/>
+                </a:solidFill>
+                <a:effectLst/>
+                <a:uLnTx/>
+                <a:uFillTx/>
+                <a:latin typeface="Garamond" panose="02020404030301010803" pitchFamily="18" charset="0"/>
+                <a:ea typeface="+mn-ea"/>
+                <a:cs typeface="+mn-cs"/>
+                <a:sym typeface="Wingdings" panose="05000000000000000000" pitchFamily="2" charset="2"/>
+              </a:rPr>
+              <a:t>Soldering with </a:t>
+            </a:r>
+            <a:r>
+              <a:rPr kumimoji="0" lang="en-GB" sz="1800" b="1" i="0" u="none" strike="noStrike" kern="0" cap="none" spc="0" normalizeH="0" baseline="0" noProof="0" dirty="0" err="1">
+                <a:ln>
+                  <a:noFill/>
+                </a:ln>
+                <a:solidFill>
+                  <a:prstClr val="black"/>
+                </a:solidFill>
+                <a:effectLst/>
+                <a:uLnTx/>
+                <a:uFillTx/>
+                <a:latin typeface="Garamond" panose="02020404030301010803" pitchFamily="18" charset="0"/>
+                <a:ea typeface="+mn-ea"/>
+                <a:cs typeface="+mn-cs"/>
+                <a:sym typeface="Wingdings" panose="05000000000000000000" pitchFamily="2" charset="2"/>
+              </a:rPr>
+              <a:t>voltera</a:t>
+            </a:r>
+            <a:endParaRPr kumimoji="0" lang="en-GB" sz="1800" b="1" i="0" u="none" strike="noStrike" kern="0" cap="none" spc="0" normalizeH="0" baseline="0" noProof="0" dirty="0">
               <a:ln>
                 <a:noFill/>
               </a:ln>
@@ -11031,6 +8624,241 @@
               <a:cs typeface="+mn-cs"/>
               <a:sym typeface="Wingdings" panose="05000000000000000000" pitchFamily="2" charset="2"/>
             </a:endParaRPr>
+          </a:p>
+          <a:p>
+            <a:pPr marL="0" marR="0" lvl="0" indent="0" algn="ctr" defTabSz="914400" eaLnBrk="1" fontAlgn="auto" latinLnBrk="0" hangingPunct="1">
+              <a:lnSpc>
+                <a:spcPct val="100000"/>
+              </a:lnSpc>
+              <a:spcBef>
+                <a:spcPts val="0"/>
+              </a:spcBef>
+              <a:spcAft>
+                <a:spcPts val="0"/>
+              </a:spcAft>
+              <a:buClrTx/>
+              <a:buSzTx/>
+              <a:buFontTx/>
+              <a:buNone/>
+              <a:tabLst/>
+              <a:defRPr/>
+            </a:pPr>
+            <a:endParaRPr lang="en-GB" sz="1800" b="1" kern="0" dirty="0">
+              <a:solidFill>
+                <a:prstClr val="black"/>
+              </a:solidFill>
+              <a:latin typeface="Garamond" panose="02020404030301010803" pitchFamily="18" charset="0"/>
+              <a:sym typeface="Wingdings" panose="05000000000000000000" pitchFamily="2" charset="2"/>
+            </a:endParaRPr>
+          </a:p>
+        </p:txBody>
+      </p:sp>
+      <p:cxnSp>
+        <p:nvCxnSpPr>
+          <p:cNvPr id="16" name="Straight Arrow Connector 15">
+            <a:extLst>
+              <a:ext uri="{FF2B5EF4-FFF2-40B4-BE49-F238E27FC236}">
+                <a16:creationId xmlns:a16="http://schemas.microsoft.com/office/drawing/2014/main" id="{EC97989C-409F-4CAF-9878-81A9C2205A74}"/>
+              </a:ext>
+            </a:extLst>
+          </p:cNvPr>
+          <p:cNvCxnSpPr/>
+          <p:nvPr/>
+        </p:nvCxnSpPr>
+        <p:spPr>
+          <a:xfrm>
+            <a:off x="3364637" y="5027328"/>
+            <a:ext cx="1535837" cy="0"/>
+          </a:xfrm>
+          <a:prstGeom prst="straightConnector1">
+            <a:avLst/>
+          </a:prstGeom>
+          <a:ln w="57150">
+            <a:tailEnd type="triangle"/>
+          </a:ln>
+        </p:spPr>
+        <p:style>
+          <a:lnRef idx="3">
+            <a:schemeClr val="dk1"/>
+          </a:lnRef>
+          <a:fillRef idx="0">
+            <a:schemeClr val="dk1"/>
+          </a:fillRef>
+          <a:effectRef idx="2">
+            <a:schemeClr val="dk1"/>
+          </a:effectRef>
+          <a:fontRef idx="minor">
+            <a:schemeClr val="tx1"/>
+          </a:fontRef>
+        </p:style>
+      </p:cxnSp>
+      <p:sp>
+        <p:nvSpPr>
+          <p:cNvPr id="17" name="TextBox 16">
+            <a:extLst>
+              <a:ext uri="{FF2B5EF4-FFF2-40B4-BE49-F238E27FC236}">
+                <a16:creationId xmlns:a16="http://schemas.microsoft.com/office/drawing/2014/main" id="{F787FBAE-820B-47C1-B5B3-D50F6BD56A1E}"/>
+              </a:ext>
+            </a:extLst>
+          </p:cNvPr>
+          <p:cNvSpPr txBox="1"/>
+          <p:nvPr/>
+        </p:nvSpPr>
+        <p:spPr>
+          <a:xfrm>
+            <a:off x="4900474" y="4653079"/>
+            <a:ext cx="3604334" cy="738664"/>
+          </a:xfrm>
+          <a:prstGeom prst="rect">
+            <a:avLst/>
+          </a:prstGeom>
+          <a:gradFill rotWithShape="1">
+            <a:gsLst>
+              <a:gs pos="0">
+                <a:srgbClr val="9BBB59">
+                  <a:tint val="50000"/>
+                  <a:satMod val="300000"/>
+                </a:srgbClr>
+              </a:gs>
+              <a:gs pos="35000">
+                <a:srgbClr val="9BBB59">
+                  <a:tint val="37000"/>
+                  <a:satMod val="300000"/>
+                </a:srgbClr>
+              </a:gs>
+              <a:gs pos="100000">
+                <a:srgbClr val="9BBB59">
+                  <a:tint val="15000"/>
+                  <a:satMod val="350000"/>
+                </a:srgbClr>
+              </a:gs>
+            </a:gsLst>
+            <a:lin ang="16200000" scaled="1"/>
+          </a:gradFill>
+          <a:ln w="9525" cap="flat" cmpd="sng" algn="ctr">
+            <a:solidFill>
+              <a:srgbClr val="9BBB59">
+                <a:shade val="95000"/>
+                <a:satMod val="105000"/>
+              </a:srgbClr>
+            </a:solidFill>
+            <a:prstDash val="solid"/>
+          </a:ln>
+          <a:effectLst>
+            <a:outerShdw blurRad="40000" dist="20000" dir="5400000" rotWithShape="0">
+              <a:srgbClr val="000000">
+                <a:alpha val="38000"/>
+              </a:srgbClr>
+            </a:outerShdw>
+          </a:effectLst>
+        </p:spPr>
+        <p:txBody>
+          <a:bodyPr wrap="square" rtlCol="0">
+            <a:spAutoFit/>
+          </a:bodyPr>
+          <a:lstStyle/>
+          <a:p>
+            <a:pPr marL="0" marR="0" lvl="0" indent="0" algn="ctr" defTabSz="914400" eaLnBrk="1" fontAlgn="auto" latinLnBrk="0" hangingPunct="1">
+              <a:lnSpc>
+                <a:spcPct val="100000"/>
+              </a:lnSpc>
+              <a:spcBef>
+                <a:spcPts val="0"/>
+              </a:spcBef>
+              <a:spcAft>
+                <a:spcPts val="0"/>
+              </a:spcAft>
+              <a:buClrTx/>
+              <a:buSzTx/>
+              <a:buFontTx/>
+              <a:buNone/>
+              <a:tabLst/>
+              <a:defRPr/>
+            </a:pPr>
+            <a:r>
+              <a:rPr kumimoji="0" lang="en-GB" sz="1400" b="1" i="0" u="none" strike="noStrike" kern="0" cap="none" spc="0" normalizeH="0" baseline="0" noProof="0" dirty="0">
+                <a:ln>
+                  <a:noFill/>
+                </a:ln>
+                <a:solidFill>
+                  <a:prstClr val="black"/>
+                </a:solidFill>
+                <a:effectLst/>
+                <a:uLnTx/>
+                <a:uFillTx/>
+                <a:latin typeface="Garamond" panose="02020404030301010803" pitchFamily="18" charset="0"/>
+                <a:ea typeface="+mn-ea"/>
+                <a:cs typeface="+mn-cs"/>
+                <a:sym typeface="Wingdings" panose="05000000000000000000" pitchFamily="2" charset="2"/>
+              </a:rPr>
+              <a:t>Effective propagation area?</a:t>
+            </a:r>
+          </a:p>
+          <a:p>
+            <a:pPr marL="0" marR="0" lvl="0" indent="0" algn="ctr" defTabSz="914400" eaLnBrk="1" fontAlgn="auto" latinLnBrk="0" hangingPunct="1">
+              <a:lnSpc>
+                <a:spcPct val="100000"/>
+              </a:lnSpc>
+              <a:spcBef>
+                <a:spcPts val="0"/>
+              </a:spcBef>
+              <a:spcAft>
+                <a:spcPts val="0"/>
+              </a:spcAft>
+              <a:buClrTx/>
+              <a:buSzTx/>
+              <a:buFontTx/>
+              <a:buNone/>
+              <a:tabLst/>
+              <a:defRPr/>
+            </a:pPr>
+            <a:r>
+              <a:rPr lang="en-GB" sz="1400" b="1" kern="0" dirty="0">
+                <a:solidFill>
+                  <a:prstClr val="black"/>
+                </a:solidFill>
+                <a:latin typeface="Garamond" panose="02020404030301010803" pitchFamily="18" charset="0"/>
+                <a:sym typeface="Wingdings" panose="05000000000000000000" pitchFamily="2" charset="2"/>
+              </a:rPr>
+              <a:t>Antenna gain?</a:t>
+            </a:r>
+          </a:p>
+          <a:p>
+            <a:pPr marL="0" marR="0" lvl="0" indent="0" algn="ctr" defTabSz="914400" eaLnBrk="1" fontAlgn="auto" latinLnBrk="0" hangingPunct="1">
+              <a:lnSpc>
+                <a:spcPct val="100000"/>
+              </a:lnSpc>
+              <a:spcBef>
+                <a:spcPts val="0"/>
+              </a:spcBef>
+              <a:spcAft>
+                <a:spcPts val="0"/>
+              </a:spcAft>
+              <a:buClrTx/>
+              <a:buSzTx/>
+              <a:buFontTx/>
+              <a:buNone/>
+              <a:tabLst/>
+              <a:defRPr/>
+            </a:pPr>
+            <a:r>
+              <a:rPr kumimoji="0" lang="en-GB" sz="1400" b="1" i="0" u="none" strike="noStrike" kern="0" cap="none" spc="0" normalizeH="0" baseline="0" noProof="0" dirty="0">
+                <a:ln>
+                  <a:noFill/>
+                </a:ln>
+                <a:solidFill>
+                  <a:prstClr val="black"/>
+                </a:solidFill>
+                <a:effectLst/>
+                <a:uLnTx/>
+                <a:uFillTx/>
+                <a:latin typeface="Garamond" panose="02020404030301010803" pitchFamily="18" charset="0"/>
+                <a:ea typeface="+mn-ea"/>
+                <a:cs typeface="+mn-cs"/>
+                <a:sym typeface="Wingdings" panose="05000000000000000000" pitchFamily="2" charset="2"/>
+              </a:rPr>
+              <a:t>How to reduce the size?</a:t>
+            </a:r>
           </a:p>
         </p:txBody>
       </p:sp>
@@ -11107,10 +8935,761 @@
       </p:sp>
       <p:sp>
         <p:nvSpPr>
-          <p:cNvPr id="2" name="TextBox 1">
+          <p:cNvPr id="14" name="TextBox 13">
             <a:extLst>
               <a:ext uri="{FF2B5EF4-FFF2-40B4-BE49-F238E27FC236}">
-                <a16:creationId xmlns:a16="http://schemas.microsoft.com/office/drawing/2014/main" id="{5B1E85A3-2890-471E-BCC9-EED2BDD19C0D}"/>
+                <a16:creationId xmlns:a16="http://schemas.microsoft.com/office/drawing/2014/main" id="{389AB6F1-8497-48BD-98CF-E0FC63F005C6}"/>
+              </a:ext>
+            </a:extLst>
+          </p:cNvPr>
+          <p:cNvSpPr txBox="1"/>
+          <p:nvPr/>
+        </p:nvSpPr>
+        <p:spPr>
+          <a:xfrm>
+            <a:off x="2719754" y="1880051"/>
+            <a:ext cx="5982119" cy="523220"/>
+          </a:xfrm>
+          <a:prstGeom prst="rect">
+            <a:avLst/>
+          </a:prstGeom>
+          <a:gradFill rotWithShape="1">
+            <a:gsLst>
+              <a:gs pos="0">
+                <a:srgbClr val="9BBB59">
+                  <a:tint val="50000"/>
+                  <a:satMod val="300000"/>
+                </a:srgbClr>
+              </a:gs>
+              <a:gs pos="35000">
+                <a:srgbClr val="9BBB59">
+                  <a:tint val="37000"/>
+                  <a:satMod val="300000"/>
+                </a:srgbClr>
+              </a:gs>
+              <a:gs pos="100000">
+                <a:srgbClr val="9BBB59">
+                  <a:tint val="15000"/>
+                  <a:satMod val="350000"/>
+                </a:srgbClr>
+              </a:gs>
+            </a:gsLst>
+            <a:lin ang="16200000" scaled="1"/>
+          </a:gradFill>
+          <a:ln w="9525" cap="flat" cmpd="sng" algn="ctr">
+            <a:solidFill>
+              <a:srgbClr val="9BBB59">
+                <a:shade val="95000"/>
+                <a:satMod val="105000"/>
+              </a:srgbClr>
+            </a:solidFill>
+            <a:prstDash val="solid"/>
+          </a:ln>
+          <a:effectLst>
+            <a:outerShdw blurRad="40000" dist="20000" dir="5400000" rotWithShape="0">
+              <a:srgbClr val="000000">
+                <a:alpha val="38000"/>
+              </a:srgbClr>
+            </a:outerShdw>
+          </a:effectLst>
+        </p:spPr>
+        <p:txBody>
+          <a:bodyPr wrap="square" rtlCol="0" anchor="ctr">
+            <a:spAutoFit/>
+          </a:bodyPr>
+          <a:lstStyle/>
+          <a:p>
+            <a:pPr marL="0" marR="0" lvl="0" indent="0" algn="ctr" defTabSz="914400" eaLnBrk="1" fontAlgn="auto" latinLnBrk="0" hangingPunct="1">
+              <a:lnSpc>
+                <a:spcPct val="100000"/>
+              </a:lnSpc>
+              <a:spcBef>
+                <a:spcPts val="0"/>
+              </a:spcBef>
+              <a:spcAft>
+                <a:spcPts val="0"/>
+              </a:spcAft>
+              <a:buClrTx/>
+              <a:buSzTx/>
+              <a:buFontTx/>
+              <a:buNone/>
+              <a:tabLst/>
+              <a:defRPr/>
+            </a:pPr>
+            <a:r>
+              <a:rPr kumimoji="0" lang="en-GB" sz="1400" b="1" i="0" u="none" strike="noStrike" kern="0" cap="none" spc="0" normalizeH="0" baseline="0" noProof="0" dirty="0">
+                <a:ln>
+                  <a:noFill/>
+                </a:ln>
+                <a:solidFill>
+                  <a:prstClr val="black"/>
+                </a:solidFill>
+                <a:effectLst/>
+                <a:uLnTx/>
+                <a:uFillTx/>
+                <a:latin typeface="Garamond" panose="02020404030301010803" pitchFamily="18" charset="0"/>
+                <a:ea typeface="Gadugi" panose="020B0502040204020203" pitchFamily="34" charset="0"/>
+                <a:cs typeface="+mn-cs"/>
+              </a:rPr>
+              <a:t>Soldering techniques</a:t>
+            </a:r>
+            <a:r>
+              <a:rPr kumimoji="0" lang="en-GB" sz="1400" b="0" i="0" u="none" strike="noStrike" kern="0" cap="none" spc="0" normalizeH="0" baseline="0" noProof="0" dirty="0">
+                <a:ln>
+                  <a:noFill/>
+                </a:ln>
+                <a:solidFill>
+                  <a:prstClr val="black"/>
+                </a:solidFill>
+                <a:effectLst/>
+                <a:uLnTx/>
+                <a:uFillTx/>
+                <a:latin typeface="Garamond" panose="02020404030301010803" pitchFamily="18" charset="0"/>
+                <a:ea typeface="Gadugi" panose="020B0502040204020203" pitchFamily="34" charset="0"/>
+                <a:cs typeface="+mn-cs"/>
+              </a:rPr>
+              <a:t>: Wire-bonding and flip chip </a:t>
+            </a:r>
+            <a:r>
+              <a:rPr kumimoji="0" lang="en-GB" sz="1400" b="0" i="0" u="none" strike="noStrike" kern="0" cap="none" spc="0" normalizeH="0" baseline="0" noProof="0" dirty="0">
+                <a:ln>
+                  <a:noFill/>
+                </a:ln>
+                <a:solidFill>
+                  <a:prstClr val="black"/>
+                </a:solidFill>
+                <a:effectLst/>
+                <a:uLnTx/>
+                <a:uFillTx/>
+                <a:latin typeface="Garamond" panose="02020404030301010803" pitchFamily="18" charset="0"/>
+                <a:ea typeface="Gadugi" panose="020B0502040204020203" pitchFamily="34" charset="0"/>
+                <a:cs typeface="+mn-cs"/>
+                <a:sym typeface="Wingdings" panose="05000000000000000000" pitchFamily="2" charset="2"/>
+              </a:rPr>
+              <a:t> Increases the manufacturing time so far</a:t>
+            </a:r>
+            <a:endParaRPr kumimoji="0" lang="en-GB" sz="1400" b="0" i="0" u="none" strike="noStrike" kern="0" cap="none" spc="0" normalizeH="0" baseline="0" noProof="0" dirty="0">
+              <a:ln>
+                <a:noFill/>
+              </a:ln>
+              <a:solidFill>
+                <a:prstClr val="black"/>
+              </a:solidFill>
+              <a:effectLst/>
+              <a:uLnTx/>
+              <a:uFillTx/>
+              <a:latin typeface="Garamond" panose="02020404030301010803" pitchFamily="18" charset="0"/>
+              <a:ea typeface="Gadugi" panose="020B0502040204020203" pitchFamily="34" charset="0"/>
+              <a:cs typeface="+mn-cs"/>
+            </a:endParaRPr>
+          </a:p>
+        </p:txBody>
+      </p:sp>
+      <p:sp>
+        <p:nvSpPr>
+          <p:cNvPr id="15" name="TextBox 14">
+            <a:extLst>
+              <a:ext uri="{FF2B5EF4-FFF2-40B4-BE49-F238E27FC236}">
+                <a16:creationId xmlns:a16="http://schemas.microsoft.com/office/drawing/2014/main" id="{BE40DAD6-706E-467B-A061-3E051B256E43}"/>
+              </a:ext>
+            </a:extLst>
+          </p:cNvPr>
+          <p:cNvSpPr txBox="1"/>
+          <p:nvPr/>
+        </p:nvSpPr>
+        <p:spPr>
+          <a:xfrm>
+            <a:off x="2719755" y="3275111"/>
+            <a:ext cx="2402662" cy="307777"/>
+          </a:xfrm>
+          <a:prstGeom prst="rect">
+            <a:avLst/>
+          </a:prstGeom>
+          <a:gradFill rotWithShape="1">
+            <a:gsLst>
+              <a:gs pos="0">
+                <a:srgbClr val="9BBB59">
+                  <a:tint val="50000"/>
+                  <a:satMod val="300000"/>
+                </a:srgbClr>
+              </a:gs>
+              <a:gs pos="35000">
+                <a:srgbClr val="9BBB59">
+                  <a:tint val="37000"/>
+                  <a:satMod val="300000"/>
+                </a:srgbClr>
+              </a:gs>
+              <a:gs pos="100000">
+                <a:srgbClr val="9BBB59">
+                  <a:tint val="15000"/>
+                  <a:satMod val="350000"/>
+                </a:srgbClr>
+              </a:gs>
+            </a:gsLst>
+            <a:lin ang="16200000" scaled="1"/>
+          </a:gradFill>
+          <a:ln w="9525" cap="flat" cmpd="sng" algn="ctr">
+            <a:solidFill>
+              <a:srgbClr val="9BBB59">
+                <a:shade val="95000"/>
+                <a:satMod val="105000"/>
+              </a:srgbClr>
+            </a:solidFill>
+            <a:prstDash val="solid"/>
+          </a:ln>
+          <a:effectLst>
+            <a:outerShdw blurRad="40000" dist="20000" dir="5400000" rotWithShape="0">
+              <a:srgbClr val="000000">
+                <a:alpha val="38000"/>
+              </a:srgbClr>
+            </a:outerShdw>
+          </a:effectLst>
+        </p:spPr>
+        <p:txBody>
+          <a:bodyPr wrap="square" rtlCol="0" anchor="ctr">
+            <a:spAutoFit/>
+          </a:bodyPr>
+          <a:lstStyle/>
+          <a:p>
+            <a:pPr marL="0" marR="0" lvl="0" indent="0" defTabSz="914400" eaLnBrk="1" fontAlgn="auto" latinLnBrk="0" hangingPunct="1">
+              <a:lnSpc>
+                <a:spcPct val="100000"/>
+              </a:lnSpc>
+              <a:spcBef>
+                <a:spcPts val="0"/>
+              </a:spcBef>
+              <a:spcAft>
+                <a:spcPts val="0"/>
+              </a:spcAft>
+              <a:buClrTx/>
+              <a:buSzTx/>
+              <a:buFontTx/>
+              <a:buNone/>
+              <a:tabLst/>
+              <a:defRPr/>
+            </a:pPr>
+            <a:r>
+              <a:rPr kumimoji="0" lang="en-GB" sz="1400" b="1" i="0" u="none" strike="noStrike" kern="0" cap="none" spc="0" normalizeH="0" baseline="0" noProof="0" dirty="0">
+                <a:ln>
+                  <a:noFill/>
+                </a:ln>
+                <a:solidFill>
+                  <a:prstClr val="black"/>
+                </a:solidFill>
+                <a:effectLst/>
+                <a:uLnTx/>
+                <a:uFillTx/>
+                <a:latin typeface="Garamond" panose="02020404030301010803" pitchFamily="18" charset="0"/>
+                <a:ea typeface="Gadugi" panose="020B0502040204020203" pitchFamily="34" charset="0"/>
+                <a:cs typeface="+mn-cs"/>
+              </a:rPr>
+              <a:t>Configuration of the antenna </a:t>
+            </a:r>
+            <a:endParaRPr kumimoji="0" lang="en-GB" sz="1400" b="1" i="0" u="none" strike="noStrike" kern="0" cap="none" spc="0" normalizeH="0" baseline="0" noProof="0" dirty="0">
+              <a:ln>
+                <a:noFill/>
+              </a:ln>
+              <a:solidFill>
+                <a:prstClr val="black"/>
+              </a:solidFill>
+              <a:effectLst/>
+              <a:uLnTx/>
+              <a:uFillTx/>
+              <a:latin typeface="Garamond" panose="02020404030301010803" pitchFamily="18" charset="0"/>
+              <a:ea typeface="Gadugi" panose="020B0502040204020203" pitchFamily="34" charset="0"/>
+              <a:cs typeface="+mn-cs"/>
+              <a:sym typeface="Wingdings" panose="05000000000000000000" pitchFamily="2" charset="2"/>
+            </a:endParaRPr>
+          </a:p>
+        </p:txBody>
+      </p:sp>
+      <p:sp>
+        <p:nvSpPr>
+          <p:cNvPr id="16" name="TextBox 15">
+            <a:extLst>
+              <a:ext uri="{FF2B5EF4-FFF2-40B4-BE49-F238E27FC236}">
+                <a16:creationId xmlns:a16="http://schemas.microsoft.com/office/drawing/2014/main" id="{CF2BB7EF-5C55-4662-8024-F2E9209293A2}"/>
+              </a:ext>
+            </a:extLst>
+          </p:cNvPr>
+          <p:cNvSpPr txBox="1"/>
+          <p:nvPr/>
+        </p:nvSpPr>
+        <p:spPr>
+          <a:xfrm>
+            <a:off x="2719755" y="4574881"/>
+            <a:ext cx="5982119" cy="523220"/>
+          </a:xfrm>
+          <a:prstGeom prst="rect">
+            <a:avLst/>
+          </a:prstGeom>
+          <a:gradFill rotWithShape="1">
+            <a:gsLst>
+              <a:gs pos="0">
+                <a:srgbClr val="9BBB59">
+                  <a:tint val="50000"/>
+                  <a:satMod val="300000"/>
+                </a:srgbClr>
+              </a:gs>
+              <a:gs pos="35000">
+                <a:srgbClr val="9BBB59">
+                  <a:tint val="37000"/>
+                  <a:satMod val="300000"/>
+                </a:srgbClr>
+              </a:gs>
+              <a:gs pos="100000">
+                <a:srgbClr val="9BBB59">
+                  <a:tint val="15000"/>
+                  <a:satMod val="350000"/>
+                </a:srgbClr>
+              </a:gs>
+            </a:gsLst>
+            <a:lin ang="16200000" scaled="1"/>
+          </a:gradFill>
+          <a:ln w="9525" cap="flat" cmpd="sng" algn="ctr">
+            <a:solidFill>
+              <a:srgbClr val="9BBB59">
+                <a:shade val="95000"/>
+                <a:satMod val="105000"/>
+              </a:srgbClr>
+            </a:solidFill>
+            <a:prstDash val="solid"/>
+          </a:ln>
+          <a:effectLst>
+            <a:outerShdw blurRad="40000" dist="20000" dir="5400000" rotWithShape="0">
+              <a:srgbClr val="000000">
+                <a:alpha val="38000"/>
+              </a:srgbClr>
+            </a:outerShdw>
+          </a:effectLst>
+        </p:spPr>
+        <p:txBody>
+          <a:bodyPr wrap="square" rtlCol="0" anchor="ctr">
+            <a:spAutoFit/>
+          </a:bodyPr>
+          <a:lstStyle/>
+          <a:p>
+            <a:pPr marL="0" marR="0" lvl="0" indent="0" defTabSz="914400" eaLnBrk="1" fontAlgn="auto" latinLnBrk="0" hangingPunct="1">
+              <a:lnSpc>
+                <a:spcPct val="100000"/>
+              </a:lnSpc>
+              <a:spcBef>
+                <a:spcPts val="0"/>
+              </a:spcBef>
+              <a:spcAft>
+                <a:spcPts val="0"/>
+              </a:spcAft>
+              <a:buClrTx/>
+              <a:buSzTx/>
+              <a:buFontTx/>
+              <a:buNone/>
+              <a:tabLst/>
+              <a:defRPr/>
+            </a:pPr>
+            <a:r>
+              <a:rPr kumimoji="0" lang="en-GB" sz="1400" b="1" i="0" u="none" strike="noStrike" kern="0" cap="none" spc="0" normalizeH="0" baseline="0" noProof="0" dirty="0" err="1">
+                <a:ln>
+                  <a:noFill/>
+                </a:ln>
+                <a:solidFill>
+                  <a:prstClr val="black"/>
+                </a:solidFill>
+                <a:effectLst/>
+                <a:uLnTx/>
+                <a:uFillTx/>
+                <a:latin typeface="Garamond" panose="02020404030301010803" pitchFamily="18" charset="0"/>
+                <a:ea typeface="Gadugi" panose="020B0502040204020203" pitchFamily="34" charset="0"/>
+                <a:cs typeface="+mn-cs"/>
+                <a:sym typeface="Wingdings" panose="05000000000000000000" pitchFamily="2" charset="2"/>
+              </a:rPr>
+              <a:t>Voltera</a:t>
+            </a:r>
+            <a:r>
+              <a:rPr kumimoji="0" lang="en-GB" sz="1400" b="1" i="0" u="none" strike="noStrike" kern="0" cap="none" spc="0" normalizeH="0" baseline="0" noProof="0" dirty="0">
+                <a:ln>
+                  <a:noFill/>
+                </a:ln>
+                <a:solidFill>
+                  <a:prstClr val="black"/>
+                </a:solidFill>
+                <a:effectLst/>
+                <a:uLnTx/>
+                <a:uFillTx/>
+                <a:latin typeface="Garamond" panose="02020404030301010803" pitchFamily="18" charset="0"/>
+                <a:ea typeface="Gadugi" panose="020B0502040204020203" pitchFamily="34" charset="0"/>
+                <a:cs typeface="+mn-cs"/>
+                <a:sym typeface="Wingdings" panose="05000000000000000000" pitchFamily="2" charset="2"/>
+              </a:rPr>
+              <a:t> machine</a:t>
+            </a:r>
+            <a:r>
+              <a:rPr kumimoji="0" lang="en-GB" sz="1400" b="0" i="0" u="none" strike="noStrike" kern="0" cap="none" spc="0" normalizeH="0" baseline="0" noProof="0" dirty="0">
+                <a:ln>
+                  <a:noFill/>
+                </a:ln>
+                <a:solidFill>
+                  <a:prstClr val="black"/>
+                </a:solidFill>
+                <a:effectLst/>
+                <a:uLnTx/>
+                <a:uFillTx/>
+                <a:latin typeface="Garamond" panose="02020404030301010803" pitchFamily="18" charset="0"/>
+                <a:ea typeface="Gadugi" panose="020B0502040204020203" pitchFamily="34" charset="0"/>
+                <a:cs typeface="+mn-cs"/>
+                <a:sym typeface="Wingdings" panose="05000000000000000000" pitchFamily="2" charset="2"/>
+              </a:rPr>
+              <a:t>: many problems with ink, cleaning of needles, weakness of needles…</a:t>
+            </a:r>
+          </a:p>
+        </p:txBody>
+      </p:sp>
+      <p:sp>
+        <p:nvSpPr>
+          <p:cNvPr id="21" name="Rectangle 20">
+            <a:extLst>
+              <a:ext uri="{FF2B5EF4-FFF2-40B4-BE49-F238E27FC236}">
+                <a16:creationId xmlns:a16="http://schemas.microsoft.com/office/drawing/2014/main" id="{28574846-376A-4DD6-A0A9-62AE35BF9437}"/>
+              </a:ext>
+            </a:extLst>
+          </p:cNvPr>
+          <p:cNvSpPr/>
+          <p:nvPr/>
+        </p:nvSpPr>
+        <p:spPr>
+          <a:xfrm>
+            <a:off x="252046" y="2924907"/>
+            <a:ext cx="1938495" cy="1008185"/>
+          </a:xfrm>
+          <a:prstGeom prst="rect">
+            <a:avLst/>
+          </a:prstGeom>
+          <a:gradFill rotWithShape="1">
+            <a:gsLst>
+              <a:gs pos="0">
+                <a:sysClr val="windowText" lastClr="000000">
+                  <a:tint val="50000"/>
+                  <a:satMod val="300000"/>
+                </a:sysClr>
+              </a:gs>
+              <a:gs pos="35000">
+                <a:sysClr val="windowText" lastClr="000000">
+                  <a:tint val="37000"/>
+                  <a:satMod val="300000"/>
+                </a:sysClr>
+              </a:gs>
+              <a:gs pos="100000">
+                <a:sysClr val="windowText" lastClr="000000">
+                  <a:tint val="15000"/>
+                  <a:satMod val="350000"/>
+                </a:sysClr>
+              </a:gs>
+            </a:gsLst>
+            <a:lin ang="16200000" scaled="1"/>
+          </a:gradFill>
+          <a:ln w="9525" cap="flat" cmpd="sng" algn="ctr">
+            <a:solidFill>
+              <a:sysClr val="windowText" lastClr="000000">
+                <a:shade val="95000"/>
+                <a:satMod val="105000"/>
+              </a:sysClr>
+            </a:solidFill>
+            <a:prstDash val="solid"/>
+          </a:ln>
+          <a:effectLst>
+            <a:outerShdw blurRad="40000" dist="20000" dir="5400000" rotWithShape="0">
+              <a:srgbClr val="000000">
+                <a:alpha val="38000"/>
+              </a:srgbClr>
+            </a:outerShdw>
+          </a:effectLst>
+        </p:spPr>
+        <p:txBody>
+          <a:bodyPr rtlCol="0" anchor="ctr"/>
+          <a:lstStyle/>
+          <a:p>
+            <a:pPr marL="0" marR="0" lvl="0" indent="0" algn="ctr" defTabSz="914400" eaLnBrk="1" fontAlgn="auto" latinLnBrk="0" hangingPunct="1">
+              <a:lnSpc>
+                <a:spcPct val="100000"/>
+              </a:lnSpc>
+              <a:spcBef>
+                <a:spcPts val="0"/>
+              </a:spcBef>
+              <a:spcAft>
+                <a:spcPts val="0"/>
+              </a:spcAft>
+              <a:buClrTx/>
+              <a:buSzTx/>
+              <a:buFontTx/>
+              <a:buNone/>
+              <a:tabLst/>
+              <a:defRPr/>
+            </a:pPr>
+            <a:r>
+              <a:rPr kumimoji="0" lang="es-ES" sz="2000" b="0" i="0" u="none" strike="noStrike" kern="0" cap="none" spc="0" normalizeH="0" baseline="0" noProof="0" dirty="0" err="1">
+                <a:ln>
+                  <a:noFill/>
+                </a:ln>
+                <a:solidFill>
+                  <a:prstClr val="black"/>
+                </a:solidFill>
+                <a:effectLst/>
+                <a:uLnTx/>
+                <a:uFillTx/>
+                <a:latin typeface="Garamond" panose="02020404030301010803" pitchFamily="18" charset="0"/>
+                <a:ea typeface="+mn-ea"/>
+                <a:cs typeface="+mn-cs"/>
+              </a:rPr>
+              <a:t>Problems</a:t>
+            </a:r>
+            <a:r>
+              <a:rPr kumimoji="0" lang="es-ES" sz="2000" b="0" i="0" u="none" strike="noStrike" kern="0" cap="none" spc="0" normalizeH="0" baseline="0" noProof="0" dirty="0">
+                <a:ln>
+                  <a:noFill/>
+                </a:ln>
+                <a:solidFill>
+                  <a:prstClr val="black"/>
+                </a:solidFill>
+                <a:effectLst/>
+                <a:uLnTx/>
+                <a:uFillTx/>
+                <a:latin typeface="Garamond" panose="02020404030301010803" pitchFamily="18" charset="0"/>
+                <a:ea typeface="+mn-ea"/>
+                <a:cs typeface="+mn-cs"/>
+              </a:rPr>
+              <a:t> </a:t>
+            </a:r>
+            <a:r>
+              <a:rPr kumimoji="0" lang="es-ES" sz="2000" b="0" i="0" u="none" strike="noStrike" kern="0" cap="none" spc="0" normalizeH="0" baseline="0" noProof="0" dirty="0" err="1">
+                <a:ln>
+                  <a:noFill/>
+                </a:ln>
+                <a:solidFill>
+                  <a:prstClr val="black"/>
+                </a:solidFill>
+                <a:effectLst/>
+                <a:uLnTx/>
+                <a:uFillTx/>
+                <a:latin typeface="Garamond" panose="02020404030301010803" pitchFamily="18" charset="0"/>
+                <a:ea typeface="+mn-ea"/>
+                <a:cs typeface="+mn-cs"/>
+              </a:rPr>
+              <a:t>found</a:t>
+            </a:r>
+            <a:endParaRPr kumimoji="0" lang="es-ES" sz="2000" b="0" i="0" u="none" strike="noStrike" kern="0" cap="none" spc="0" normalizeH="0" baseline="0" noProof="0" dirty="0">
+              <a:ln>
+                <a:noFill/>
+              </a:ln>
+              <a:solidFill>
+                <a:prstClr val="black"/>
+              </a:solidFill>
+              <a:effectLst/>
+              <a:uLnTx/>
+              <a:uFillTx/>
+              <a:latin typeface="Garamond" panose="02020404030301010803" pitchFamily="18" charset="0"/>
+              <a:ea typeface="+mn-ea"/>
+              <a:cs typeface="+mn-cs"/>
+            </a:endParaRPr>
+          </a:p>
+        </p:txBody>
+      </p:sp>
+      <p:cxnSp>
+        <p:nvCxnSpPr>
+          <p:cNvPr id="6" name="Connector: Elbow 5">
+            <a:extLst>
+              <a:ext uri="{FF2B5EF4-FFF2-40B4-BE49-F238E27FC236}">
+                <a16:creationId xmlns:a16="http://schemas.microsoft.com/office/drawing/2014/main" id="{1CCE2C9F-DC0A-4D21-973E-AE7AB1D60817}"/>
+              </a:ext>
+            </a:extLst>
+          </p:cNvPr>
+          <p:cNvCxnSpPr>
+            <a:stCxn id="21" idx="3"/>
+            <a:endCxn id="14" idx="1"/>
+          </p:cNvCxnSpPr>
+          <p:nvPr/>
+        </p:nvCxnSpPr>
+        <p:spPr>
+          <a:xfrm flipV="1">
+            <a:off x="2190541" y="2141661"/>
+            <a:ext cx="529213" cy="1287339"/>
+          </a:xfrm>
+          <a:prstGeom prst="bentConnector3">
+            <a:avLst/>
+          </a:prstGeom>
+          <a:ln w="28575">
+            <a:solidFill>
+              <a:schemeClr val="tx1">
+                <a:lumMod val="50000"/>
+                <a:lumOff val="50000"/>
+              </a:schemeClr>
+            </a:solidFill>
+            <a:tailEnd type="triangle"/>
+          </a:ln>
+        </p:spPr>
+        <p:style>
+          <a:lnRef idx="1">
+            <a:schemeClr val="accent1"/>
+          </a:lnRef>
+          <a:fillRef idx="0">
+            <a:schemeClr val="accent1"/>
+          </a:fillRef>
+          <a:effectRef idx="0">
+            <a:schemeClr val="accent1"/>
+          </a:effectRef>
+          <a:fontRef idx="minor">
+            <a:schemeClr val="tx1"/>
+          </a:fontRef>
+        </p:style>
+      </p:cxnSp>
+      <p:cxnSp>
+        <p:nvCxnSpPr>
+          <p:cNvPr id="22" name="Connector: Elbow 21">
+            <a:extLst>
+              <a:ext uri="{FF2B5EF4-FFF2-40B4-BE49-F238E27FC236}">
+                <a16:creationId xmlns:a16="http://schemas.microsoft.com/office/drawing/2014/main" id="{E70556DF-C75E-41B1-A639-F035FC0A62B9}"/>
+              </a:ext>
+            </a:extLst>
+          </p:cNvPr>
+          <p:cNvCxnSpPr>
+            <a:cxnSpLocks/>
+            <a:stCxn id="21" idx="3"/>
+          </p:cNvCxnSpPr>
+          <p:nvPr/>
+        </p:nvCxnSpPr>
+        <p:spPr>
+          <a:xfrm>
+            <a:off x="2190541" y="3429000"/>
+            <a:ext cx="529213" cy="1407491"/>
+          </a:xfrm>
+          <a:prstGeom prst="bentConnector3">
+            <a:avLst/>
+          </a:prstGeom>
+          <a:ln w="28575">
+            <a:solidFill>
+              <a:schemeClr val="tx1">
+                <a:lumMod val="50000"/>
+                <a:lumOff val="50000"/>
+              </a:schemeClr>
+            </a:solidFill>
+            <a:tailEnd type="triangle"/>
+          </a:ln>
+        </p:spPr>
+        <p:style>
+          <a:lnRef idx="1">
+            <a:schemeClr val="accent1"/>
+          </a:lnRef>
+          <a:fillRef idx="0">
+            <a:schemeClr val="accent1"/>
+          </a:fillRef>
+          <a:effectRef idx="0">
+            <a:schemeClr val="accent1"/>
+          </a:effectRef>
+          <a:fontRef idx="minor">
+            <a:schemeClr val="tx1"/>
+          </a:fontRef>
+        </p:style>
+      </p:cxnSp>
+      <p:cxnSp>
+        <p:nvCxnSpPr>
+          <p:cNvPr id="24" name="Connector: Elbow 23">
+            <a:extLst>
+              <a:ext uri="{FF2B5EF4-FFF2-40B4-BE49-F238E27FC236}">
+                <a16:creationId xmlns:a16="http://schemas.microsoft.com/office/drawing/2014/main" id="{1F2D5956-8384-4EBC-8409-9DC476F94302}"/>
+              </a:ext>
+            </a:extLst>
+          </p:cNvPr>
+          <p:cNvCxnSpPr>
+            <a:cxnSpLocks/>
+            <a:endCxn id="15" idx="1"/>
+          </p:cNvCxnSpPr>
+          <p:nvPr/>
+        </p:nvCxnSpPr>
+        <p:spPr>
+          <a:xfrm>
+            <a:off x="2190542" y="3423920"/>
+            <a:ext cx="529213" cy="5080"/>
+          </a:xfrm>
+          <a:prstGeom prst="bentConnector3">
+            <a:avLst/>
+          </a:prstGeom>
+          <a:ln w="28575">
+            <a:solidFill>
+              <a:schemeClr val="tx1">
+                <a:lumMod val="50000"/>
+                <a:lumOff val="50000"/>
+              </a:schemeClr>
+            </a:solidFill>
+            <a:tailEnd type="triangle"/>
+          </a:ln>
+        </p:spPr>
+        <p:style>
+          <a:lnRef idx="1">
+            <a:schemeClr val="accent1"/>
+          </a:lnRef>
+          <a:fillRef idx="0">
+            <a:schemeClr val="accent1"/>
+          </a:fillRef>
+          <a:effectRef idx="0">
+            <a:schemeClr val="accent1"/>
+          </a:effectRef>
+          <a:fontRef idx="minor">
+            <a:schemeClr val="tx1"/>
+          </a:fontRef>
+        </p:style>
+      </p:cxnSp>
+      <p:cxnSp>
+        <p:nvCxnSpPr>
+          <p:cNvPr id="26" name="Connector: Elbow 25">
+            <a:extLst>
+              <a:ext uri="{FF2B5EF4-FFF2-40B4-BE49-F238E27FC236}">
+                <a16:creationId xmlns:a16="http://schemas.microsoft.com/office/drawing/2014/main" id="{23854B7D-C4CD-4ABF-9612-D30CC2EE1C71}"/>
+              </a:ext>
+            </a:extLst>
+          </p:cNvPr>
+          <p:cNvCxnSpPr>
+            <a:stCxn id="21" idx="3"/>
+            <a:endCxn id="16" idx="1"/>
+          </p:cNvCxnSpPr>
+          <p:nvPr/>
+        </p:nvCxnSpPr>
+        <p:spPr>
+          <a:xfrm>
+            <a:off x="2190541" y="3429000"/>
+            <a:ext cx="529214" cy="1407491"/>
+          </a:xfrm>
+          <a:prstGeom prst="bentConnector3">
+            <a:avLst/>
+          </a:prstGeom>
+          <a:ln w="28575">
+            <a:solidFill>
+              <a:schemeClr val="tx1">
+                <a:lumMod val="50000"/>
+                <a:lumOff val="50000"/>
+              </a:schemeClr>
+            </a:solidFill>
+            <a:tailEnd type="triangle"/>
+          </a:ln>
+        </p:spPr>
+        <p:style>
+          <a:lnRef idx="1">
+            <a:schemeClr val="accent1"/>
+          </a:lnRef>
+          <a:fillRef idx="0">
+            <a:schemeClr val="accent1"/>
+          </a:fillRef>
+          <a:effectRef idx="0">
+            <a:schemeClr val="accent1"/>
+          </a:effectRef>
+          <a:fontRef idx="minor">
+            <a:schemeClr val="tx1"/>
+          </a:fontRef>
+        </p:style>
+      </p:cxnSp>
+      <p:sp>
+        <p:nvSpPr>
+          <p:cNvPr id="27" name="TextBox 26">
+            <a:extLst>
+              <a:ext uri="{FF2B5EF4-FFF2-40B4-BE49-F238E27FC236}">
+                <a16:creationId xmlns:a16="http://schemas.microsoft.com/office/drawing/2014/main" id="{23B0897F-DE30-4F34-82C1-3C3A487F970B}"/>
               </a:ext>
             </a:extLst>
           </p:cNvPr>
@@ -11137,29 +9716,38 @@
               <a:rPr lang="es-ES" sz="2400" dirty="0">
                 <a:latin typeface="Garamond" panose="02020404030301010803" pitchFamily="18" charset="0"/>
               </a:rPr>
-              <a:t>1. </a:t>
+              <a:t>2. </a:t>
             </a:r>
             <a:r>
               <a:rPr lang="es-ES" sz="2400" dirty="0" err="1">
                 <a:latin typeface="Garamond" panose="02020404030301010803" pitchFamily="18" charset="0"/>
               </a:rPr>
-              <a:t>Previous</a:t>
+              <a:t>Further</a:t>
             </a:r>
             <a:r>
               <a:rPr lang="es-ES" sz="2400" dirty="0">
                 <a:latin typeface="Garamond" panose="02020404030301010803" pitchFamily="18" charset="0"/>
               </a:rPr>
-              <a:t> Works</a:t>
-            </a:r>
+              <a:t> </a:t>
+            </a:r>
+            <a:r>
+              <a:rPr lang="es-ES" sz="2400" dirty="0" err="1">
+                <a:latin typeface="Garamond" panose="02020404030301010803" pitchFamily="18" charset="0"/>
+              </a:rPr>
+              <a:t>Work</a:t>
+            </a:r>
+            <a:endParaRPr lang="es-ES" sz="2400" dirty="0">
+              <a:latin typeface="Garamond" panose="02020404030301010803" pitchFamily="18" charset="0"/>
+            </a:endParaRPr>
           </a:p>
         </p:txBody>
       </p:sp>
       <p:sp>
         <p:nvSpPr>
-          <p:cNvPr id="10" name="TextBox 9">
+          <p:cNvPr id="18" name="TextBox 17">
             <a:extLst>
               <a:ext uri="{FF2B5EF4-FFF2-40B4-BE49-F238E27FC236}">
-                <a16:creationId xmlns:a16="http://schemas.microsoft.com/office/drawing/2014/main" id="{8A88C2AD-456A-40EE-88A4-2070C935A8BA}"/>
+                <a16:creationId xmlns:a16="http://schemas.microsoft.com/office/drawing/2014/main" id="{61041AEE-461C-4C2D-AC30-C54AE4BAB42A}"/>
               </a:ext>
             </a:extLst>
           </p:cNvPr>
@@ -11168,128 +9756,332 @@
         </p:nvSpPr>
         <p:spPr>
           <a:xfrm>
-            <a:off x="515815" y="1772434"/>
-            <a:ext cx="9034337" cy="338554"/>
+            <a:off x="5743855" y="2956899"/>
+            <a:ext cx="2402662" cy="307777"/>
           </a:xfrm>
           <a:prstGeom prst="rect">
             <a:avLst/>
           </a:prstGeom>
-          <a:noFill/>
+          <a:gradFill rotWithShape="1">
+            <a:gsLst>
+              <a:gs pos="0">
+                <a:srgbClr val="9BBB59">
+                  <a:tint val="50000"/>
+                  <a:satMod val="300000"/>
+                </a:srgbClr>
+              </a:gs>
+              <a:gs pos="35000">
+                <a:srgbClr val="9BBB59">
+                  <a:tint val="37000"/>
+                  <a:satMod val="300000"/>
+                </a:srgbClr>
+              </a:gs>
+              <a:gs pos="100000">
+                <a:srgbClr val="9BBB59">
+                  <a:tint val="15000"/>
+                  <a:satMod val="350000"/>
+                </a:srgbClr>
+              </a:gs>
+            </a:gsLst>
+            <a:lin ang="16200000" scaled="1"/>
+          </a:gradFill>
+          <a:ln w="9525" cap="flat" cmpd="sng" algn="ctr">
+            <a:solidFill>
+              <a:srgbClr val="9BBB59">
+                <a:shade val="95000"/>
+                <a:satMod val="105000"/>
+              </a:srgbClr>
+            </a:solidFill>
+            <a:prstDash val="solid"/>
+          </a:ln>
+          <a:effectLst>
+            <a:outerShdw blurRad="40000" dist="20000" dir="5400000" rotWithShape="0">
+              <a:srgbClr val="000000">
+                <a:alpha val="38000"/>
+              </a:srgbClr>
+            </a:outerShdw>
+          </a:effectLst>
         </p:spPr>
         <p:txBody>
-          <a:bodyPr wrap="square" rtlCol="0">
+          <a:bodyPr wrap="square" rtlCol="0" anchor="ctr">
             <a:spAutoFit/>
           </a:bodyPr>
           <a:lstStyle/>
           <a:p>
-            <a:r>
-              <a:rPr lang="en-GB" sz="1600" b="1" dirty="0">
-                <a:latin typeface="Garamond" panose="02020404030301010803" pitchFamily="18" charset="0"/>
-              </a:rPr>
-              <a:t>John Rogers’ Research Group </a:t>
-            </a:r>
-            <a:r>
-              <a:rPr lang="en-GB" sz="1600" dirty="0">
-                <a:latin typeface="Garamond" panose="02020404030301010803" pitchFamily="18" charset="0"/>
-                <a:sym typeface="Wingdings" panose="05000000000000000000" pitchFamily="2" charset="2"/>
-              </a:rPr>
-              <a:t> Different designs from the most simple to “higher” complexity.</a:t>
-            </a:r>
-            <a:endParaRPr lang="en-GB" sz="1600" dirty="0">
+            <a:pPr marL="0" marR="0" lvl="0" indent="0" defTabSz="914400" eaLnBrk="1" fontAlgn="auto" latinLnBrk="0" hangingPunct="1">
+              <a:lnSpc>
+                <a:spcPct val="100000"/>
+              </a:lnSpc>
+              <a:spcBef>
+                <a:spcPts val="0"/>
+              </a:spcBef>
+              <a:spcAft>
+                <a:spcPts val="0"/>
+              </a:spcAft>
+              <a:buClrTx/>
+              <a:buSzTx/>
+              <a:buFontTx/>
+              <a:buNone/>
+              <a:tabLst/>
+              <a:defRPr/>
+            </a:pPr>
+            <a:r>
+              <a:rPr kumimoji="0" lang="en-GB" sz="1400" b="1" i="0" u="none" strike="noStrike" kern="0" cap="none" spc="0" normalizeH="0" baseline="0" noProof="0" dirty="0">
+                <a:ln>
+                  <a:noFill/>
+                </a:ln>
+                <a:solidFill>
+                  <a:prstClr val="black"/>
+                </a:solidFill>
+                <a:effectLst/>
+                <a:uLnTx/>
+                <a:uFillTx/>
+                <a:latin typeface="Garamond" panose="02020404030301010803" pitchFamily="18" charset="0"/>
+                <a:ea typeface="Gadugi" panose="020B0502040204020203" pitchFamily="34" charset="0"/>
+                <a:cs typeface="+mn-cs"/>
+              </a:rPr>
+              <a:t>Propagation Distance?</a:t>
+            </a:r>
+            <a:endParaRPr kumimoji="0" lang="en-GB" sz="1400" b="1" i="0" u="none" strike="noStrike" kern="0" cap="none" spc="0" normalizeH="0" baseline="0" noProof="0" dirty="0">
+              <a:ln>
+                <a:noFill/>
+              </a:ln>
+              <a:solidFill>
+                <a:prstClr val="black"/>
+              </a:solidFill>
+              <a:effectLst/>
+              <a:uLnTx/>
+              <a:uFillTx/>
               <a:latin typeface="Garamond" panose="02020404030301010803" pitchFamily="18" charset="0"/>
+              <a:ea typeface="Gadugi" panose="020B0502040204020203" pitchFamily="34" charset="0"/>
+              <a:cs typeface="+mn-cs"/>
+              <a:sym typeface="Wingdings" panose="05000000000000000000" pitchFamily="2" charset="2"/>
             </a:endParaRPr>
           </a:p>
         </p:txBody>
       </p:sp>
-      <p:pic>
-        <p:nvPicPr>
-          <p:cNvPr id="11" name="Picture 10">
+      <p:sp>
+        <p:nvSpPr>
+          <p:cNvPr id="19" name="TextBox 18">
             <a:extLst>
               <a:ext uri="{FF2B5EF4-FFF2-40B4-BE49-F238E27FC236}">
-                <a16:creationId xmlns:a16="http://schemas.microsoft.com/office/drawing/2014/main" id="{41EBB549-D346-42C5-91E7-62D5CAF4F48F}"/>
+                <a16:creationId xmlns:a16="http://schemas.microsoft.com/office/drawing/2014/main" id="{F97496EC-9FA8-47E7-B66E-1C33D0CB797D}"/>
               </a:ext>
             </a:extLst>
           </p:cNvPr>
-          <p:cNvPicPr>
-            <a:picLocks noChangeAspect="1"/>
-          </p:cNvPicPr>
+          <p:cNvSpPr txBox="1"/>
           <p:nvPr/>
-        </p:nvPicPr>
-        <p:blipFill>
-          <a:blip r:embed="rId3">
-            <a:extLst>
-              <a:ext uri="{BEBA8EAE-BF5A-486C-A8C5-ECC9F3942E4B}">
-                <a14:imgProps xmlns:a14="http://schemas.microsoft.com/office/drawing/2010/main">
-                  <a14:imgLayer r:embed="rId4">
-                    <a14:imgEffect>
-                      <a14:sharpenSoften amount="25000"/>
-                    </a14:imgEffect>
-                  </a14:imgLayer>
-                </a14:imgProps>
-              </a:ext>
-            </a:extLst>
-          </a:blip>
-          <a:stretch>
-            <a:fillRect/>
-          </a:stretch>
-        </p:blipFill>
+        </p:nvSpPr>
         <p:spPr>
           <a:xfrm>
-            <a:off x="1559250" y="2531365"/>
-            <a:ext cx="5984260" cy="1681082"/>
+            <a:off x="5743855" y="3285479"/>
+            <a:ext cx="2402662" cy="307777"/>
           </a:xfrm>
           <a:prstGeom prst="rect">
             <a:avLst/>
           </a:prstGeom>
+          <a:gradFill rotWithShape="1">
+            <a:gsLst>
+              <a:gs pos="0">
+                <a:srgbClr val="9BBB59">
+                  <a:tint val="50000"/>
+                  <a:satMod val="300000"/>
+                </a:srgbClr>
+              </a:gs>
+              <a:gs pos="35000">
+                <a:srgbClr val="9BBB59">
+                  <a:tint val="37000"/>
+                  <a:satMod val="300000"/>
+                </a:srgbClr>
+              </a:gs>
+              <a:gs pos="100000">
+                <a:srgbClr val="9BBB59">
+                  <a:tint val="15000"/>
+                  <a:satMod val="350000"/>
+                </a:srgbClr>
+              </a:gs>
+            </a:gsLst>
+            <a:lin ang="16200000" scaled="1"/>
+          </a:gradFill>
+          <a:ln w="9525" cap="flat" cmpd="sng" algn="ctr">
+            <a:solidFill>
+              <a:srgbClr val="9BBB59">
+                <a:shade val="95000"/>
+                <a:satMod val="105000"/>
+              </a:srgbClr>
+            </a:solidFill>
+            <a:prstDash val="solid"/>
+          </a:ln>
+          <a:effectLst>
+            <a:outerShdw blurRad="40000" dist="20000" dir="5400000" rotWithShape="0">
+              <a:srgbClr val="000000">
+                <a:alpha val="38000"/>
+              </a:srgbClr>
+            </a:outerShdw>
+          </a:effectLst>
         </p:spPr>
-      </p:pic>
-      <p:pic>
-        <p:nvPicPr>
-          <p:cNvPr id="12" name="Picture 11">
+        <p:txBody>
+          <a:bodyPr wrap="square" rtlCol="0" anchor="ctr">
+            <a:spAutoFit/>
+          </a:bodyPr>
+          <a:lstStyle/>
+          <a:p>
+            <a:pPr marL="0" marR="0" lvl="0" indent="0" defTabSz="914400" eaLnBrk="1" fontAlgn="auto" latinLnBrk="0" hangingPunct="1">
+              <a:lnSpc>
+                <a:spcPct val="100000"/>
+              </a:lnSpc>
+              <a:spcBef>
+                <a:spcPts val="0"/>
+              </a:spcBef>
+              <a:spcAft>
+                <a:spcPts val="0"/>
+              </a:spcAft>
+              <a:buClrTx/>
+              <a:buSzTx/>
+              <a:buFontTx/>
+              <a:buNone/>
+              <a:tabLst/>
+              <a:defRPr/>
+            </a:pPr>
+            <a:r>
+              <a:rPr lang="en-GB" sz="1400" b="1" kern="0" dirty="0">
+                <a:solidFill>
+                  <a:prstClr val="black"/>
+                </a:solidFill>
+                <a:latin typeface="Garamond" panose="02020404030301010803" pitchFamily="18" charset="0"/>
+                <a:ea typeface="Gadugi" panose="020B0502040204020203" pitchFamily="34" charset="0"/>
+                <a:sym typeface="Wingdings" panose="05000000000000000000" pitchFamily="2" charset="2"/>
+              </a:rPr>
+              <a:t>Antenna Gain?</a:t>
+            </a:r>
+            <a:endParaRPr kumimoji="0" lang="en-GB" sz="1400" b="1" i="0" u="none" strike="noStrike" kern="0" cap="none" spc="0" normalizeH="0" baseline="0" noProof="0" dirty="0">
+              <a:ln>
+                <a:noFill/>
+              </a:ln>
+              <a:solidFill>
+                <a:prstClr val="black"/>
+              </a:solidFill>
+              <a:effectLst/>
+              <a:uLnTx/>
+              <a:uFillTx/>
+              <a:latin typeface="Garamond" panose="02020404030301010803" pitchFamily="18" charset="0"/>
+              <a:ea typeface="Gadugi" panose="020B0502040204020203" pitchFamily="34" charset="0"/>
+              <a:cs typeface="+mn-cs"/>
+              <a:sym typeface="Wingdings" panose="05000000000000000000" pitchFamily="2" charset="2"/>
+            </a:endParaRPr>
+          </a:p>
+        </p:txBody>
+      </p:sp>
+      <p:sp>
+        <p:nvSpPr>
+          <p:cNvPr id="20" name="TextBox 19">
             <a:extLst>
               <a:ext uri="{FF2B5EF4-FFF2-40B4-BE49-F238E27FC236}">
-                <a16:creationId xmlns:a16="http://schemas.microsoft.com/office/drawing/2014/main" id="{3090A1A1-7783-4764-8936-705A36486B70}"/>
+                <a16:creationId xmlns:a16="http://schemas.microsoft.com/office/drawing/2014/main" id="{9F90E26F-FD0C-454E-844E-0986434DB2C7}"/>
               </a:ext>
             </a:extLst>
           </p:cNvPr>
-          <p:cNvPicPr>
-            <a:picLocks noChangeAspect="1"/>
-          </p:cNvPicPr>
+          <p:cNvSpPr txBox="1"/>
           <p:nvPr/>
-        </p:nvPicPr>
-        <p:blipFill rotWithShape="1">
-          <a:blip r:embed="rId5">
-            <a:extLst>
-              <a:ext uri="{BEBA8EAE-BF5A-486C-A8C5-ECC9F3942E4B}">
-                <a14:imgProps xmlns:a14="http://schemas.microsoft.com/office/drawing/2010/main">
-                  <a14:imgLayer r:embed="rId6">
-                    <a14:imgEffect>
-                      <a14:sharpenSoften amount="25000"/>
-                    </a14:imgEffect>
-                  </a14:imgLayer>
-                </a14:imgProps>
-              </a:ext>
-            </a:extLst>
-          </a:blip>
-          <a:srcRect r="6124"/>
-          <a:stretch/>
-        </p:blipFill>
+        </p:nvSpPr>
         <p:spPr>
           <a:xfrm>
-            <a:off x="1600490" y="4275821"/>
-            <a:ext cx="5943020" cy="1964205"/>
+            <a:off x="5743855" y="3604914"/>
+            <a:ext cx="2402662" cy="307777"/>
           </a:xfrm>
           <a:prstGeom prst="rect">
             <a:avLst/>
           </a:prstGeom>
+          <a:gradFill rotWithShape="1">
+            <a:gsLst>
+              <a:gs pos="0">
+                <a:srgbClr val="9BBB59">
+                  <a:tint val="50000"/>
+                  <a:satMod val="300000"/>
+                </a:srgbClr>
+              </a:gs>
+              <a:gs pos="35000">
+                <a:srgbClr val="9BBB59">
+                  <a:tint val="37000"/>
+                  <a:satMod val="300000"/>
+                </a:srgbClr>
+              </a:gs>
+              <a:gs pos="100000">
+                <a:srgbClr val="9BBB59">
+                  <a:tint val="15000"/>
+                  <a:satMod val="350000"/>
+                </a:srgbClr>
+              </a:gs>
+            </a:gsLst>
+            <a:lin ang="16200000" scaled="1"/>
+          </a:gradFill>
+          <a:ln w="9525" cap="flat" cmpd="sng" algn="ctr">
+            <a:solidFill>
+              <a:srgbClr val="9BBB59">
+                <a:shade val="95000"/>
+                <a:satMod val="105000"/>
+              </a:srgbClr>
+            </a:solidFill>
+            <a:prstDash val="solid"/>
+          </a:ln>
+          <a:effectLst>
+            <a:outerShdw blurRad="40000" dist="20000" dir="5400000" rotWithShape="0">
+              <a:srgbClr val="000000">
+                <a:alpha val="38000"/>
+              </a:srgbClr>
+            </a:outerShdw>
+          </a:effectLst>
         </p:spPr>
-      </p:pic>
+        <p:txBody>
+          <a:bodyPr wrap="square" rtlCol="0" anchor="ctr">
+            <a:spAutoFit/>
+          </a:bodyPr>
+          <a:lstStyle/>
+          <a:p>
+            <a:pPr marL="0" marR="0" lvl="0" indent="0" defTabSz="914400" eaLnBrk="1" fontAlgn="auto" latinLnBrk="0" hangingPunct="1">
+              <a:lnSpc>
+                <a:spcPct val="100000"/>
+              </a:lnSpc>
+              <a:spcBef>
+                <a:spcPts val="0"/>
+              </a:spcBef>
+              <a:spcAft>
+                <a:spcPts val="0"/>
+              </a:spcAft>
+              <a:buClrTx/>
+              <a:buSzTx/>
+              <a:buFontTx/>
+              <a:buNone/>
+              <a:tabLst/>
+              <a:defRPr/>
+            </a:pPr>
+            <a:r>
+              <a:rPr kumimoji="0" lang="en-GB" sz="1400" b="1" i="0" u="none" strike="noStrike" kern="0" cap="none" spc="0" normalizeH="0" baseline="0" noProof="0" dirty="0">
+                <a:ln>
+                  <a:noFill/>
+                </a:ln>
+                <a:solidFill>
+                  <a:prstClr val="black"/>
+                </a:solidFill>
+                <a:effectLst/>
+                <a:uLnTx/>
+                <a:uFillTx/>
+                <a:latin typeface="Garamond" panose="02020404030301010803" pitchFamily="18" charset="0"/>
+                <a:ea typeface="Gadugi" panose="020B0502040204020203" pitchFamily="34" charset="0"/>
+                <a:cs typeface="+mn-cs"/>
+                <a:sym typeface="Wingdings" panose="05000000000000000000" pitchFamily="2" charset="2"/>
+              </a:rPr>
+              <a:t>How to reduce size?</a:t>
+            </a:r>
+          </a:p>
+        </p:txBody>
+      </p:sp>
       <p:sp>
         <p:nvSpPr>
-          <p:cNvPr id="13" name="Rectangle 12">
+          <p:cNvPr id="12" name="Left Brace 11">
             <a:extLst>
               <a:ext uri="{FF2B5EF4-FFF2-40B4-BE49-F238E27FC236}">
-                <a16:creationId xmlns:a16="http://schemas.microsoft.com/office/drawing/2014/main" id="{87E0CF35-3761-408E-B949-8576C4B47299}"/>
+                <a16:creationId xmlns:a16="http://schemas.microsoft.com/office/drawing/2014/main" id="{8A5C9C0B-75AA-4DFC-B489-C16ECD4F6611}"/>
               </a:ext>
             </a:extLst>
           </p:cNvPr>
@@ -11298,266 +10090,93 @@
         </p:nvSpPr>
         <p:spPr>
           <a:xfrm>
-            <a:off x="614637" y="6113979"/>
-            <a:ext cx="7914726" cy="276999"/>
+            <a:off x="5498627" y="2959584"/>
+            <a:ext cx="212186" cy="942064"/>
           </a:xfrm>
-          <a:prstGeom prst="rect">
+          <a:prstGeom prst="leftBrace">
             <a:avLst/>
           </a:prstGeom>
+          <a:ln w="28575">
+            <a:solidFill>
+              <a:schemeClr val="bg2">
+                <a:lumMod val="50000"/>
+              </a:schemeClr>
+            </a:solidFill>
+          </a:ln>
         </p:spPr>
+        <p:style>
+          <a:lnRef idx="1">
+            <a:schemeClr val="accent1"/>
+          </a:lnRef>
+          <a:fillRef idx="0">
+            <a:schemeClr val="accent1"/>
+          </a:fillRef>
+          <a:effectRef idx="0">
+            <a:schemeClr val="accent1"/>
+          </a:effectRef>
+          <a:fontRef idx="minor">
+            <a:schemeClr val="tx1"/>
+          </a:fontRef>
+        </p:style>
         <p:txBody>
-          <a:bodyPr wrap="square">
-            <a:spAutoFit/>
-          </a:bodyPr>
+          <a:bodyPr rtlCol="0" anchor="ctr"/>
           <a:lstStyle/>
           <a:p>
-            <a:r>
-              <a:rPr lang="es-ES" sz="1200" b="1" dirty="0">
-                <a:solidFill>
-                  <a:srgbClr val="222222"/>
-                </a:solidFill>
-                <a:latin typeface="Garamond" panose="02020404030301010803" pitchFamily="18" charset="0"/>
-              </a:rPr>
-              <a:t>In </a:t>
-            </a:r>
-            <a:r>
-              <a:rPr lang="es-ES" sz="1200" b="1" dirty="0" err="1">
-                <a:solidFill>
-                  <a:srgbClr val="222222"/>
-                </a:solidFill>
-                <a:latin typeface="Garamond" panose="02020404030301010803" pitchFamily="18" charset="0"/>
-              </a:rPr>
-              <a:t>their</a:t>
-            </a:r>
-            <a:r>
-              <a:rPr lang="es-ES" sz="1200" b="1" dirty="0">
-                <a:solidFill>
-                  <a:srgbClr val="222222"/>
-                </a:solidFill>
-                <a:latin typeface="Garamond" panose="02020404030301010803" pitchFamily="18" charset="0"/>
-              </a:rPr>
-              <a:t> </a:t>
-            </a:r>
-            <a:r>
-              <a:rPr lang="es-ES" sz="1200" b="1" dirty="0" err="1">
-                <a:solidFill>
-                  <a:srgbClr val="222222"/>
-                </a:solidFill>
-                <a:latin typeface="Garamond" panose="02020404030301010803" pitchFamily="18" charset="0"/>
-              </a:rPr>
-              <a:t>work</a:t>
-            </a:r>
-            <a:r>
-              <a:rPr lang="es-ES" sz="1200" b="1" dirty="0">
-                <a:solidFill>
-                  <a:srgbClr val="222222"/>
-                </a:solidFill>
-                <a:latin typeface="Garamond" panose="02020404030301010803" pitchFamily="18" charset="0"/>
-              </a:rPr>
-              <a:t> </a:t>
-            </a:r>
-            <a:r>
-              <a:rPr lang="es-ES" sz="1200" i="1" dirty="0" err="1">
-                <a:solidFill>
-                  <a:srgbClr val="222222"/>
-                </a:solidFill>
-                <a:latin typeface="Garamond" panose="02020404030301010803" pitchFamily="18" charset="0"/>
-              </a:rPr>
-              <a:t>Fully</a:t>
-            </a:r>
-            <a:r>
-              <a:rPr lang="es-ES" sz="1200" i="1" dirty="0">
-                <a:solidFill>
-                  <a:srgbClr val="222222"/>
-                </a:solidFill>
-                <a:latin typeface="Garamond" panose="02020404030301010803" pitchFamily="18" charset="0"/>
-              </a:rPr>
-              <a:t> implantable </a:t>
-            </a:r>
-            <a:r>
-              <a:rPr lang="es-ES" sz="1200" i="1" dirty="0" err="1">
-                <a:solidFill>
-                  <a:srgbClr val="222222"/>
-                </a:solidFill>
-                <a:latin typeface="Garamond" panose="02020404030301010803" pitchFamily="18" charset="0"/>
-              </a:rPr>
-              <a:t>optoelectronic</a:t>
-            </a:r>
-            <a:r>
-              <a:rPr lang="es-ES" sz="1200" i="1" dirty="0">
-                <a:solidFill>
-                  <a:srgbClr val="222222"/>
-                </a:solidFill>
-                <a:latin typeface="Garamond" panose="02020404030301010803" pitchFamily="18" charset="0"/>
-              </a:rPr>
-              <a:t> </a:t>
-            </a:r>
-            <a:r>
-              <a:rPr lang="es-ES" sz="1200" i="1" dirty="0" err="1">
-                <a:solidFill>
-                  <a:srgbClr val="222222"/>
-                </a:solidFill>
-                <a:latin typeface="Garamond" panose="02020404030301010803" pitchFamily="18" charset="0"/>
-              </a:rPr>
-              <a:t>systems</a:t>
-            </a:r>
-            <a:r>
-              <a:rPr lang="es-ES" sz="1200" i="1" dirty="0">
-                <a:solidFill>
-                  <a:srgbClr val="222222"/>
-                </a:solidFill>
-                <a:latin typeface="Garamond" panose="02020404030301010803" pitchFamily="18" charset="0"/>
-              </a:rPr>
-              <a:t> </a:t>
-            </a:r>
-            <a:r>
-              <a:rPr lang="es-ES" sz="1200" i="1" dirty="0" err="1">
-                <a:solidFill>
-                  <a:srgbClr val="222222"/>
-                </a:solidFill>
-                <a:latin typeface="Garamond" panose="02020404030301010803" pitchFamily="18" charset="0"/>
-              </a:rPr>
-              <a:t>for</a:t>
-            </a:r>
-            <a:r>
-              <a:rPr lang="es-ES" sz="1200" i="1" dirty="0">
-                <a:solidFill>
-                  <a:srgbClr val="222222"/>
-                </a:solidFill>
-                <a:latin typeface="Garamond" panose="02020404030301010803" pitchFamily="18" charset="0"/>
-              </a:rPr>
-              <a:t> </a:t>
-            </a:r>
-            <a:r>
-              <a:rPr lang="es-ES" sz="1200" i="1" dirty="0" err="1">
-                <a:solidFill>
-                  <a:srgbClr val="222222"/>
-                </a:solidFill>
-                <a:latin typeface="Garamond" panose="02020404030301010803" pitchFamily="18" charset="0"/>
-              </a:rPr>
-              <a:t>battery</a:t>
-            </a:r>
-            <a:r>
-              <a:rPr lang="es-ES" sz="1200" i="1" dirty="0">
-                <a:solidFill>
-                  <a:srgbClr val="222222"/>
-                </a:solidFill>
-                <a:latin typeface="Garamond" panose="02020404030301010803" pitchFamily="18" charset="0"/>
-              </a:rPr>
-              <a:t>-free, multimodal </a:t>
-            </a:r>
-            <a:r>
-              <a:rPr lang="es-ES" sz="1200" i="1" dirty="0" err="1">
-                <a:solidFill>
-                  <a:srgbClr val="222222"/>
-                </a:solidFill>
-                <a:latin typeface="Garamond" panose="02020404030301010803" pitchFamily="18" charset="0"/>
-              </a:rPr>
-              <a:t>operation</a:t>
-            </a:r>
-            <a:r>
-              <a:rPr lang="es-ES" sz="1200" i="1" dirty="0">
-                <a:solidFill>
-                  <a:srgbClr val="222222"/>
-                </a:solidFill>
-                <a:latin typeface="Garamond" panose="02020404030301010803" pitchFamily="18" charset="0"/>
-              </a:rPr>
-              <a:t> in </a:t>
-            </a:r>
-            <a:r>
-              <a:rPr lang="es-ES" sz="1200" i="1" dirty="0" err="1">
-                <a:solidFill>
-                  <a:srgbClr val="222222"/>
-                </a:solidFill>
-                <a:latin typeface="Garamond" panose="02020404030301010803" pitchFamily="18" charset="0"/>
-              </a:rPr>
-              <a:t>neuroscience</a:t>
-            </a:r>
-            <a:r>
-              <a:rPr lang="es-ES" sz="1200" i="1" dirty="0">
-                <a:solidFill>
-                  <a:srgbClr val="222222"/>
-                </a:solidFill>
-                <a:latin typeface="Garamond" panose="02020404030301010803" pitchFamily="18" charset="0"/>
-              </a:rPr>
-              <a:t> </a:t>
-            </a:r>
-            <a:r>
-              <a:rPr lang="es-ES" sz="1200" i="1" dirty="0" err="1">
-                <a:solidFill>
-                  <a:srgbClr val="222222"/>
-                </a:solidFill>
-                <a:latin typeface="Garamond" panose="02020404030301010803" pitchFamily="18" charset="0"/>
-              </a:rPr>
-              <a:t>research</a:t>
-            </a:r>
-            <a:r>
-              <a:rPr lang="es-ES" sz="1200" i="1" dirty="0">
-                <a:solidFill>
-                  <a:srgbClr val="222222"/>
-                </a:solidFill>
-                <a:latin typeface="Garamond" panose="02020404030301010803" pitchFamily="18" charset="0"/>
-              </a:rPr>
-              <a:t> </a:t>
-            </a:r>
-            <a:r>
-              <a:rPr lang="es-ES" sz="1200" dirty="0">
-                <a:solidFill>
-                  <a:srgbClr val="222222"/>
-                </a:solidFill>
-                <a:latin typeface="Garamond" panose="02020404030301010803" pitchFamily="18" charset="0"/>
-              </a:rPr>
-              <a:t>(2018) in </a:t>
-            </a:r>
-            <a:r>
-              <a:rPr lang="es-ES" sz="1200" i="1" dirty="0" err="1">
-                <a:solidFill>
-                  <a:srgbClr val="222222"/>
-                </a:solidFill>
-                <a:latin typeface="Garamond" panose="02020404030301010803" pitchFamily="18" charset="0"/>
-              </a:rPr>
-              <a:t>Nature</a:t>
-            </a:r>
-            <a:r>
-              <a:rPr lang="es-ES" sz="1200" i="1" dirty="0">
-                <a:solidFill>
-                  <a:srgbClr val="222222"/>
-                </a:solidFill>
-                <a:latin typeface="Garamond" panose="02020404030301010803" pitchFamily="18" charset="0"/>
-              </a:rPr>
-              <a:t> </a:t>
-            </a:r>
-            <a:r>
-              <a:rPr lang="es-ES" sz="1200" i="1" dirty="0" err="1">
-                <a:solidFill>
-                  <a:srgbClr val="222222"/>
-                </a:solidFill>
-                <a:latin typeface="Garamond" panose="02020404030301010803" pitchFamily="18" charset="0"/>
-              </a:rPr>
-              <a:t>Electronics</a:t>
-            </a:r>
-            <a:r>
-              <a:rPr lang="es-ES" sz="1200" i="1" dirty="0">
-                <a:solidFill>
-                  <a:srgbClr val="222222"/>
-                </a:solidFill>
-                <a:latin typeface="Garamond" panose="02020404030301010803" pitchFamily="18" charset="0"/>
-              </a:rPr>
-              <a:t>:</a:t>
-            </a:r>
-            <a:endParaRPr lang="es-ES" sz="1000" i="1" dirty="0">
-              <a:solidFill>
-                <a:srgbClr val="222222"/>
-              </a:solidFill>
-              <a:latin typeface="Garamond" panose="02020404030301010803" pitchFamily="18" charset="0"/>
-            </a:endParaRPr>
+            <a:pPr algn="ctr"/>
+            <a:endParaRPr lang="es-ES" dirty="0"/>
           </a:p>
         </p:txBody>
       </p:sp>
+      <p:cxnSp>
+        <p:nvCxnSpPr>
+          <p:cNvPr id="29" name="Straight Connector 28">
+            <a:extLst>
+              <a:ext uri="{FF2B5EF4-FFF2-40B4-BE49-F238E27FC236}">
+                <a16:creationId xmlns:a16="http://schemas.microsoft.com/office/drawing/2014/main" id="{60ADC0F4-32BA-46C5-AA31-06E246ED8519}"/>
+              </a:ext>
+            </a:extLst>
+          </p:cNvPr>
+          <p:cNvCxnSpPr>
+            <a:stCxn id="15" idx="3"/>
+            <a:endCxn id="12" idx="1"/>
+          </p:cNvCxnSpPr>
+          <p:nvPr/>
+        </p:nvCxnSpPr>
+        <p:spPr>
+          <a:xfrm>
+            <a:off x="5122417" y="3429000"/>
+            <a:ext cx="376210" cy="1616"/>
+          </a:xfrm>
+          <a:prstGeom prst="line">
+            <a:avLst/>
+          </a:prstGeom>
+          <a:ln w="28575">
+            <a:solidFill>
+              <a:schemeClr val="bg2">
+                <a:lumMod val="50000"/>
+              </a:schemeClr>
+            </a:solidFill>
+          </a:ln>
+        </p:spPr>
+        <p:style>
+          <a:lnRef idx="1">
+            <a:schemeClr val="accent1"/>
+          </a:lnRef>
+          <a:fillRef idx="0">
+            <a:schemeClr val="accent1"/>
+          </a:fillRef>
+          <a:effectRef idx="0">
+            <a:schemeClr val="accent1"/>
+          </a:effectRef>
+          <a:fontRef idx="minor">
+            <a:schemeClr val="tx1"/>
+          </a:fontRef>
+        </p:style>
+      </p:cxnSp>
     </p:spTree>
     <p:extLst>
       <p:ext uri="{BB962C8B-B14F-4D97-AF65-F5344CB8AC3E}">
-        <p14:creationId xmlns:p14="http://schemas.microsoft.com/office/powerpoint/2010/main" val="3148621035"/>
+        <p14:creationId xmlns:p14="http://schemas.microsoft.com/office/powerpoint/2010/main" val="3079966668"/>
       </p:ext>
     </p:extLst>
   </p:cSld>
@@ -11568,168 +10187,6 @@
 </file>
 
 <file path=ppt/slides/slide5.xml><?xml version="1.0" encoding="utf-8"?>
-<p:sld xmlns:a="http://schemas.openxmlformats.org/drawingml/2006/main" xmlns:r="http://schemas.openxmlformats.org/officeDocument/2006/relationships" xmlns:p="http://schemas.openxmlformats.org/presentationml/2006/main">
-  <p:cSld>
-    <p:spTree>
-      <p:nvGrpSpPr>
-        <p:cNvPr id="1" name=""/>
-        <p:cNvGrpSpPr/>
-        <p:nvPr/>
-      </p:nvGrpSpPr>
-      <p:grpSpPr>
-        <a:xfrm>
-          <a:off x="0" y="0"/>
-          <a:ext cx="0" cy="0"/>
-          <a:chOff x="0" y="0"/>
-          <a:chExt cx="0" cy="0"/>
-        </a:xfrm>
-      </p:grpSpPr>
-      <p:sp>
-        <p:nvSpPr>
-          <p:cNvPr id="9" name="标题 8">
-            <a:extLst>
-              <a:ext uri="{FF2B5EF4-FFF2-40B4-BE49-F238E27FC236}">
-                <a16:creationId xmlns:a16="http://schemas.microsoft.com/office/drawing/2014/main" id="{CBBDCFAD-A00F-4327-A29B-83FD7FEB5998}"/>
-              </a:ext>
-            </a:extLst>
-          </p:cNvPr>
-          <p:cNvSpPr>
-            <a:spLocks noGrp="1"/>
-          </p:cNvSpPr>
-          <p:nvPr>
-            <p:ph type="title"/>
-          </p:nvPr>
-        </p:nvSpPr>
-        <p:spPr>
-          <a:xfrm>
-            <a:off x="0" y="0"/>
-            <a:ext cx="7886700" cy="1325563"/>
-          </a:xfrm>
-        </p:spPr>
-        <p:txBody>
-          <a:bodyPr/>
-          <a:lstStyle/>
-          <a:p>
-            <a:r>
-              <a:rPr lang="en-GB" dirty="0" err="1">
-                <a:latin typeface="Garamond" panose="02020404030301010803" pitchFamily="18" charset="0"/>
-              </a:rPr>
-              <a:t>Bioimplantable</a:t>
-            </a:r>
-            <a:r>
-              <a:rPr lang="en-GB" dirty="0">
-                <a:latin typeface="Garamond" panose="02020404030301010803" pitchFamily="18" charset="0"/>
-              </a:rPr>
-              <a:t> Device</a:t>
-            </a:r>
-          </a:p>
-        </p:txBody>
-      </p:sp>
-      <p:sp>
-        <p:nvSpPr>
-          <p:cNvPr id="2" name="TextBox 1">
-            <a:extLst>
-              <a:ext uri="{FF2B5EF4-FFF2-40B4-BE49-F238E27FC236}">
-                <a16:creationId xmlns:a16="http://schemas.microsoft.com/office/drawing/2014/main" id="{5B1E85A3-2890-471E-BCC9-EED2BDD19C0D}"/>
-              </a:ext>
-            </a:extLst>
-          </p:cNvPr>
-          <p:cNvSpPr txBox="1"/>
-          <p:nvPr/>
-        </p:nvSpPr>
-        <p:spPr>
-          <a:xfrm>
-            <a:off x="381837" y="1205802"/>
-            <a:ext cx="5325627" cy="461665"/>
-          </a:xfrm>
-          <a:prstGeom prst="rect">
-            <a:avLst/>
-          </a:prstGeom>
-          <a:noFill/>
-        </p:spPr>
-        <p:txBody>
-          <a:bodyPr wrap="square" rtlCol="0">
-            <a:spAutoFit/>
-          </a:bodyPr>
-          <a:lstStyle/>
-          <a:p>
-            <a:r>
-              <a:rPr lang="es-ES" sz="2400" dirty="0">
-                <a:latin typeface="Garamond" panose="02020404030301010803" pitchFamily="18" charset="0"/>
-              </a:rPr>
-              <a:t>1. </a:t>
-            </a:r>
-            <a:r>
-              <a:rPr lang="es-ES" sz="2400" dirty="0" err="1">
-                <a:latin typeface="Garamond" panose="02020404030301010803" pitchFamily="18" charset="0"/>
-              </a:rPr>
-              <a:t>Previous</a:t>
-            </a:r>
-            <a:r>
-              <a:rPr lang="es-ES" sz="2400" dirty="0">
-                <a:latin typeface="Garamond" panose="02020404030301010803" pitchFamily="18" charset="0"/>
-              </a:rPr>
-              <a:t> Works</a:t>
-            </a:r>
-          </a:p>
-        </p:txBody>
-      </p:sp>
-      <p:pic>
-        <p:nvPicPr>
-          <p:cNvPr id="7" name="Picture 6">
-            <a:extLst>
-              <a:ext uri="{FF2B5EF4-FFF2-40B4-BE49-F238E27FC236}">
-                <a16:creationId xmlns:a16="http://schemas.microsoft.com/office/drawing/2014/main" id="{6708DA42-7E0D-4121-9CC7-2306F3FBB9B9}"/>
-              </a:ext>
-            </a:extLst>
-          </p:cNvPr>
-          <p:cNvPicPr>
-            <a:picLocks noChangeAspect="1"/>
-          </p:cNvPicPr>
-          <p:nvPr/>
-        </p:nvPicPr>
-        <p:blipFill>
-          <a:blip r:embed="rId3">
-            <a:extLst>
-              <a:ext uri="{BEBA8EAE-BF5A-486C-A8C5-ECC9F3942E4B}">
-                <a14:imgProps xmlns:a14="http://schemas.microsoft.com/office/drawing/2010/main">
-                  <a14:imgLayer r:embed="rId4">
-                    <a14:imgEffect>
-                      <a14:sharpenSoften amount="25000"/>
-                    </a14:imgEffect>
-                  </a14:imgLayer>
-                </a14:imgProps>
-              </a:ext>
-            </a:extLst>
-          </a:blip>
-          <a:stretch>
-            <a:fillRect/>
-          </a:stretch>
-        </p:blipFill>
-        <p:spPr>
-          <a:xfrm>
-            <a:off x="1735216" y="2873269"/>
-            <a:ext cx="5819041" cy="1859645"/>
-          </a:xfrm>
-          <a:prstGeom prst="rect">
-            <a:avLst/>
-          </a:prstGeom>
-        </p:spPr>
-      </p:pic>
-    </p:spTree>
-    <p:extLst>
-      <p:ext uri="{BB962C8B-B14F-4D97-AF65-F5344CB8AC3E}">
-        <p14:creationId xmlns:p14="http://schemas.microsoft.com/office/powerpoint/2010/main" val="1199441026"/>
-      </p:ext>
-    </p:extLst>
-  </p:cSld>
-  <p:clrMapOvr>
-    <a:masterClrMapping/>
-  </p:clrMapOvr>
-</p:sld>
-</file>
-
-<file path=ppt/slides/slide6.xml><?xml version="1.0" encoding="utf-8"?>
 <p:sld xmlns:a="http://schemas.openxmlformats.org/drawingml/2006/main" xmlns:r="http://schemas.openxmlformats.org/officeDocument/2006/relationships" xmlns:p="http://schemas.openxmlformats.org/presentationml/2006/main">
   <p:cSld>
     <p:spTree>
@@ -12863,2058 +11320,6 @@
     <p:extLst>
       <p:ext uri="{BB962C8B-B14F-4D97-AF65-F5344CB8AC3E}">
         <p14:creationId xmlns:p14="http://schemas.microsoft.com/office/powerpoint/2010/main" val="20663585"/>
-      </p:ext>
-    </p:extLst>
-  </p:cSld>
-  <p:clrMapOvr>
-    <a:masterClrMapping/>
-  </p:clrMapOvr>
-</p:sld>
-</file>
-
-<file path=ppt/slides/slide7.xml><?xml version="1.0" encoding="utf-8"?>
-<p:sld xmlns:a="http://schemas.openxmlformats.org/drawingml/2006/main" xmlns:r="http://schemas.openxmlformats.org/officeDocument/2006/relationships" xmlns:p="http://schemas.openxmlformats.org/presentationml/2006/main">
-  <p:cSld>
-    <p:spTree>
-      <p:nvGrpSpPr>
-        <p:cNvPr id="1" name=""/>
-        <p:cNvGrpSpPr/>
-        <p:nvPr/>
-      </p:nvGrpSpPr>
-      <p:grpSpPr>
-        <a:xfrm>
-          <a:off x="0" y="0"/>
-          <a:ext cx="0" cy="0"/>
-          <a:chOff x="0" y="0"/>
-          <a:chExt cx="0" cy="0"/>
-        </a:xfrm>
-      </p:grpSpPr>
-      <p:sp>
-        <p:nvSpPr>
-          <p:cNvPr id="9" name="标题 8">
-            <a:extLst>
-              <a:ext uri="{FF2B5EF4-FFF2-40B4-BE49-F238E27FC236}">
-                <a16:creationId xmlns:a16="http://schemas.microsoft.com/office/drawing/2014/main" id="{CBBDCFAD-A00F-4327-A29B-83FD7FEB5998}"/>
-              </a:ext>
-            </a:extLst>
-          </p:cNvPr>
-          <p:cNvSpPr>
-            <a:spLocks noGrp="1"/>
-          </p:cNvSpPr>
-          <p:nvPr>
-            <p:ph type="title"/>
-          </p:nvPr>
-        </p:nvSpPr>
-        <p:spPr>
-          <a:xfrm>
-            <a:off x="0" y="0"/>
-            <a:ext cx="7886700" cy="1325563"/>
-          </a:xfrm>
-        </p:spPr>
-        <p:txBody>
-          <a:bodyPr/>
-          <a:lstStyle/>
-          <a:p>
-            <a:r>
-              <a:rPr lang="en-GB" dirty="0" err="1">
-                <a:latin typeface="Garamond" panose="02020404030301010803" pitchFamily="18" charset="0"/>
-              </a:rPr>
-              <a:t>Bioimplantable</a:t>
-            </a:r>
-            <a:r>
-              <a:rPr lang="en-GB" dirty="0">
-                <a:latin typeface="Garamond" panose="02020404030301010803" pitchFamily="18" charset="0"/>
-              </a:rPr>
-              <a:t> Device</a:t>
-            </a:r>
-          </a:p>
-        </p:txBody>
-      </p:sp>
-      <p:sp>
-        <p:nvSpPr>
-          <p:cNvPr id="2" name="TextBox 1">
-            <a:extLst>
-              <a:ext uri="{FF2B5EF4-FFF2-40B4-BE49-F238E27FC236}">
-                <a16:creationId xmlns:a16="http://schemas.microsoft.com/office/drawing/2014/main" id="{5B1E85A3-2890-471E-BCC9-EED2BDD19C0D}"/>
-              </a:ext>
-            </a:extLst>
-          </p:cNvPr>
-          <p:cNvSpPr txBox="1"/>
-          <p:nvPr/>
-        </p:nvSpPr>
-        <p:spPr>
-          <a:xfrm>
-            <a:off x="381837" y="1205802"/>
-            <a:ext cx="5325627" cy="461665"/>
-          </a:xfrm>
-          <a:prstGeom prst="rect">
-            <a:avLst/>
-          </a:prstGeom>
-          <a:noFill/>
-        </p:spPr>
-        <p:txBody>
-          <a:bodyPr wrap="square" rtlCol="0">
-            <a:spAutoFit/>
-          </a:bodyPr>
-          <a:lstStyle/>
-          <a:p>
-            <a:r>
-              <a:rPr lang="es-ES" sz="2400" dirty="0">
-                <a:latin typeface="Garamond" panose="02020404030301010803" pitchFamily="18" charset="0"/>
-              </a:rPr>
-              <a:t>1. </a:t>
-            </a:r>
-            <a:r>
-              <a:rPr lang="es-ES" sz="2400" dirty="0" err="1">
-                <a:latin typeface="Garamond" panose="02020404030301010803" pitchFamily="18" charset="0"/>
-              </a:rPr>
-              <a:t>Previous</a:t>
-            </a:r>
-            <a:r>
-              <a:rPr lang="es-ES" sz="2400" dirty="0">
-                <a:latin typeface="Garamond" panose="02020404030301010803" pitchFamily="18" charset="0"/>
-              </a:rPr>
-              <a:t> Works</a:t>
-            </a:r>
-          </a:p>
-        </p:txBody>
-      </p:sp>
-      <p:pic>
-        <p:nvPicPr>
-          <p:cNvPr id="10" name="Picture 9">
-            <a:extLst>
-              <a:ext uri="{FF2B5EF4-FFF2-40B4-BE49-F238E27FC236}">
-                <a16:creationId xmlns:a16="http://schemas.microsoft.com/office/drawing/2014/main" id="{CFFF8BE4-C19E-422A-9FCC-84B5626629C4}"/>
-              </a:ext>
-            </a:extLst>
-          </p:cNvPr>
-          <p:cNvPicPr>
-            <a:picLocks noChangeAspect="1"/>
-          </p:cNvPicPr>
-          <p:nvPr/>
-        </p:nvPicPr>
-        <p:blipFill rotWithShape="1">
-          <a:blip r:embed="rId3">
-            <a:extLst>
-              <a:ext uri="{BEBA8EAE-BF5A-486C-A8C5-ECC9F3942E4B}">
-                <a14:imgProps xmlns:a14="http://schemas.microsoft.com/office/drawing/2010/main">
-                  <a14:imgLayer r:embed="rId4">
-                    <a14:imgEffect>
-                      <a14:sharpenSoften amount="50000"/>
-                    </a14:imgEffect>
-                  </a14:imgLayer>
-                </a14:imgProps>
-              </a:ext>
-            </a:extLst>
-          </a:blip>
-          <a:srcRect t="13523"/>
-          <a:stretch/>
-        </p:blipFill>
-        <p:spPr>
-          <a:xfrm>
-            <a:off x="747712" y="2568102"/>
-            <a:ext cx="7648575" cy="3496809"/>
-          </a:xfrm>
-          <a:prstGeom prst="rect">
-            <a:avLst/>
-          </a:prstGeom>
-        </p:spPr>
-      </p:pic>
-      <p:sp>
-        <p:nvSpPr>
-          <p:cNvPr id="11" name="Rectangle 10">
-            <a:extLst>
-              <a:ext uri="{FF2B5EF4-FFF2-40B4-BE49-F238E27FC236}">
-                <a16:creationId xmlns:a16="http://schemas.microsoft.com/office/drawing/2014/main" id="{1BC4AFB2-C2A1-4FB2-A13C-3ABD7346F1A3}"/>
-              </a:ext>
-            </a:extLst>
-          </p:cNvPr>
-          <p:cNvSpPr/>
-          <p:nvPr/>
-        </p:nvSpPr>
-        <p:spPr>
-          <a:xfrm>
-            <a:off x="214048" y="2125121"/>
-            <a:ext cx="10515917" cy="338554"/>
-          </a:xfrm>
-          <a:prstGeom prst="rect">
-            <a:avLst/>
-          </a:prstGeom>
-        </p:spPr>
-        <p:txBody>
-          <a:bodyPr wrap="square">
-            <a:spAutoFit/>
-          </a:bodyPr>
-          <a:lstStyle/>
-          <a:p>
-            <a:r>
-              <a:rPr lang="es-ES" sz="1600" b="1" dirty="0">
-                <a:solidFill>
-                  <a:srgbClr val="222222"/>
-                </a:solidFill>
-                <a:latin typeface="Garamond" panose="02020404030301010803" pitchFamily="18" charset="0"/>
-              </a:rPr>
-              <a:t>In </a:t>
-            </a:r>
-            <a:r>
-              <a:rPr lang="es-ES" sz="1600" b="1" dirty="0" err="1">
-                <a:solidFill>
-                  <a:srgbClr val="222222"/>
-                </a:solidFill>
-                <a:latin typeface="Garamond" panose="02020404030301010803" pitchFamily="18" charset="0"/>
-              </a:rPr>
-              <a:t>their</a:t>
-            </a:r>
-            <a:r>
-              <a:rPr lang="es-ES" sz="1600" b="1" dirty="0">
-                <a:solidFill>
-                  <a:srgbClr val="222222"/>
-                </a:solidFill>
-                <a:latin typeface="Garamond" panose="02020404030301010803" pitchFamily="18" charset="0"/>
-              </a:rPr>
-              <a:t> </a:t>
-            </a:r>
-            <a:r>
-              <a:rPr lang="es-ES" sz="1600" b="1" dirty="0" err="1">
-                <a:solidFill>
-                  <a:srgbClr val="222222"/>
-                </a:solidFill>
-                <a:latin typeface="Garamond" panose="02020404030301010803" pitchFamily="18" charset="0"/>
-              </a:rPr>
-              <a:t>work</a:t>
-            </a:r>
-            <a:r>
-              <a:rPr lang="es-ES" sz="1600" b="1" dirty="0">
-                <a:solidFill>
-                  <a:srgbClr val="222222"/>
-                </a:solidFill>
-                <a:latin typeface="Garamond" panose="02020404030301010803" pitchFamily="18" charset="0"/>
-              </a:rPr>
-              <a:t> </a:t>
-            </a:r>
-            <a:r>
-              <a:rPr lang="es-ES" sz="1600" i="1" dirty="0">
-                <a:solidFill>
-                  <a:srgbClr val="222222"/>
-                </a:solidFill>
-                <a:latin typeface="Garamond" panose="02020404030301010803" pitchFamily="18" charset="0"/>
-              </a:rPr>
-              <a:t>A </a:t>
-            </a:r>
-            <a:r>
-              <a:rPr lang="es-ES" sz="1600" i="1" dirty="0" err="1">
-                <a:solidFill>
-                  <a:srgbClr val="222222"/>
-                </a:solidFill>
-                <a:latin typeface="Garamond" panose="02020404030301010803" pitchFamily="18" charset="0"/>
-              </a:rPr>
-              <a:t>wireless</a:t>
-            </a:r>
-            <a:r>
-              <a:rPr lang="es-ES" sz="1600" i="1" dirty="0">
-                <a:solidFill>
-                  <a:srgbClr val="222222"/>
-                </a:solidFill>
-                <a:latin typeface="Garamond" panose="02020404030301010803" pitchFamily="18" charset="0"/>
-              </a:rPr>
-              <a:t> </a:t>
-            </a:r>
-            <a:r>
-              <a:rPr lang="es-ES" sz="1600" i="1" dirty="0" err="1">
-                <a:solidFill>
-                  <a:srgbClr val="222222"/>
-                </a:solidFill>
-                <a:latin typeface="Garamond" panose="02020404030301010803" pitchFamily="18" charset="0"/>
-              </a:rPr>
-              <a:t>closed-loop</a:t>
-            </a:r>
-            <a:r>
-              <a:rPr lang="es-ES" sz="1600" i="1" dirty="0">
-                <a:solidFill>
-                  <a:srgbClr val="222222"/>
-                </a:solidFill>
-                <a:latin typeface="Garamond" panose="02020404030301010803" pitchFamily="18" charset="0"/>
-              </a:rPr>
-              <a:t> </a:t>
-            </a:r>
-            <a:r>
-              <a:rPr lang="es-ES" sz="1600" i="1" dirty="0" err="1">
-                <a:solidFill>
-                  <a:srgbClr val="222222"/>
-                </a:solidFill>
-                <a:latin typeface="Garamond" panose="02020404030301010803" pitchFamily="18" charset="0"/>
-              </a:rPr>
-              <a:t>system</a:t>
-            </a:r>
-            <a:r>
-              <a:rPr lang="es-ES" sz="1600" i="1" dirty="0">
-                <a:solidFill>
-                  <a:srgbClr val="222222"/>
-                </a:solidFill>
-                <a:latin typeface="Garamond" panose="02020404030301010803" pitchFamily="18" charset="0"/>
-              </a:rPr>
-              <a:t> </a:t>
-            </a:r>
-            <a:r>
-              <a:rPr lang="es-ES" sz="1600" i="1" dirty="0" err="1">
-                <a:solidFill>
-                  <a:srgbClr val="222222"/>
-                </a:solidFill>
-                <a:latin typeface="Garamond" panose="02020404030301010803" pitchFamily="18" charset="0"/>
-              </a:rPr>
-              <a:t>for</a:t>
-            </a:r>
-            <a:r>
-              <a:rPr lang="es-ES" sz="1600" i="1" dirty="0">
-                <a:solidFill>
-                  <a:srgbClr val="222222"/>
-                </a:solidFill>
-                <a:latin typeface="Garamond" panose="02020404030301010803" pitchFamily="18" charset="0"/>
-              </a:rPr>
-              <a:t> </a:t>
-            </a:r>
-            <a:r>
-              <a:rPr lang="es-ES" sz="1600" i="1" dirty="0" err="1">
-                <a:solidFill>
-                  <a:srgbClr val="222222"/>
-                </a:solidFill>
-                <a:latin typeface="Garamond" panose="02020404030301010803" pitchFamily="18" charset="0"/>
-              </a:rPr>
-              <a:t>optogenetic</a:t>
-            </a:r>
-            <a:r>
-              <a:rPr lang="es-ES" sz="1600" i="1" dirty="0">
-                <a:solidFill>
-                  <a:srgbClr val="222222"/>
-                </a:solidFill>
-                <a:latin typeface="Garamond" panose="02020404030301010803" pitchFamily="18" charset="0"/>
-              </a:rPr>
-              <a:t> </a:t>
-            </a:r>
-            <a:r>
-              <a:rPr lang="es-ES" sz="1600" i="1" dirty="0" err="1">
-                <a:solidFill>
-                  <a:srgbClr val="222222"/>
-                </a:solidFill>
-                <a:latin typeface="Garamond" panose="02020404030301010803" pitchFamily="18" charset="0"/>
-              </a:rPr>
-              <a:t>peripheral</a:t>
-            </a:r>
-            <a:r>
-              <a:rPr lang="es-ES" sz="1600" i="1" dirty="0">
-                <a:solidFill>
-                  <a:srgbClr val="222222"/>
-                </a:solidFill>
-                <a:latin typeface="Garamond" panose="02020404030301010803" pitchFamily="18" charset="0"/>
-              </a:rPr>
-              <a:t> </a:t>
-            </a:r>
-            <a:r>
-              <a:rPr lang="es-ES" sz="1600" i="1" dirty="0" err="1">
-                <a:solidFill>
-                  <a:srgbClr val="222222"/>
-                </a:solidFill>
-                <a:latin typeface="Garamond" panose="02020404030301010803" pitchFamily="18" charset="0"/>
-              </a:rPr>
-              <a:t>neuromodulation</a:t>
-            </a:r>
-            <a:r>
-              <a:rPr lang="es-ES" sz="1600" i="1" dirty="0">
-                <a:solidFill>
-                  <a:srgbClr val="222222"/>
-                </a:solidFill>
-                <a:latin typeface="Garamond" panose="02020404030301010803" pitchFamily="18" charset="0"/>
-              </a:rPr>
-              <a:t> </a:t>
-            </a:r>
-            <a:r>
-              <a:rPr lang="es-ES" sz="1600" dirty="0">
-                <a:solidFill>
-                  <a:srgbClr val="222222"/>
-                </a:solidFill>
-                <a:latin typeface="Garamond" panose="02020404030301010803" pitchFamily="18" charset="0"/>
-              </a:rPr>
-              <a:t>(2019) in </a:t>
-            </a:r>
-            <a:r>
-              <a:rPr lang="es-ES" sz="1600" i="1" dirty="0" err="1">
-                <a:solidFill>
-                  <a:srgbClr val="222222"/>
-                </a:solidFill>
-                <a:latin typeface="Garamond" panose="02020404030301010803" pitchFamily="18" charset="0"/>
-              </a:rPr>
-              <a:t>Nature</a:t>
-            </a:r>
-            <a:r>
-              <a:rPr lang="es-ES" sz="1600" i="1" dirty="0">
-                <a:solidFill>
-                  <a:srgbClr val="222222"/>
-                </a:solidFill>
-                <a:latin typeface="Garamond" panose="02020404030301010803" pitchFamily="18" charset="0"/>
-              </a:rPr>
-              <a:t>:</a:t>
-            </a:r>
-            <a:endParaRPr lang="es-ES" sz="1100" i="1" dirty="0">
-              <a:solidFill>
-                <a:srgbClr val="222222"/>
-              </a:solidFill>
-              <a:latin typeface="Garamond" panose="02020404030301010803" pitchFamily="18" charset="0"/>
-            </a:endParaRPr>
-          </a:p>
-        </p:txBody>
-      </p:sp>
-      <p:sp>
-        <p:nvSpPr>
-          <p:cNvPr id="12" name="Rectangle 11">
-            <a:extLst>
-              <a:ext uri="{FF2B5EF4-FFF2-40B4-BE49-F238E27FC236}">
-                <a16:creationId xmlns:a16="http://schemas.microsoft.com/office/drawing/2014/main" id="{0501169C-2F43-44F4-8799-543A7BCB58E7}"/>
-              </a:ext>
-            </a:extLst>
-          </p:cNvPr>
-          <p:cNvSpPr/>
-          <p:nvPr/>
-        </p:nvSpPr>
-        <p:spPr>
-          <a:xfrm>
-            <a:off x="1303515" y="6016529"/>
-            <a:ext cx="9603074" cy="253916"/>
-          </a:xfrm>
-          <a:prstGeom prst="rect">
-            <a:avLst/>
-          </a:prstGeom>
-        </p:spPr>
-        <p:txBody>
-          <a:bodyPr wrap="square">
-            <a:spAutoFit/>
-          </a:bodyPr>
-          <a:lstStyle/>
-          <a:p>
-            <a:r>
-              <a:rPr lang="es-ES" sz="1050" b="1" dirty="0" err="1">
-                <a:solidFill>
-                  <a:srgbClr val="222222"/>
-                </a:solidFill>
-                <a:latin typeface="Garamond" panose="02020404030301010803" pitchFamily="18" charset="0"/>
-              </a:rPr>
-              <a:t>Mickle</a:t>
-            </a:r>
-            <a:r>
-              <a:rPr lang="es-ES" sz="1050" b="1" dirty="0">
-                <a:solidFill>
-                  <a:srgbClr val="222222"/>
-                </a:solidFill>
-                <a:latin typeface="Garamond" panose="02020404030301010803" pitchFamily="18" charset="0"/>
-              </a:rPr>
-              <a:t>, A. D., Won, S. M., … Rogers, J.</a:t>
-            </a:r>
-            <a:r>
-              <a:rPr lang="es-ES" sz="1050" dirty="0">
-                <a:solidFill>
-                  <a:srgbClr val="222222"/>
-                </a:solidFill>
-                <a:latin typeface="Garamond" panose="02020404030301010803" pitchFamily="18" charset="0"/>
-              </a:rPr>
-              <a:t>(2019</a:t>
-            </a:r>
-            <a:r>
-              <a:rPr lang="es-ES" sz="1050" i="1" dirty="0">
-                <a:solidFill>
-                  <a:srgbClr val="222222"/>
-                </a:solidFill>
-                <a:latin typeface="Garamond" panose="02020404030301010803" pitchFamily="18" charset="0"/>
-              </a:rPr>
-              <a:t>). A </a:t>
-            </a:r>
-            <a:r>
-              <a:rPr lang="es-ES" sz="1050" i="1" dirty="0" err="1">
-                <a:solidFill>
-                  <a:srgbClr val="222222"/>
-                </a:solidFill>
-                <a:latin typeface="Garamond" panose="02020404030301010803" pitchFamily="18" charset="0"/>
-              </a:rPr>
-              <a:t>wireless</a:t>
-            </a:r>
-            <a:r>
-              <a:rPr lang="es-ES" sz="1050" i="1" dirty="0">
-                <a:solidFill>
-                  <a:srgbClr val="222222"/>
-                </a:solidFill>
-                <a:latin typeface="Garamond" panose="02020404030301010803" pitchFamily="18" charset="0"/>
-              </a:rPr>
-              <a:t> </a:t>
-            </a:r>
-            <a:r>
-              <a:rPr lang="es-ES" sz="1050" i="1" dirty="0" err="1">
-                <a:solidFill>
-                  <a:srgbClr val="222222"/>
-                </a:solidFill>
-                <a:latin typeface="Garamond" panose="02020404030301010803" pitchFamily="18" charset="0"/>
-              </a:rPr>
-              <a:t>closed-loop</a:t>
-            </a:r>
-            <a:r>
-              <a:rPr lang="es-ES" sz="1050" i="1" dirty="0">
-                <a:solidFill>
-                  <a:srgbClr val="222222"/>
-                </a:solidFill>
-                <a:latin typeface="Garamond" panose="02020404030301010803" pitchFamily="18" charset="0"/>
-              </a:rPr>
-              <a:t> </a:t>
-            </a:r>
-            <a:r>
-              <a:rPr lang="es-ES" sz="1050" i="1" dirty="0" err="1">
-                <a:solidFill>
-                  <a:srgbClr val="222222"/>
-                </a:solidFill>
-                <a:latin typeface="Garamond" panose="02020404030301010803" pitchFamily="18" charset="0"/>
-              </a:rPr>
-              <a:t>system</a:t>
-            </a:r>
-            <a:r>
-              <a:rPr lang="es-ES" sz="1050" i="1" dirty="0">
-                <a:solidFill>
-                  <a:srgbClr val="222222"/>
-                </a:solidFill>
-                <a:latin typeface="Garamond" panose="02020404030301010803" pitchFamily="18" charset="0"/>
-              </a:rPr>
-              <a:t> </a:t>
-            </a:r>
-            <a:r>
-              <a:rPr lang="es-ES" sz="1050" i="1" dirty="0" err="1">
-                <a:solidFill>
-                  <a:srgbClr val="222222"/>
-                </a:solidFill>
-                <a:latin typeface="Garamond" panose="02020404030301010803" pitchFamily="18" charset="0"/>
-              </a:rPr>
-              <a:t>for</a:t>
-            </a:r>
-            <a:r>
-              <a:rPr lang="es-ES" sz="1050" i="1" dirty="0">
-                <a:solidFill>
-                  <a:srgbClr val="222222"/>
-                </a:solidFill>
-                <a:latin typeface="Garamond" panose="02020404030301010803" pitchFamily="18" charset="0"/>
-              </a:rPr>
-              <a:t> </a:t>
-            </a:r>
-            <a:r>
-              <a:rPr lang="es-ES" sz="1050" i="1" dirty="0" err="1">
-                <a:solidFill>
-                  <a:srgbClr val="222222"/>
-                </a:solidFill>
-                <a:latin typeface="Garamond" panose="02020404030301010803" pitchFamily="18" charset="0"/>
-              </a:rPr>
-              <a:t>optogenetic</a:t>
-            </a:r>
-            <a:r>
-              <a:rPr lang="es-ES" sz="1050" i="1" dirty="0">
-                <a:solidFill>
-                  <a:srgbClr val="222222"/>
-                </a:solidFill>
-                <a:latin typeface="Garamond" panose="02020404030301010803" pitchFamily="18" charset="0"/>
-              </a:rPr>
-              <a:t> </a:t>
-            </a:r>
-            <a:r>
-              <a:rPr lang="es-ES" sz="1050" i="1" dirty="0" err="1">
-                <a:solidFill>
-                  <a:srgbClr val="222222"/>
-                </a:solidFill>
-                <a:latin typeface="Garamond" panose="02020404030301010803" pitchFamily="18" charset="0"/>
-              </a:rPr>
-              <a:t>peripheral</a:t>
-            </a:r>
-            <a:r>
-              <a:rPr lang="es-ES" sz="1050" i="1" dirty="0">
-                <a:solidFill>
-                  <a:srgbClr val="222222"/>
-                </a:solidFill>
-                <a:latin typeface="Garamond" panose="02020404030301010803" pitchFamily="18" charset="0"/>
-              </a:rPr>
-              <a:t> </a:t>
-            </a:r>
-            <a:r>
-              <a:rPr lang="es-ES" sz="1050" i="1" dirty="0" err="1">
-                <a:solidFill>
-                  <a:srgbClr val="222222"/>
-                </a:solidFill>
-                <a:latin typeface="Garamond" panose="02020404030301010803" pitchFamily="18" charset="0"/>
-              </a:rPr>
-              <a:t>neuromodulation</a:t>
-            </a:r>
-            <a:r>
-              <a:rPr lang="es-ES" sz="1050" dirty="0">
-                <a:solidFill>
-                  <a:srgbClr val="222222"/>
-                </a:solidFill>
-                <a:latin typeface="Garamond" panose="02020404030301010803" pitchFamily="18" charset="0"/>
-              </a:rPr>
-              <a:t>. </a:t>
-            </a:r>
-            <a:r>
-              <a:rPr lang="es-ES" sz="1050" dirty="0" err="1">
-                <a:solidFill>
-                  <a:srgbClr val="222222"/>
-                </a:solidFill>
-                <a:latin typeface="Garamond" panose="02020404030301010803" pitchFamily="18" charset="0"/>
-              </a:rPr>
-              <a:t>Nature</a:t>
-            </a:r>
-            <a:r>
-              <a:rPr lang="es-ES" sz="1050" dirty="0">
-                <a:solidFill>
-                  <a:srgbClr val="222222"/>
-                </a:solidFill>
-                <a:latin typeface="Garamond" panose="02020404030301010803" pitchFamily="18" charset="0"/>
-              </a:rPr>
-              <a:t>, 565(7739), 361.</a:t>
-            </a:r>
-          </a:p>
-        </p:txBody>
-      </p:sp>
-    </p:spTree>
-    <p:extLst>
-      <p:ext uri="{BB962C8B-B14F-4D97-AF65-F5344CB8AC3E}">
-        <p14:creationId xmlns:p14="http://schemas.microsoft.com/office/powerpoint/2010/main" val="3845961750"/>
-      </p:ext>
-    </p:extLst>
-  </p:cSld>
-  <p:clrMapOvr>
-    <a:masterClrMapping/>
-  </p:clrMapOvr>
-</p:sld>
-</file>
-
-<file path=ppt/slides/slide8.xml><?xml version="1.0" encoding="utf-8"?>
-<p:sld xmlns:a="http://schemas.openxmlformats.org/drawingml/2006/main" xmlns:r="http://schemas.openxmlformats.org/officeDocument/2006/relationships" xmlns:p="http://schemas.openxmlformats.org/presentationml/2006/main">
-  <p:cSld>
-    <p:spTree>
-      <p:nvGrpSpPr>
-        <p:cNvPr id="1" name=""/>
-        <p:cNvGrpSpPr/>
-        <p:nvPr/>
-      </p:nvGrpSpPr>
-      <p:grpSpPr>
-        <a:xfrm>
-          <a:off x="0" y="0"/>
-          <a:ext cx="0" cy="0"/>
-          <a:chOff x="0" y="0"/>
-          <a:chExt cx="0" cy="0"/>
-        </a:xfrm>
-      </p:grpSpPr>
-      <p:sp>
-        <p:nvSpPr>
-          <p:cNvPr id="9" name="标题 8">
-            <a:extLst>
-              <a:ext uri="{FF2B5EF4-FFF2-40B4-BE49-F238E27FC236}">
-                <a16:creationId xmlns:a16="http://schemas.microsoft.com/office/drawing/2014/main" id="{CBBDCFAD-A00F-4327-A29B-83FD7FEB5998}"/>
-              </a:ext>
-            </a:extLst>
-          </p:cNvPr>
-          <p:cNvSpPr>
-            <a:spLocks noGrp="1"/>
-          </p:cNvSpPr>
-          <p:nvPr>
-            <p:ph type="title"/>
-          </p:nvPr>
-        </p:nvSpPr>
-        <p:spPr>
-          <a:xfrm>
-            <a:off x="0" y="0"/>
-            <a:ext cx="7886700" cy="1325563"/>
-          </a:xfrm>
-        </p:spPr>
-        <p:txBody>
-          <a:bodyPr/>
-          <a:lstStyle/>
-          <a:p>
-            <a:r>
-              <a:rPr lang="en-GB" dirty="0" err="1">
-                <a:latin typeface="Garamond" panose="02020404030301010803" pitchFamily="18" charset="0"/>
-              </a:rPr>
-              <a:t>Bioimplantable</a:t>
-            </a:r>
-            <a:r>
-              <a:rPr lang="en-GB" dirty="0">
-                <a:latin typeface="Garamond" panose="02020404030301010803" pitchFamily="18" charset="0"/>
-              </a:rPr>
-              <a:t> Device</a:t>
-            </a:r>
-          </a:p>
-        </p:txBody>
-      </p:sp>
-      <p:sp>
-        <p:nvSpPr>
-          <p:cNvPr id="2" name="TextBox 1">
-            <a:extLst>
-              <a:ext uri="{FF2B5EF4-FFF2-40B4-BE49-F238E27FC236}">
-                <a16:creationId xmlns:a16="http://schemas.microsoft.com/office/drawing/2014/main" id="{5B1E85A3-2890-471E-BCC9-EED2BDD19C0D}"/>
-              </a:ext>
-            </a:extLst>
-          </p:cNvPr>
-          <p:cNvSpPr txBox="1"/>
-          <p:nvPr/>
-        </p:nvSpPr>
-        <p:spPr>
-          <a:xfrm>
-            <a:off x="381837" y="1205802"/>
-            <a:ext cx="5325627" cy="461665"/>
-          </a:xfrm>
-          <a:prstGeom prst="rect">
-            <a:avLst/>
-          </a:prstGeom>
-          <a:noFill/>
-        </p:spPr>
-        <p:txBody>
-          <a:bodyPr wrap="square" rtlCol="0">
-            <a:spAutoFit/>
-          </a:bodyPr>
-          <a:lstStyle/>
-          <a:p>
-            <a:r>
-              <a:rPr lang="es-ES" sz="2400" dirty="0">
-                <a:latin typeface="Garamond" panose="02020404030301010803" pitchFamily="18" charset="0"/>
-              </a:rPr>
-              <a:t>1. </a:t>
-            </a:r>
-            <a:r>
-              <a:rPr lang="es-ES" sz="2400" dirty="0" err="1">
-                <a:latin typeface="Garamond" panose="02020404030301010803" pitchFamily="18" charset="0"/>
-              </a:rPr>
-              <a:t>Previous</a:t>
-            </a:r>
-            <a:r>
-              <a:rPr lang="es-ES" sz="2400" dirty="0">
-                <a:latin typeface="Garamond" panose="02020404030301010803" pitchFamily="18" charset="0"/>
-              </a:rPr>
-              <a:t> Works</a:t>
-            </a:r>
-          </a:p>
-        </p:txBody>
-      </p:sp>
-      <p:sp>
-        <p:nvSpPr>
-          <p:cNvPr id="10" name="TextBox 9">
-            <a:extLst>
-              <a:ext uri="{FF2B5EF4-FFF2-40B4-BE49-F238E27FC236}">
-                <a16:creationId xmlns:a16="http://schemas.microsoft.com/office/drawing/2014/main" id="{030C625C-7C85-4CFB-8452-89D667368E54}"/>
-              </a:ext>
-            </a:extLst>
-          </p:cNvPr>
-          <p:cNvSpPr txBox="1"/>
-          <p:nvPr/>
-        </p:nvSpPr>
-        <p:spPr>
-          <a:xfrm>
-            <a:off x="475622" y="1833219"/>
-            <a:ext cx="9034337" cy="369332"/>
-          </a:xfrm>
-          <a:prstGeom prst="rect">
-            <a:avLst/>
-          </a:prstGeom>
-          <a:noFill/>
-        </p:spPr>
-        <p:txBody>
-          <a:bodyPr wrap="square" rtlCol="0">
-            <a:spAutoFit/>
-          </a:bodyPr>
-          <a:lstStyle/>
-          <a:p>
-            <a:r>
-              <a:rPr lang="en-GB" b="1" dirty="0">
-                <a:latin typeface="Garamond" panose="02020404030301010803" pitchFamily="18" charset="0"/>
-              </a:rPr>
-              <a:t>Ada Poon’ Research Group </a:t>
-            </a:r>
-            <a:r>
-              <a:rPr lang="en-GB" dirty="0">
-                <a:latin typeface="Garamond" panose="02020404030301010803" pitchFamily="18" charset="0"/>
-                <a:sym typeface="Wingdings" panose="05000000000000000000" pitchFamily="2" charset="2"/>
-              </a:rPr>
-              <a:t> Simple design with a magnetic coupling.</a:t>
-            </a:r>
-            <a:endParaRPr lang="en-GB" dirty="0">
-              <a:latin typeface="Garamond" panose="02020404030301010803" pitchFamily="18" charset="0"/>
-            </a:endParaRPr>
-          </a:p>
-        </p:txBody>
-      </p:sp>
-      <p:pic>
-        <p:nvPicPr>
-          <p:cNvPr id="11" name="Picture 10">
-            <a:extLst>
-              <a:ext uri="{FF2B5EF4-FFF2-40B4-BE49-F238E27FC236}">
-                <a16:creationId xmlns:a16="http://schemas.microsoft.com/office/drawing/2014/main" id="{26379BD2-8759-4412-8B7A-836D496E3453}"/>
-              </a:ext>
-            </a:extLst>
-          </p:cNvPr>
-          <p:cNvPicPr>
-            <a:picLocks noChangeAspect="1"/>
-          </p:cNvPicPr>
-          <p:nvPr/>
-        </p:nvPicPr>
-        <p:blipFill>
-          <a:blip r:embed="rId3">
-            <a:extLst>
-              <a:ext uri="{BEBA8EAE-BF5A-486C-A8C5-ECC9F3942E4B}">
-                <a14:imgProps xmlns:a14="http://schemas.microsoft.com/office/drawing/2010/main">
-                  <a14:imgLayer r:embed="rId4">
-                    <a14:imgEffect>
-                      <a14:sharpenSoften amount="50000"/>
-                    </a14:imgEffect>
-                  </a14:imgLayer>
-                </a14:imgProps>
-              </a:ext>
-            </a:extLst>
-          </a:blip>
-          <a:stretch>
-            <a:fillRect/>
-          </a:stretch>
-        </p:blipFill>
-        <p:spPr>
-          <a:xfrm>
-            <a:off x="1731751" y="2368303"/>
-            <a:ext cx="5680497" cy="2644369"/>
-          </a:xfrm>
-          <a:prstGeom prst="rect">
-            <a:avLst/>
-          </a:prstGeom>
-        </p:spPr>
-      </p:pic>
-      <p:sp>
-        <p:nvSpPr>
-          <p:cNvPr id="12" name="Rectangle 11">
-            <a:extLst>
-              <a:ext uri="{FF2B5EF4-FFF2-40B4-BE49-F238E27FC236}">
-                <a16:creationId xmlns:a16="http://schemas.microsoft.com/office/drawing/2014/main" id="{A657FE34-10D7-4F75-A2C9-A0D2FCF7C28C}"/>
-              </a:ext>
-            </a:extLst>
-          </p:cNvPr>
-          <p:cNvSpPr/>
-          <p:nvPr/>
-        </p:nvSpPr>
-        <p:spPr>
-          <a:xfrm>
-            <a:off x="1557494" y="5224835"/>
-            <a:ext cx="6029011" cy="400110"/>
-          </a:xfrm>
-          <a:prstGeom prst="rect">
-            <a:avLst/>
-          </a:prstGeom>
-        </p:spPr>
-        <p:txBody>
-          <a:bodyPr wrap="square">
-            <a:spAutoFit/>
-          </a:bodyPr>
-          <a:lstStyle/>
-          <a:p>
-            <a:r>
-              <a:rPr lang="en-US" sz="1000" b="1" dirty="0">
-                <a:latin typeface="Garamond" panose="02020404030301010803" pitchFamily="18" charset="0"/>
-              </a:rPr>
-              <a:t>Ho, J. S., Tanabe, Y., </a:t>
-            </a:r>
-            <a:r>
-              <a:rPr lang="en-US" sz="1000" b="1" dirty="0" err="1">
-                <a:latin typeface="Garamond" panose="02020404030301010803" pitchFamily="18" charset="0"/>
-              </a:rPr>
-              <a:t>Iyer</a:t>
-            </a:r>
-            <a:r>
-              <a:rPr lang="en-US" sz="1000" b="1" dirty="0">
-                <a:latin typeface="Garamond" panose="02020404030301010803" pitchFamily="18" charset="0"/>
-              </a:rPr>
-              <a:t>, S. M., Christensen, A. J., Grosenick, L., </a:t>
-            </a:r>
-            <a:r>
-              <a:rPr lang="en-US" sz="1000" b="1" dirty="0" err="1">
-                <a:latin typeface="Garamond" panose="02020404030301010803" pitchFamily="18" charset="0"/>
-              </a:rPr>
-              <a:t>Deisseroth</a:t>
-            </a:r>
-            <a:r>
-              <a:rPr lang="en-US" sz="1000" b="1" dirty="0">
-                <a:latin typeface="Garamond" panose="02020404030301010803" pitchFamily="18" charset="0"/>
-              </a:rPr>
-              <a:t>, K., ... &amp; Poon, A. S. </a:t>
-            </a:r>
-            <a:r>
-              <a:rPr lang="en-US" sz="1000" dirty="0">
-                <a:latin typeface="Garamond" panose="02020404030301010803" pitchFamily="18" charset="0"/>
-              </a:rPr>
-              <a:t>(2015). </a:t>
-            </a:r>
-            <a:r>
-              <a:rPr lang="en-US" sz="1000" i="1" dirty="0">
-                <a:latin typeface="Garamond" panose="02020404030301010803" pitchFamily="18" charset="0"/>
-              </a:rPr>
-              <a:t>Self-tracking energy transfer for neural stimulation in untethered mice</a:t>
-            </a:r>
-            <a:r>
-              <a:rPr lang="en-US" sz="1000" dirty="0">
-                <a:latin typeface="Garamond" panose="02020404030301010803" pitchFamily="18" charset="0"/>
-              </a:rPr>
-              <a:t>. </a:t>
-            </a:r>
-            <a:r>
-              <a:rPr lang="en-US" sz="1000" i="1" dirty="0">
-                <a:latin typeface="Garamond" panose="02020404030301010803" pitchFamily="18" charset="0"/>
-              </a:rPr>
-              <a:t>Physical Review Applied</a:t>
-            </a:r>
-            <a:r>
-              <a:rPr lang="en-US" sz="1000" dirty="0">
-                <a:latin typeface="Garamond" panose="02020404030301010803" pitchFamily="18" charset="0"/>
-              </a:rPr>
-              <a:t>, </a:t>
-            </a:r>
-            <a:r>
-              <a:rPr lang="en-US" sz="1000" i="1" dirty="0">
-                <a:latin typeface="Garamond" panose="02020404030301010803" pitchFamily="18" charset="0"/>
-              </a:rPr>
-              <a:t>4</a:t>
-            </a:r>
-            <a:r>
-              <a:rPr lang="en-US" sz="1000" dirty="0">
-                <a:latin typeface="Garamond" panose="02020404030301010803" pitchFamily="18" charset="0"/>
-              </a:rPr>
-              <a:t>(2), 024001.</a:t>
-            </a:r>
-            <a:endParaRPr lang="es-ES" sz="1000" dirty="0">
-              <a:solidFill>
-                <a:srgbClr val="222222"/>
-              </a:solidFill>
-              <a:latin typeface="Garamond" panose="02020404030301010803" pitchFamily="18" charset="0"/>
-            </a:endParaRPr>
-          </a:p>
-        </p:txBody>
-      </p:sp>
-    </p:spTree>
-    <p:extLst>
-      <p:ext uri="{BB962C8B-B14F-4D97-AF65-F5344CB8AC3E}">
-        <p14:creationId xmlns:p14="http://schemas.microsoft.com/office/powerpoint/2010/main" val="4016603217"/>
-      </p:ext>
-    </p:extLst>
-  </p:cSld>
-  <p:clrMapOvr>
-    <a:masterClrMapping/>
-  </p:clrMapOvr>
-</p:sld>
-</file>
-
-<file path=ppt/slides/slide9.xml><?xml version="1.0" encoding="utf-8"?>
-<p:sld xmlns:a="http://schemas.openxmlformats.org/drawingml/2006/main" xmlns:r="http://schemas.openxmlformats.org/officeDocument/2006/relationships" xmlns:p="http://schemas.openxmlformats.org/presentationml/2006/main">
-  <p:cSld>
-    <p:spTree>
-      <p:nvGrpSpPr>
-        <p:cNvPr id="1" name=""/>
-        <p:cNvGrpSpPr/>
-        <p:nvPr/>
-      </p:nvGrpSpPr>
-      <p:grpSpPr>
-        <a:xfrm>
-          <a:off x="0" y="0"/>
-          <a:ext cx="0" cy="0"/>
-          <a:chOff x="0" y="0"/>
-          <a:chExt cx="0" cy="0"/>
-        </a:xfrm>
-      </p:grpSpPr>
-      <p:sp>
-        <p:nvSpPr>
-          <p:cNvPr id="9" name="标题 8">
-            <a:extLst>
-              <a:ext uri="{FF2B5EF4-FFF2-40B4-BE49-F238E27FC236}">
-                <a16:creationId xmlns:a16="http://schemas.microsoft.com/office/drawing/2014/main" id="{CBBDCFAD-A00F-4327-A29B-83FD7FEB5998}"/>
-              </a:ext>
-            </a:extLst>
-          </p:cNvPr>
-          <p:cNvSpPr>
-            <a:spLocks noGrp="1"/>
-          </p:cNvSpPr>
-          <p:nvPr>
-            <p:ph type="title"/>
-          </p:nvPr>
-        </p:nvSpPr>
-        <p:spPr>
-          <a:xfrm>
-            <a:off x="0" y="0"/>
-            <a:ext cx="7886700" cy="1325563"/>
-          </a:xfrm>
-        </p:spPr>
-        <p:txBody>
-          <a:bodyPr/>
-          <a:lstStyle/>
-          <a:p>
-            <a:r>
-              <a:rPr lang="en-GB" dirty="0" err="1">
-                <a:latin typeface="Garamond" panose="02020404030301010803" pitchFamily="18" charset="0"/>
-              </a:rPr>
-              <a:t>Bioimplantable</a:t>
-            </a:r>
-            <a:r>
-              <a:rPr lang="en-GB" dirty="0">
-                <a:latin typeface="Garamond" panose="02020404030301010803" pitchFamily="18" charset="0"/>
-              </a:rPr>
-              <a:t> Device</a:t>
-            </a:r>
-          </a:p>
-        </p:txBody>
-      </p:sp>
-      <p:sp>
-        <p:nvSpPr>
-          <p:cNvPr id="2" name="TextBox 1">
-            <a:extLst>
-              <a:ext uri="{FF2B5EF4-FFF2-40B4-BE49-F238E27FC236}">
-                <a16:creationId xmlns:a16="http://schemas.microsoft.com/office/drawing/2014/main" id="{5B1E85A3-2890-471E-BCC9-EED2BDD19C0D}"/>
-              </a:ext>
-            </a:extLst>
-          </p:cNvPr>
-          <p:cNvSpPr txBox="1"/>
-          <p:nvPr/>
-        </p:nvSpPr>
-        <p:spPr>
-          <a:xfrm>
-            <a:off x="381837" y="1205802"/>
-            <a:ext cx="5325627" cy="461665"/>
-          </a:xfrm>
-          <a:prstGeom prst="rect">
-            <a:avLst/>
-          </a:prstGeom>
-          <a:noFill/>
-        </p:spPr>
-        <p:txBody>
-          <a:bodyPr wrap="square" rtlCol="0">
-            <a:spAutoFit/>
-          </a:bodyPr>
-          <a:lstStyle/>
-          <a:p>
-            <a:r>
-              <a:rPr lang="es-ES" sz="2400" dirty="0">
-                <a:latin typeface="Garamond" panose="02020404030301010803" pitchFamily="18" charset="0"/>
-              </a:rPr>
-              <a:t>1. </a:t>
-            </a:r>
-            <a:r>
-              <a:rPr lang="es-ES" sz="2400" dirty="0" err="1">
-                <a:latin typeface="Garamond" panose="02020404030301010803" pitchFamily="18" charset="0"/>
-              </a:rPr>
-              <a:t>Previous</a:t>
-            </a:r>
-            <a:r>
-              <a:rPr lang="es-ES" sz="2400" dirty="0">
-                <a:latin typeface="Garamond" panose="02020404030301010803" pitchFamily="18" charset="0"/>
-              </a:rPr>
-              <a:t> Works</a:t>
-            </a:r>
-          </a:p>
-        </p:txBody>
-      </p:sp>
-      <p:sp>
-        <p:nvSpPr>
-          <p:cNvPr id="10" name="TextBox 9">
-            <a:extLst>
-              <a:ext uri="{FF2B5EF4-FFF2-40B4-BE49-F238E27FC236}">
-                <a16:creationId xmlns:a16="http://schemas.microsoft.com/office/drawing/2014/main" id="{BEB842C0-42DB-4654-9C4B-9E4CA6E4CBC8}"/>
-              </a:ext>
-            </a:extLst>
-          </p:cNvPr>
-          <p:cNvSpPr txBox="1"/>
-          <p:nvPr/>
-        </p:nvSpPr>
-        <p:spPr>
-          <a:xfrm>
-            <a:off x="381837" y="2224054"/>
-            <a:ext cx="2016705" cy="369332"/>
-          </a:xfrm>
-          <a:prstGeom prst="rect">
-            <a:avLst/>
-          </a:prstGeom>
-          <a:gradFill rotWithShape="1">
-            <a:gsLst>
-              <a:gs pos="0">
-                <a:srgbClr val="9BBB59">
-                  <a:tint val="50000"/>
-                  <a:satMod val="300000"/>
-                </a:srgbClr>
-              </a:gs>
-              <a:gs pos="35000">
-                <a:srgbClr val="9BBB59">
-                  <a:tint val="37000"/>
-                  <a:satMod val="300000"/>
-                </a:srgbClr>
-              </a:gs>
-              <a:gs pos="100000">
-                <a:srgbClr val="9BBB59">
-                  <a:tint val="15000"/>
-                  <a:satMod val="350000"/>
-                </a:srgbClr>
-              </a:gs>
-            </a:gsLst>
-            <a:lin ang="16200000" scaled="1"/>
-          </a:gradFill>
-          <a:ln w="9525" cap="flat" cmpd="sng" algn="ctr">
-            <a:solidFill>
-              <a:srgbClr val="9BBB59">
-                <a:shade val="95000"/>
-                <a:satMod val="105000"/>
-              </a:srgbClr>
-            </a:solidFill>
-            <a:prstDash val="solid"/>
-          </a:ln>
-          <a:effectLst>
-            <a:outerShdw blurRad="40000" dist="20000" dir="5400000" rotWithShape="0">
-              <a:srgbClr val="000000">
-                <a:alpha val="38000"/>
-              </a:srgbClr>
-            </a:outerShdw>
-          </a:effectLst>
-        </p:spPr>
-        <p:txBody>
-          <a:bodyPr wrap="square" rtlCol="0">
-            <a:spAutoFit/>
-          </a:bodyPr>
-          <a:lstStyle/>
-          <a:p>
-            <a:pPr marL="0" marR="0" lvl="0" indent="0" defTabSz="914400" eaLnBrk="1" fontAlgn="auto" latinLnBrk="0" hangingPunct="1">
-              <a:lnSpc>
-                <a:spcPct val="100000"/>
-              </a:lnSpc>
-              <a:spcBef>
-                <a:spcPts val="0"/>
-              </a:spcBef>
-              <a:spcAft>
-                <a:spcPts val="0"/>
-              </a:spcAft>
-              <a:buClrTx/>
-              <a:buSzTx/>
-              <a:buFontTx/>
-              <a:buNone/>
-              <a:tabLst/>
-              <a:defRPr/>
-            </a:pPr>
-            <a:r>
-              <a:rPr kumimoji="0" lang="es-ES" sz="1800" b="0" i="0" u="none" strike="noStrike" kern="0" cap="none" spc="0" normalizeH="0" baseline="0" noProof="0" dirty="0" err="1">
-                <a:ln>
-                  <a:noFill/>
-                </a:ln>
-                <a:solidFill>
-                  <a:prstClr val="black"/>
-                </a:solidFill>
-                <a:effectLst/>
-                <a:uLnTx/>
-                <a:uFillTx/>
-                <a:latin typeface="Calibri"/>
-                <a:ea typeface="+mn-ea"/>
-                <a:cs typeface="+mn-cs"/>
-              </a:rPr>
-              <a:t>Technical</a:t>
-            </a:r>
-            <a:r>
-              <a:rPr kumimoji="0" lang="es-ES" sz="1800" b="0" i="0" u="none" strike="noStrike" kern="0" cap="none" spc="0" normalizeH="0" baseline="0" noProof="0" dirty="0">
-                <a:ln>
-                  <a:noFill/>
-                </a:ln>
-                <a:solidFill>
-                  <a:prstClr val="black"/>
-                </a:solidFill>
-                <a:effectLst/>
-                <a:uLnTx/>
-                <a:uFillTx/>
-                <a:latin typeface="Calibri"/>
-                <a:ea typeface="+mn-ea"/>
-                <a:cs typeface="+mn-cs"/>
-              </a:rPr>
-              <a:t> </a:t>
-            </a:r>
-            <a:r>
-              <a:rPr kumimoji="0" lang="es-ES" sz="1800" b="0" i="0" u="none" strike="noStrike" kern="0" cap="none" spc="0" normalizeH="0" baseline="0" noProof="0" dirty="0" err="1">
-                <a:ln>
-                  <a:noFill/>
-                </a:ln>
-                <a:solidFill>
-                  <a:prstClr val="black"/>
-                </a:solidFill>
-                <a:effectLst/>
-                <a:uLnTx/>
-                <a:uFillTx/>
-                <a:latin typeface="Calibri"/>
-                <a:ea typeface="+mn-ea"/>
-                <a:cs typeface="+mn-cs"/>
-              </a:rPr>
-              <a:t>Features</a:t>
-            </a:r>
-            <a:endParaRPr kumimoji="0" lang="es-ES" sz="1800" b="0" i="0" u="none" strike="noStrike" kern="0" cap="none" spc="0" normalizeH="0" baseline="0" noProof="0" dirty="0">
-              <a:ln>
-                <a:noFill/>
-              </a:ln>
-              <a:solidFill>
-                <a:prstClr val="black"/>
-              </a:solidFill>
-              <a:effectLst/>
-              <a:uLnTx/>
-              <a:uFillTx/>
-              <a:latin typeface="Calibri"/>
-              <a:ea typeface="+mn-ea"/>
-              <a:cs typeface="+mn-cs"/>
-            </a:endParaRPr>
-          </a:p>
-        </p:txBody>
-      </p:sp>
-      <p:sp>
-        <p:nvSpPr>
-          <p:cNvPr id="11" name="TextBox 10">
-            <a:extLst>
-              <a:ext uri="{FF2B5EF4-FFF2-40B4-BE49-F238E27FC236}">
-                <a16:creationId xmlns:a16="http://schemas.microsoft.com/office/drawing/2014/main" id="{FB280A59-E2B8-4F14-B513-ACA4333B4CB5}"/>
-              </a:ext>
-            </a:extLst>
-          </p:cNvPr>
-          <p:cNvSpPr txBox="1"/>
-          <p:nvPr/>
-        </p:nvSpPr>
-        <p:spPr>
-          <a:xfrm>
-            <a:off x="381837" y="3656876"/>
-            <a:ext cx="2016705" cy="369332"/>
-          </a:xfrm>
-          <a:prstGeom prst="rect">
-            <a:avLst/>
-          </a:prstGeom>
-          <a:gradFill rotWithShape="1">
-            <a:gsLst>
-              <a:gs pos="0">
-                <a:srgbClr val="9BBB59">
-                  <a:tint val="50000"/>
-                  <a:satMod val="300000"/>
-                </a:srgbClr>
-              </a:gs>
-              <a:gs pos="35000">
-                <a:srgbClr val="9BBB59">
-                  <a:tint val="37000"/>
-                  <a:satMod val="300000"/>
-                </a:srgbClr>
-              </a:gs>
-              <a:gs pos="100000">
-                <a:srgbClr val="9BBB59">
-                  <a:tint val="15000"/>
-                  <a:satMod val="350000"/>
-                </a:srgbClr>
-              </a:gs>
-            </a:gsLst>
-            <a:lin ang="16200000" scaled="1"/>
-          </a:gradFill>
-          <a:ln w="9525" cap="flat" cmpd="sng" algn="ctr">
-            <a:solidFill>
-              <a:srgbClr val="9BBB59">
-                <a:shade val="95000"/>
-                <a:satMod val="105000"/>
-              </a:srgbClr>
-            </a:solidFill>
-            <a:prstDash val="solid"/>
-          </a:ln>
-          <a:effectLst>
-            <a:outerShdw blurRad="40000" dist="20000" dir="5400000" rotWithShape="0">
-              <a:srgbClr val="000000">
-                <a:alpha val="38000"/>
-              </a:srgbClr>
-            </a:outerShdw>
-          </a:effectLst>
-        </p:spPr>
-        <p:txBody>
-          <a:bodyPr wrap="square" rtlCol="0">
-            <a:spAutoFit/>
-          </a:bodyPr>
-          <a:lstStyle/>
-          <a:p>
-            <a:pPr marL="0" marR="0" lvl="0" indent="0" defTabSz="914400" eaLnBrk="1" fontAlgn="auto" latinLnBrk="0" hangingPunct="1">
-              <a:lnSpc>
-                <a:spcPct val="100000"/>
-              </a:lnSpc>
-              <a:spcBef>
-                <a:spcPts val="0"/>
-              </a:spcBef>
-              <a:spcAft>
-                <a:spcPts val="0"/>
-              </a:spcAft>
-              <a:buClrTx/>
-              <a:buSzTx/>
-              <a:buFontTx/>
-              <a:buNone/>
-              <a:tabLst/>
-              <a:defRPr/>
-            </a:pPr>
-            <a:r>
-              <a:rPr kumimoji="0" lang="es-ES" sz="1800" b="0" i="0" u="none" strike="noStrike" kern="0" cap="none" spc="0" normalizeH="0" baseline="0" noProof="0" dirty="0" err="1">
-                <a:ln>
-                  <a:noFill/>
-                </a:ln>
-                <a:solidFill>
-                  <a:prstClr val="black"/>
-                </a:solidFill>
-                <a:effectLst/>
-                <a:uLnTx/>
-                <a:uFillTx/>
-                <a:latin typeface="Calibri"/>
-                <a:ea typeface="+mn-ea"/>
-                <a:cs typeface="+mn-cs"/>
-              </a:rPr>
-              <a:t>Possible</a:t>
-            </a:r>
-            <a:r>
-              <a:rPr kumimoji="0" lang="es-ES" sz="1800" b="0" i="0" u="none" strike="noStrike" kern="0" cap="none" spc="0" normalizeH="0" baseline="0" noProof="0" dirty="0">
-                <a:ln>
-                  <a:noFill/>
-                </a:ln>
-                <a:solidFill>
-                  <a:prstClr val="black"/>
-                </a:solidFill>
-                <a:effectLst/>
-                <a:uLnTx/>
-                <a:uFillTx/>
-                <a:latin typeface="Calibri"/>
-                <a:ea typeface="+mn-ea"/>
-                <a:cs typeface="+mn-cs"/>
-              </a:rPr>
-              <a:t> </a:t>
-            </a:r>
-            <a:r>
-              <a:rPr kumimoji="0" lang="es-ES" sz="1800" b="0" i="0" u="none" strike="noStrike" kern="0" cap="none" spc="0" normalizeH="0" baseline="0" noProof="0" dirty="0" err="1">
-                <a:ln>
-                  <a:noFill/>
-                </a:ln>
-                <a:solidFill>
-                  <a:prstClr val="black"/>
-                </a:solidFill>
-                <a:effectLst/>
-                <a:uLnTx/>
-                <a:uFillTx/>
-                <a:latin typeface="Calibri"/>
-                <a:ea typeface="+mn-ea"/>
-                <a:cs typeface="+mn-cs"/>
-              </a:rPr>
-              <a:t>Problems</a:t>
-            </a:r>
-            <a:endParaRPr kumimoji="0" lang="es-ES" sz="1800" b="0" i="0" u="none" strike="noStrike" kern="0" cap="none" spc="0" normalizeH="0" baseline="0" noProof="0" dirty="0">
-              <a:ln>
-                <a:noFill/>
-              </a:ln>
-              <a:solidFill>
-                <a:prstClr val="black"/>
-              </a:solidFill>
-              <a:effectLst/>
-              <a:uLnTx/>
-              <a:uFillTx/>
-              <a:latin typeface="Calibri"/>
-              <a:ea typeface="+mn-ea"/>
-              <a:cs typeface="+mn-cs"/>
-            </a:endParaRPr>
-          </a:p>
-        </p:txBody>
-      </p:sp>
-      <p:sp>
-        <p:nvSpPr>
-          <p:cNvPr id="12" name="TextBox 11">
-            <a:extLst>
-              <a:ext uri="{FF2B5EF4-FFF2-40B4-BE49-F238E27FC236}">
-                <a16:creationId xmlns:a16="http://schemas.microsoft.com/office/drawing/2014/main" id="{3398AE39-76D6-431B-9E0D-1AB62F784BCF}"/>
-              </a:ext>
-            </a:extLst>
-          </p:cNvPr>
-          <p:cNvSpPr txBox="1"/>
-          <p:nvPr/>
-        </p:nvSpPr>
-        <p:spPr>
-          <a:xfrm>
-            <a:off x="904557" y="2730957"/>
-            <a:ext cx="9915843" cy="523220"/>
-          </a:xfrm>
-          <a:prstGeom prst="rect">
-            <a:avLst/>
-          </a:prstGeom>
-          <a:noFill/>
-        </p:spPr>
-        <p:txBody>
-          <a:bodyPr wrap="square" rtlCol="0">
-            <a:spAutoFit/>
-          </a:bodyPr>
-          <a:lstStyle/>
-          <a:p>
-            <a:pPr marL="285750" marR="0" lvl="0" indent="-285750" defTabSz="914400" eaLnBrk="1" fontAlgn="auto" latinLnBrk="0" hangingPunct="1">
-              <a:lnSpc>
-                <a:spcPct val="100000"/>
-              </a:lnSpc>
-              <a:spcBef>
-                <a:spcPts val="0"/>
-              </a:spcBef>
-              <a:spcAft>
-                <a:spcPts val="0"/>
-              </a:spcAft>
-              <a:buClrTx/>
-              <a:buSzTx/>
-              <a:buFont typeface="Arial" panose="020B0604020202020204" pitchFamily="34" charset="0"/>
-              <a:buChar char="•"/>
-              <a:tabLst/>
-              <a:defRPr/>
-            </a:pPr>
-            <a:r>
-              <a:rPr kumimoji="0" lang="es-ES" sz="1400" b="0" i="0" u="none" strike="noStrike" kern="0" cap="none" spc="0" normalizeH="0" baseline="0" noProof="0" dirty="0" err="1">
-                <a:ln>
-                  <a:noFill/>
-                </a:ln>
-                <a:solidFill>
-                  <a:prstClr val="black"/>
-                </a:solidFill>
-                <a:effectLst/>
-                <a:uLnTx/>
-                <a:uFillTx/>
-              </a:rPr>
-              <a:t>Magnetic</a:t>
-            </a:r>
-            <a:r>
-              <a:rPr kumimoji="0" lang="es-ES" sz="1400" b="0" i="0" u="none" strike="noStrike" kern="0" cap="none" spc="0" normalizeH="0" baseline="0" noProof="0" dirty="0">
-                <a:ln>
-                  <a:noFill/>
-                </a:ln>
-                <a:solidFill>
-                  <a:prstClr val="black"/>
-                </a:solidFill>
-                <a:effectLst/>
-                <a:uLnTx/>
-                <a:uFillTx/>
-              </a:rPr>
-              <a:t> </a:t>
-            </a:r>
-            <a:r>
-              <a:rPr kumimoji="0" lang="es-ES" sz="1400" b="0" i="0" u="none" strike="noStrike" kern="0" cap="none" spc="0" normalizeH="0" baseline="0" noProof="0" dirty="0" err="1">
-                <a:ln>
-                  <a:noFill/>
-                </a:ln>
-                <a:solidFill>
-                  <a:prstClr val="black"/>
-                </a:solidFill>
-                <a:effectLst/>
-                <a:uLnTx/>
-                <a:uFillTx/>
-              </a:rPr>
-              <a:t>Coupling</a:t>
-            </a:r>
-            <a:r>
-              <a:rPr kumimoji="0" lang="es-ES" sz="1400" b="0" i="0" u="none" strike="noStrike" kern="0" cap="none" spc="0" normalizeH="0" baseline="0" noProof="0" dirty="0">
-                <a:ln>
-                  <a:noFill/>
-                </a:ln>
-                <a:solidFill>
-                  <a:prstClr val="black"/>
-                </a:solidFill>
-                <a:effectLst/>
-                <a:uLnTx/>
-                <a:uFillTx/>
-              </a:rPr>
-              <a:t>: </a:t>
-            </a:r>
-            <a:r>
-              <a:rPr kumimoji="0" lang="es-ES" sz="1400" b="0" i="0" u="none" strike="noStrike" kern="0" cap="none" spc="0" normalizeH="0" baseline="0" noProof="0" dirty="0" err="1">
-                <a:ln>
-                  <a:noFill/>
-                </a:ln>
-                <a:solidFill>
-                  <a:prstClr val="black"/>
-                </a:solidFill>
-                <a:effectLst/>
-                <a:uLnTx/>
-                <a:uFillTx/>
-              </a:rPr>
-              <a:t>Three</a:t>
-            </a:r>
-            <a:r>
-              <a:rPr kumimoji="0" lang="es-ES" sz="1400" b="0" i="0" u="none" strike="noStrike" kern="0" cap="none" spc="0" normalizeH="0" baseline="0" noProof="0" dirty="0">
-                <a:ln>
-                  <a:noFill/>
-                </a:ln>
-                <a:solidFill>
-                  <a:prstClr val="black"/>
-                </a:solidFill>
-                <a:effectLst/>
-                <a:uLnTx/>
-                <a:uFillTx/>
-              </a:rPr>
-              <a:t> </a:t>
-            </a:r>
-            <a:r>
-              <a:rPr kumimoji="0" lang="es-ES" sz="1400" b="0" i="0" u="none" strike="noStrike" kern="0" cap="none" spc="0" normalizeH="0" baseline="0" noProof="0" dirty="0" err="1">
-                <a:ln>
-                  <a:noFill/>
-                </a:ln>
-                <a:solidFill>
-                  <a:prstClr val="black"/>
-                </a:solidFill>
-                <a:effectLst/>
-                <a:uLnTx/>
-                <a:uFillTx/>
-              </a:rPr>
-              <a:t>turn</a:t>
-            </a:r>
-            <a:r>
-              <a:rPr kumimoji="0" lang="es-ES" sz="1400" b="0" i="0" u="none" strike="noStrike" kern="0" cap="none" spc="0" normalizeH="0" baseline="0" noProof="0" dirty="0">
-                <a:ln>
-                  <a:noFill/>
-                </a:ln>
-                <a:solidFill>
-                  <a:prstClr val="black"/>
-                </a:solidFill>
-                <a:effectLst/>
-                <a:uLnTx/>
-                <a:uFillTx/>
-              </a:rPr>
-              <a:t> </a:t>
-            </a:r>
-            <a:r>
-              <a:rPr kumimoji="0" lang="es-ES" sz="1400" b="0" i="0" u="none" strike="noStrike" kern="0" cap="none" spc="0" normalizeH="0" baseline="0" noProof="0" dirty="0" err="1">
-                <a:ln>
-                  <a:noFill/>
-                </a:ln>
-                <a:solidFill>
-                  <a:prstClr val="black"/>
-                </a:solidFill>
-                <a:effectLst/>
-                <a:uLnTx/>
-                <a:uFillTx/>
-              </a:rPr>
-              <a:t>coil</a:t>
-            </a:r>
-            <a:r>
-              <a:rPr kumimoji="0" lang="es-ES" sz="1400" b="0" i="0" u="none" strike="noStrike" kern="0" cap="none" spc="0" normalizeH="0" baseline="0" noProof="0" dirty="0">
-                <a:ln>
-                  <a:noFill/>
-                </a:ln>
-                <a:solidFill>
-                  <a:prstClr val="black"/>
-                </a:solidFill>
-                <a:effectLst/>
-                <a:uLnTx/>
-                <a:uFillTx/>
-              </a:rPr>
-              <a:t> </a:t>
-            </a:r>
-            <a:r>
-              <a:rPr kumimoji="0" lang="es-ES" sz="1400" b="0" i="0" u="none" strike="noStrike" kern="0" cap="none" spc="0" normalizeH="0" baseline="0" noProof="0" dirty="0" err="1">
-                <a:ln>
-                  <a:noFill/>
-                </a:ln>
-                <a:solidFill>
-                  <a:prstClr val="black"/>
-                </a:solidFill>
-                <a:effectLst/>
-                <a:uLnTx/>
-                <a:uFillTx/>
-              </a:rPr>
-              <a:t>with</a:t>
-            </a:r>
-            <a:r>
-              <a:rPr kumimoji="0" lang="es-ES" sz="1400" b="0" i="0" u="none" strike="noStrike" kern="0" cap="none" spc="0" normalizeH="0" baseline="0" noProof="0" dirty="0">
-                <a:ln>
-                  <a:noFill/>
-                </a:ln>
-                <a:solidFill>
-                  <a:prstClr val="black"/>
-                </a:solidFill>
-                <a:effectLst/>
-                <a:uLnTx/>
-                <a:uFillTx/>
-              </a:rPr>
-              <a:t> SMD capacitor (4pF) and </a:t>
-            </a:r>
-            <a:r>
-              <a:rPr kumimoji="0" lang="es-ES" sz="1400" b="0" i="0" u="none" strike="noStrike" kern="0" cap="none" spc="0" normalizeH="0" baseline="0" noProof="0" dirty="0" err="1">
-                <a:ln>
-                  <a:noFill/>
-                </a:ln>
-                <a:solidFill>
-                  <a:prstClr val="black"/>
-                </a:solidFill>
-                <a:effectLst/>
-                <a:uLnTx/>
-                <a:uFillTx/>
-              </a:rPr>
-              <a:t>resonant</a:t>
-            </a:r>
-            <a:r>
-              <a:rPr kumimoji="0" lang="es-ES" sz="1400" b="0" i="0" u="none" strike="noStrike" kern="0" cap="none" spc="0" normalizeH="0" baseline="0" noProof="0" dirty="0">
-                <a:ln>
-                  <a:noFill/>
-                </a:ln>
-                <a:solidFill>
-                  <a:prstClr val="black"/>
-                </a:solidFill>
-                <a:effectLst/>
-                <a:uLnTx/>
-                <a:uFillTx/>
-              </a:rPr>
-              <a:t> </a:t>
-            </a:r>
-            <a:r>
-              <a:rPr kumimoji="0" lang="es-ES" sz="1400" b="0" i="0" u="none" strike="noStrike" kern="0" cap="none" spc="0" normalizeH="0" baseline="0" noProof="0" dirty="0" err="1">
-                <a:ln>
-                  <a:noFill/>
-                </a:ln>
-                <a:solidFill>
-                  <a:prstClr val="black"/>
-                </a:solidFill>
-                <a:effectLst/>
-                <a:uLnTx/>
-                <a:uFillTx/>
-              </a:rPr>
-              <a:t>frequency</a:t>
-            </a:r>
-            <a:r>
-              <a:rPr kumimoji="0" lang="es-ES" sz="1400" b="0" i="0" u="none" strike="noStrike" kern="0" cap="none" spc="0" normalizeH="0" baseline="0" noProof="0" dirty="0">
-                <a:ln>
-                  <a:noFill/>
-                </a:ln>
-                <a:solidFill>
-                  <a:prstClr val="black"/>
-                </a:solidFill>
-                <a:effectLst/>
-                <a:uLnTx/>
-                <a:uFillTx/>
-              </a:rPr>
-              <a:t> </a:t>
-            </a:r>
-            <a:r>
-              <a:rPr kumimoji="0" lang="es-ES" sz="1400" b="0" i="0" u="none" strike="noStrike" kern="0" cap="none" spc="0" normalizeH="0" baseline="0" noProof="0" dirty="0" err="1">
-                <a:ln>
-                  <a:noFill/>
-                </a:ln>
-                <a:solidFill>
-                  <a:prstClr val="black"/>
-                </a:solidFill>
-                <a:effectLst/>
-                <a:uLnTx/>
-                <a:uFillTx/>
-              </a:rPr>
-              <a:t>of</a:t>
-            </a:r>
-            <a:r>
-              <a:rPr kumimoji="0" lang="es-ES" sz="1400" b="0" i="0" u="none" strike="noStrike" kern="0" cap="none" spc="0" normalizeH="0" baseline="0" noProof="0" dirty="0">
-                <a:ln>
-                  <a:noFill/>
-                </a:ln>
-                <a:solidFill>
-                  <a:prstClr val="black"/>
-                </a:solidFill>
-                <a:effectLst/>
-                <a:uLnTx/>
-                <a:uFillTx/>
-              </a:rPr>
-              <a:t> 1.5GHz.</a:t>
-            </a:r>
-          </a:p>
-          <a:p>
-            <a:pPr marL="285750" marR="0" lvl="0" indent="-285750" defTabSz="914400" eaLnBrk="1" fontAlgn="auto" latinLnBrk="0" hangingPunct="1">
-              <a:lnSpc>
-                <a:spcPct val="100000"/>
-              </a:lnSpc>
-              <a:spcBef>
-                <a:spcPts val="0"/>
-              </a:spcBef>
-              <a:spcAft>
-                <a:spcPts val="0"/>
-              </a:spcAft>
-              <a:buClrTx/>
-              <a:buSzTx/>
-              <a:buFont typeface="Arial" panose="020B0604020202020204" pitchFamily="34" charset="0"/>
-              <a:buChar char="•"/>
-              <a:tabLst/>
-              <a:defRPr/>
-            </a:pPr>
-            <a:r>
-              <a:rPr kumimoji="0" lang="es-ES" sz="1400" b="0" i="0" u="none" strike="noStrike" kern="0" cap="none" spc="0" normalizeH="0" baseline="0" noProof="0" dirty="0" err="1">
-                <a:ln>
-                  <a:noFill/>
-                </a:ln>
-                <a:solidFill>
-                  <a:prstClr val="black"/>
-                </a:solidFill>
-                <a:effectLst/>
-                <a:uLnTx/>
-                <a:uFillTx/>
-              </a:rPr>
-              <a:t>Power</a:t>
-            </a:r>
-            <a:r>
-              <a:rPr kumimoji="0" lang="es-ES" sz="1400" b="0" i="0" u="none" strike="noStrike" kern="0" cap="none" spc="0" normalizeH="0" baseline="0" noProof="0" dirty="0">
-                <a:ln>
-                  <a:noFill/>
-                </a:ln>
-                <a:solidFill>
-                  <a:prstClr val="black"/>
-                </a:solidFill>
-                <a:effectLst/>
-                <a:uLnTx/>
-                <a:uFillTx/>
-              </a:rPr>
-              <a:t> </a:t>
-            </a:r>
-            <a:r>
-              <a:rPr kumimoji="0" lang="es-ES" sz="1400" b="0" i="0" u="none" strike="noStrike" kern="0" cap="none" spc="0" normalizeH="0" baseline="0" noProof="0" dirty="0" err="1">
-                <a:ln>
-                  <a:noFill/>
-                </a:ln>
-                <a:solidFill>
-                  <a:prstClr val="black"/>
-                </a:solidFill>
-                <a:effectLst/>
-                <a:uLnTx/>
-                <a:uFillTx/>
-              </a:rPr>
-              <a:t>consumption</a:t>
-            </a:r>
-            <a:r>
-              <a:rPr kumimoji="0" lang="es-ES" sz="1400" b="0" i="0" u="none" strike="noStrike" kern="0" cap="none" spc="0" normalizeH="0" baseline="0" noProof="0" dirty="0">
-                <a:ln>
-                  <a:noFill/>
-                </a:ln>
-                <a:solidFill>
-                  <a:prstClr val="black"/>
-                </a:solidFill>
-                <a:effectLst/>
-                <a:uLnTx/>
-                <a:uFillTx/>
-              </a:rPr>
-              <a:t>: </a:t>
-            </a:r>
-            <a:r>
-              <a:rPr kumimoji="0" lang="es-ES" sz="1400" b="0" i="0" u="none" strike="noStrike" kern="0" cap="none" spc="0" normalizeH="0" baseline="0" noProof="0" dirty="0" err="1">
-                <a:ln>
-                  <a:noFill/>
-                </a:ln>
-                <a:solidFill>
-                  <a:prstClr val="black"/>
-                </a:solidFill>
-                <a:effectLst/>
-                <a:uLnTx/>
-                <a:uFillTx/>
-              </a:rPr>
-              <a:t>max</a:t>
-            </a:r>
-            <a:r>
-              <a:rPr kumimoji="0" lang="es-ES" sz="1400" b="0" i="0" u="none" strike="noStrike" kern="0" cap="none" spc="0" normalizeH="0" baseline="0" noProof="0" dirty="0">
-                <a:ln>
-                  <a:noFill/>
-                </a:ln>
-                <a:solidFill>
-                  <a:prstClr val="black"/>
-                </a:solidFill>
-                <a:effectLst/>
-                <a:uLnTx/>
-                <a:uFillTx/>
-              </a:rPr>
-              <a:t> 4W.</a:t>
-            </a:r>
-          </a:p>
-        </p:txBody>
-      </p:sp>
-      <p:sp>
-        <p:nvSpPr>
-          <p:cNvPr id="13" name="TextBox 12">
-            <a:extLst>
-              <a:ext uri="{FF2B5EF4-FFF2-40B4-BE49-F238E27FC236}">
-                <a16:creationId xmlns:a16="http://schemas.microsoft.com/office/drawing/2014/main" id="{35946DF7-C3B0-4300-9F07-FB6EB7FC120E}"/>
-              </a:ext>
-            </a:extLst>
-          </p:cNvPr>
-          <p:cNvSpPr txBox="1"/>
-          <p:nvPr/>
-        </p:nvSpPr>
-        <p:spPr>
-          <a:xfrm>
-            <a:off x="904557" y="4190090"/>
-            <a:ext cx="10515917" cy="1292662"/>
-          </a:xfrm>
-          <a:prstGeom prst="rect">
-            <a:avLst/>
-          </a:prstGeom>
-          <a:noFill/>
-        </p:spPr>
-        <p:txBody>
-          <a:bodyPr wrap="square" rtlCol="0">
-            <a:spAutoFit/>
-          </a:bodyPr>
-          <a:lstStyle/>
-          <a:p>
-            <a:pPr marL="285750" indent="-285750" defTabSz="914400">
-              <a:buFont typeface="Arial" panose="020B0604020202020204" pitchFamily="34" charset="0"/>
-              <a:buChar char="•"/>
-            </a:pPr>
-            <a:r>
-              <a:rPr lang="es-ES" sz="1400" dirty="0" err="1">
-                <a:solidFill>
-                  <a:prstClr val="black"/>
-                </a:solidFill>
-                <a:latin typeface="Garamond" panose="02020404030301010803" pitchFamily="18" charset="0"/>
-              </a:rPr>
-              <a:t>Designed</a:t>
-            </a:r>
-            <a:r>
-              <a:rPr lang="es-ES" sz="1400" dirty="0">
-                <a:solidFill>
-                  <a:prstClr val="black"/>
-                </a:solidFill>
-                <a:latin typeface="Garamond" panose="02020404030301010803" pitchFamily="18" charset="0"/>
-              </a:rPr>
-              <a:t> </a:t>
-            </a:r>
-            <a:r>
-              <a:rPr lang="es-ES" sz="1400" dirty="0" err="1">
-                <a:solidFill>
-                  <a:prstClr val="black"/>
-                </a:solidFill>
-                <a:latin typeface="Garamond" panose="02020404030301010803" pitchFamily="18" charset="0"/>
-              </a:rPr>
-              <a:t>for</a:t>
-            </a:r>
-            <a:r>
-              <a:rPr lang="es-ES" sz="1400" dirty="0">
-                <a:solidFill>
-                  <a:prstClr val="black"/>
-                </a:solidFill>
-                <a:latin typeface="Garamond" panose="02020404030301010803" pitchFamily="18" charset="0"/>
-              </a:rPr>
-              <a:t> </a:t>
-            </a:r>
-            <a:r>
-              <a:rPr lang="es-ES" sz="1400" dirty="0" err="1">
-                <a:solidFill>
-                  <a:prstClr val="black"/>
-                </a:solidFill>
-                <a:latin typeface="Garamond" panose="02020404030301010803" pitchFamily="18" charset="0"/>
-              </a:rPr>
-              <a:t>only</a:t>
-            </a:r>
-            <a:r>
-              <a:rPr lang="es-ES" sz="1400" dirty="0">
-                <a:solidFill>
-                  <a:prstClr val="black"/>
-                </a:solidFill>
-                <a:latin typeface="Garamond" panose="02020404030301010803" pitchFamily="18" charset="0"/>
-              </a:rPr>
-              <a:t> 1 </a:t>
-            </a:r>
-            <a:r>
-              <a:rPr lang="es-ES" sz="1400" dirty="0" err="1">
-                <a:solidFill>
-                  <a:prstClr val="black"/>
-                </a:solidFill>
-                <a:latin typeface="Garamond" panose="02020404030301010803" pitchFamily="18" charset="0"/>
-              </a:rPr>
-              <a:t>or</a:t>
-            </a:r>
-            <a:r>
-              <a:rPr lang="es-ES" sz="1400" dirty="0">
-                <a:solidFill>
-                  <a:prstClr val="black"/>
-                </a:solidFill>
-                <a:latin typeface="Garamond" panose="02020404030301010803" pitchFamily="18" charset="0"/>
-              </a:rPr>
-              <a:t> more leds </a:t>
-            </a:r>
-            <a:r>
-              <a:rPr lang="es-ES" sz="1400" dirty="0" err="1">
-                <a:solidFill>
-                  <a:prstClr val="black"/>
-                </a:solidFill>
-                <a:latin typeface="Garamond" panose="02020404030301010803" pitchFamily="18" charset="0"/>
-              </a:rPr>
-              <a:t>working</a:t>
-            </a:r>
-            <a:r>
-              <a:rPr lang="es-ES" sz="1400" dirty="0">
-                <a:solidFill>
-                  <a:prstClr val="black"/>
-                </a:solidFill>
-                <a:latin typeface="Garamond" panose="02020404030301010803" pitchFamily="18" charset="0"/>
-              </a:rPr>
-              <a:t> at </a:t>
-            </a:r>
-            <a:r>
-              <a:rPr lang="es-ES" sz="1400" dirty="0" err="1">
-                <a:solidFill>
-                  <a:prstClr val="black"/>
-                </a:solidFill>
-                <a:latin typeface="Garamond" panose="02020404030301010803" pitchFamily="18" charset="0"/>
-              </a:rPr>
-              <a:t>the</a:t>
-            </a:r>
-            <a:r>
-              <a:rPr lang="es-ES" sz="1400" dirty="0">
-                <a:solidFill>
-                  <a:prstClr val="black"/>
-                </a:solidFill>
-                <a:latin typeface="Garamond" panose="02020404030301010803" pitchFamily="18" charset="0"/>
-              </a:rPr>
-              <a:t> </a:t>
-            </a:r>
-            <a:r>
-              <a:rPr lang="es-ES" sz="1400" dirty="0" err="1">
-                <a:solidFill>
-                  <a:prstClr val="black"/>
-                </a:solidFill>
-                <a:latin typeface="Garamond" panose="02020404030301010803" pitchFamily="18" charset="0"/>
-              </a:rPr>
-              <a:t>same</a:t>
-            </a:r>
-            <a:r>
-              <a:rPr lang="es-ES" sz="1400" dirty="0">
-                <a:solidFill>
-                  <a:prstClr val="black"/>
-                </a:solidFill>
-                <a:latin typeface="Garamond" panose="02020404030301010803" pitchFamily="18" charset="0"/>
-              </a:rPr>
-              <a:t> pulse. </a:t>
-            </a:r>
-          </a:p>
-          <a:p>
-            <a:pPr marL="285750" indent="-285750" defTabSz="914400">
-              <a:buFont typeface="Arial" panose="020B0604020202020204" pitchFamily="34" charset="0"/>
-              <a:buChar char="•"/>
-            </a:pPr>
-            <a:r>
-              <a:rPr lang="es-ES" sz="1400" dirty="0">
-                <a:solidFill>
-                  <a:prstClr val="black"/>
-                </a:solidFill>
-                <a:latin typeface="Garamond" panose="02020404030301010803" pitchFamily="18" charset="0"/>
-              </a:rPr>
-              <a:t>No control </a:t>
-            </a:r>
-            <a:r>
-              <a:rPr lang="es-ES" sz="1400" dirty="0" err="1">
-                <a:solidFill>
-                  <a:prstClr val="black"/>
-                </a:solidFill>
-                <a:latin typeface="Garamond" panose="02020404030301010803" pitchFamily="18" charset="0"/>
-              </a:rPr>
-              <a:t>structure</a:t>
-            </a:r>
-            <a:r>
-              <a:rPr lang="es-ES" sz="1400" dirty="0">
-                <a:solidFill>
-                  <a:prstClr val="black"/>
-                </a:solidFill>
-                <a:latin typeface="Garamond" panose="02020404030301010803" pitchFamily="18" charset="0"/>
-              </a:rPr>
-              <a:t> </a:t>
-            </a:r>
-            <a:r>
-              <a:rPr lang="es-ES" sz="1400" dirty="0" err="1">
-                <a:solidFill>
-                  <a:prstClr val="black"/>
-                </a:solidFill>
-                <a:latin typeface="Garamond" panose="02020404030301010803" pitchFamily="18" charset="0"/>
-              </a:rPr>
-              <a:t>implemented</a:t>
-            </a:r>
-            <a:r>
-              <a:rPr lang="es-ES" sz="1400" dirty="0">
-                <a:solidFill>
-                  <a:prstClr val="black"/>
-                </a:solidFill>
-                <a:latin typeface="Garamond" panose="02020404030301010803" pitchFamily="18" charset="0"/>
-              </a:rPr>
-              <a:t>.</a:t>
-            </a:r>
-          </a:p>
-          <a:p>
-            <a:pPr marL="285750" indent="-285750" defTabSz="914400">
-              <a:buFont typeface="Arial" panose="020B0604020202020204" pitchFamily="34" charset="0"/>
-              <a:buChar char="•"/>
-            </a:pPr>
-            <a:r>
-              <a:rPr lang="es-ES" sz="1400" dirty="0" err="1">
-                <a:solidFill>
-                  <a:prstClr val="black"/>
-                </a:solidFill>
-                <a:latin typeface="Garamond" panose="02020404030301010803" pitchFamily="18" charset="0"/>
-              </a:rPr>
-              <a:t>Usage</a:t>
-            </a:r>
-            <a:r>
-              <a:rPr lang="es-ES" sz="1400" dirty="0">
-                <a:solidFill>
-                  <a:prstClr val="black"/>
-                </a:solidFill>
-                <a:latin typeface="Garamond" panose="02020404030301010803" pitchFamily="18" charset="0"/>
-              </a:rPr>
-              <a:t> </a:t>
-            </a:r>
-            <a:r>
-              <a:rPr lang="es-ES" sz="1400" dirty="0" err="1">
-                <a:solidFill>
-                  <a:prstClr val="black"/>
-                </a:solidFill>
-                <a:latin typeface="Garamond" panose="02020404030301010803" pitchFamily="18" charset="0"/>
-              </a:rPr>
-              <a:t>of</a:t>
-            </a:r>
-            <a:r>
-              <a:rPr lang="es-ES" sz="1400" dirty="0">
-                <a:solidFill>
-                  <a:prstClr val="black"/>
-                </a:solidFill>
-                <a:latin typeface="Garamond" panose="02020404030301010803" pitchFamily="18" charset="0"/>
-              </a:rPr>
-              <a:t> non biocompatible-flexible </a:t>
-            </a:r>
-            <a:r>
-              <a:rPr lang="es-ES" sz="1400" dirty="0" err="1">
-                <a:solidFill>
-                  <a:prstClr val="black"/>
-                </a:solidFill>
-                <a:latin typeface="Garamond" panose="02020404030301010803" pitchFamily="18" charset="0"/>
-              </a:rPr>
-              <a:t>substrate</a:t>
-            </a:r>
-            <a:r>
-              <a:rPr lang="es-ES" sz="1400" dirty="0">
-                <a:solidFill>
-                  <a:prstClr val="black"/>
-                </a:solidFill>
-                <a:latin typeface="Garamond" panose="02020404030301010803" pitchFamily="18" charset="0"/>
-              </a:rPr>
-              <a:t>.</a:t>
-            </a:r>
-          </a:p>
-          <a:p>
-            <a:pPr marL="285750" indent="-285750" defTabSz="914400">
-              <a:buFont typeface="Arial" panose="020B0604020202020204" pitchFamily="34" charset="0"/>
-              <a:buChar char="•"/>
-            </a:pPr>
-            <a:endParaRPr lang="es-ES" sz="1800" dirty="0">
-              <a:solidFill>
-                <a:prstClr val="black"/>
-              </a:solidFill>
-              <a:latin typeface="Garamond" panose="02020404030301010803" pitchFamily="18" charset="0"/>
-            </a:endParaRPr>
-          </a:p>
-          <a:p>
-            <a:pPr marL="285750" indent="-285750" defTabSz="914400">
-              <a:buFont typeface="Arial" panose="020B0604020202020204" pitchFamily="34" charset="0"/>
-              <a:buChar char="•"/>
-            </a:pPr>
-            <a:endParaRPr lang="es-ES" sz="1800" dirty="0">
-              <a:solidFill>
-                <a:prstClr val="black"/>
-              </a:solidFill>
-              <a:latin typeface="Garamond" panose="02020404030301010803" pitchFamily="18" charset="0"/>
-            </a:endParaRPr>
-          </a:p>
-        </p:txBody>
-      </p:sp>
-    </p:spTree>
-    <p:extLst>
-      <p:ext uri="{BB962C8B-B14F-4D97-AF65-F5344CB8AC3E}">
-        <p14:creationId xmlns:p14="http://schemas.microsoft.com/office/powerpoint/2010/main" val="3554510310"/>
       </p:ext>
     </p:extLst>
   </p:cSld>
